--- a/docs/第10回探索アルゴリズム.pptx
+++ b/docs/第10回探索アルゴリズム.pptx
@@ -9,6 +9,11 @@
     <p:sldId id="257" r:id="rId3"/>
     <p:sldId id="273" r:id="rId4"/>
     <p:sldId id="274" r:id="rId5"/>
+    <p:sldId id="279" r:id="rId6"/>
+    <p:sldId id="275" r:id="rId7"/>
+    <p:sldId id="276" r:id="rId8"/>
+    <p:sldId id="277" r:id="rId9"/>
+    <p:sldId id="278" r:id="rId10"/>
   </p:sldIdLst>
   <p:sldSz cx="12192000" cy="6858000"/>
   <p:notesSz cx="6858000" cy="9144000"/>
@@ -246,7 +251,7 @@
           <a:p>
             <a:fld id="{BC217E9B-DFCD-4DFE-B7ED-A5F6001EB7CB}" type="datetimeFigureOut">
               <a:rPr kumimoji="1" lang="ja-JP" altLang="en-US" smtClean="0"/>
-              <a:t>2019/5/12</a:t>
+              <a:t>2019/5/15</a:t>
             </a:fld>
             <a:endParaRPr kumimoji="1" lang="ja-JP" altLang="en-US"/>
           </a:p>
@@ -448,7 +453,7 @@
           <a:p>
             <a:fld id="{BC217E9B-DFCD-4DFE-B7ED-A5F6001EB7CB}" type="datetimeFigureOut">
               <a:rPr kumimoji="1" lang="ja-JP" altLang="en-US" smtClean="0"/>
-              <a:t>2019/5/12</a:t>
+              <a:t>2019/5/15</a:t>
             </a:fld>
             <a:endParaRPr kumimoji="1" lang="ja-JP" altLang="en-US"/>
           </a:p>
@@ -660,7 +665,7 @@
           <a:p>
             <a:fld id="{BC217E9B-DFCD-4DFE-B7ED-A5F6001EB7CB}" type="datetimeFigureOut">
               <a:rPr kumimoji="1" lang="ja-JP" altLang="en-US" smtClean="0"/>
-              <a:t>2019/5/12</a:t>
+              <a:t>2019/5/15</a:t>
             </a:fld>
             <a:endParaRPr kumimoji="1" lang="ja-JP" altLang="en-US"/>
           </a:p>
@@ -862,7 +867,7 @@
           <a:p>
             <a:fld id="{BC217E9B-DFCD-4DFE-B7ED-A5F6001EB7CB}" type="datetimeFigureOut">
               <a:rPr kumimoji="1" lang="ja-JP" altLang="en-US" smtClean="0"/>
-              <a:t>2019/5/12</a:t>
+              <a:t>2019/5/15</a:t>
             </a:fld>
             <a:endParaRPr kumimoji="1" lang="ja-JP" altLang="en-US"/>
           </a:p>
@@ -1108,7 +1113,7 @@
           <a:p>
             <a:fld id="{BC217E9B-DFCD-4DFE-B7ED-A5F6001EB7CB}" type="datetimeFigureOut">
               <a:rPr kumimoji="1" lang="ja-JP" altLang="en-US" smtClean="0"/>
-              <a:t>2019/5/12</a:t>
+              <a:t>2019/5/15</a:t>
             </a:fld>
             <a:endParaRPr kumimoji="1" lang="ja-JP" altLang="en-US"/>
           </a:p>
@@ -1404,7 +1409,7 @@
           <a:p>
             <a:fld id="{BC217E9B-DFCD-4DFE-B7ED-A5F6001EB7CB}" type="datetimeFigureOut">
               <a:rPr kumimoji="1" lang="ja-JP" altLang="en-US" smtClean="0"/>
-              <a:t>2019/5/12</a:t>
+              <a:t>2019/5/15</a:t>
             </a:fld>
             <a:endParaRPr kumimoji="1" lang="ja-JP" altLang="en-US"/>
           </a:p>
@@ -1835,7 +1840,7 @@
           <a:p>
             <a:fld id="{BC217E9B-DFCD-4DFE-B7ED-A5F6001EB7CB}" type="datetimeFigureOut">
               <a:rPr kumimoji="1" lang="ja-JP" altLang="en-US" smtClean="0"/>
-              <a:t>2019/5/12</a:t>
+              <a:t>2019/5/15</a:t>
             </a:fld>
             <a:endParaRPr kumimoji="1" lang="ja-JP" altLang="en-US"/>
           </a:p>
@@ -1953,7 +1958,7 @@
           <a:p>
             <a:fld id="{BC217E9B-DFCD-4DFE-B7ED-A5F6001EB7CB}" type="datetimeFigureOut">
               <a:rPr kumimoji="1" lang="ja-JP" altLang="en-US" smtClean="0"/>
-              <a:t>2019/5/12</a:t>
+              <a:t>2019/5/15</a:t>
             </a:fld>
             <a:endParaRPr kumimoji="1" lang="ja-JP" altLang="en-US"/>
           </a:p>
@@ -2048,7 +2053,7 @@
           <a:p>
             <a:fld id="{BC217E9B-DFCD-4DFE-B7ED-A5F6001EB7CB}" type="datetimeFigureOut">
               <a:rPr kumimoji="1" lang="ja-JP" altLang="en-US" smtClean="0"/>
-              <a:t>2019/5/12</a:t>
+              <a:t>2019/5/15</a:t>
             </a:fld>
             <a:endParaRPr kumimoji="1" lang="ja-JP" altLang="en-US"/>
           </a:p>
@@ -2357,7 +2362,7 @@
           <a:p>
             <a:fld id="{BC217E9B-DFCD-4DFE-B7ED-A5F6001EB7CB}" type="datetimeFigureOut">
               <a:rPr kumimoji="1" lang="ja-JP" altLang="en-US" smtClean="0"/>
-              <a:t>2019/5/12</a:t>
+              <a:t>2019/5/15</a:t>
             </a:fld>
             <a:endParaRPr kumimoji="1" lang="ja-JP" altLang="en-US"/>
           </a:p>
@@ -2610,7 +2615,7 @@
           <a:p>
             <a:fld id="{BC217E9B-DFCD-4DFE-B7ED-A5F6001EB7CB}" type="datetimeFigureOut">
               <a:rPr kumimoji="1" lang="ja-JP" altLang="en-US" smtClean="0"/>
-              <a:t>2019/5/12</a:t>
+              <a:t>2019/5/15</a:t>
             </a:fld>
             <a:endParaRPr kumimoji="1" lang="ja-JP" altLang="en-US"/>
           </a:p>
@@ -2855,7 +2860,7 @@
           <a:p>
             <a:fld id="{BC217E9B-DFCD-4DFE-B7ED-A5F6001EB7CB}" type="datetimeFigureOut">
               <a:rPr kumimoji="1" lang="ja-JP" altLang="en-US" smtClean="0"/>
-              <a:t>2019/5/12</a:t>
+              <a:t>2019/5/15</a:t>
             </a:fld>
             <a:endParaRPr kumimoji="1" lang="ja-JP" altLang="en-US"/>
           </a:p>
@@ -3301,7 +3306,11 @@
             </a:r>
             <a:r>
               <a:rPr lang="en-US" altLang="ja-JP" sz="4000" dirty="0" smtClean="0"/>
-              <a:t>8</a:t>
+              <a:t>1</a:t>
+            </a:r>
+            <a:r>
+              <a:rPr lang="en-US" altLang="ja-JP" sz="4000" dirty="0"/>
+              <a:t>0</a:t>
             </a:r>
             <a:r>
               <a:rPr lang="ja-JP" altLang="en-US" sz="4000" dirty="0" smtClean="0"/>
@@ -3326,10 +3335,6 @@
               <a:rPr lang="en-US" altLang="ja-JP" sz="4000" dirty="0" smtClean="0"/>
               <a:t>”</a:t>
             </a:r>
-            <a:r>
-              <a:rPr lang="en-US" altLang="ja-JP" sz="4000" dirty="0" smtClean="0"/>
-              <a:t/>
-            </a:r>
             <a:br>
               <a:rPr lang="en-US" altLang="ja-JP" sz="4000" dirty="0" smtClean="0"/>
             </a:br>
@@ -3339,11 +3344,7 @@
             </a:r>
             <a:r>
               <a:rPr lang="en-US" altLang="ja-JP" sz="4000" dirty="0" smtClean="0"/>
-              <a:t>Page </a:t>
-            </a:r>
-            <a:r>
-              <a:rPr lang="en-US" altLang="ja-JP" sz="4000" dirty="0" smtClean="0"/>
-              <a:t>57-70)</a:t>
+              <a:t>Page 57-70)</a:t>
             </a:r>
             <a:endParaRPr kumimoji="1" lang="ja-JP" altLang="en-US" sz="4000" dirty="0"/>
           </a:p>
@@ -3473,11 +3474,7 @@
           <a:p>
             <a:r>
               <a:rPr kumimoji="1" lang="ja-JP" altLang="en-US" sz="3600" dirty="0" smtClean="0"/>
-              <a:t>・前回の復習</a:t>
-            </a:r>
-            <a:r>
-              <a:rPr kumimoji="1" lang="ja-JP" altLang="en-US" sz="3600" dirty="0" smtClean="0"/>
-              <a:t>（最大値最小値を求める）</a:t>
+              <a:t>・前回の復習（最大値最小値を求める）</a:t>
             </a:r>
             <a:endParaRPr kumimoji="1" lang="en-US" altLang="ja-JP" sz="3600" dirty="0" smtClean="0"/>
           </a:p>
@@ -4613,6 +4610,2803 @@
     <p:extLst>
       <p:ext uri="{BB962C8B-B14F-4D97-AF65-F5344CB8AC3E}">
         <p14:creationId xmlns:p14="http://schemas.microsoft.com/office/powerpoint/2010/main" val="1343879201"/>
+      </p:ext>
+    </p:extLst>
+  </p:cSld>
+  <p:clrMapOvr>
+    <a:masterClrMapping/>
+  </p:clrMapOvr>
+</p:sld>
+</file>
+
+<file path=ppt/slides/slide5.xml><?xml version="1.0" encoding="utf-8"?>
+<p:sld xmlns:a="http://schemas.openxmlformats.org/drawingml/2006/main" xmlns:r="http://schemas.openxmlformats.org/officeDocument/2006/relationships" xmlns:p="http://schemas.openxmlformats.org/presentationml/2006/main">
+  <p:cSld>
+    <p:spTree>
+      <p:nvGrpSpPr>
+        <p:cNvPr id="1" name=""/>
+        <p:cNvGrpSpPr/>
+        <p:nvPr/>
+      </p:nvGrpSpPr>
+      <p:grpSpPr>
+        <a:xfrm>
+          <a:off x="0" y="0"/>
+          <a:ext cx="0" cy="0"/>
+          <a:chOff x="0" y="0"/>
+          <a:chExt cx="0" cy="0"/>
+        </a:xfrm>
+      </p:grpSpPr>
+      <p:sp>
+        <p:nvSpPr>
+          <p:cNvPr id="4" name="テキスト ボックス 3"/>
+          <p:cNvSpPr txBox="1"/>
+          <p:nvPr/>
+        </p:nvSpPr>
+        <p:spPr>
+          <a:xfrm>
+            <a:off x="4175267" y="646229"/>
+            <a:ext cx="2778325" cy="646331"/>
+          </a:xfrm>
+          <a:prstGeom prst="rect">
+            <a:avLst/>
+          </a:prstGeom>
+          <a:noFill/>
+        </p:spPr>
+        <p:txBody>
+          <a:bodyPr wrap="none" rtlCol="0">
+            <a:spAutoFit/>
+          </a:bodyPr>
+          <a:lstStyle/>
+          <a:p>
+            <a:r>
+              <a:rPr kumimoji="1" lang="en-US" altLang="ja-JP" sz="3600" dirty="0" smtClean="0"/>
+              <a:t>Training 2-2</a:t>
+            </a:r>
+            <a:endParaRPr kumimoji="1" lang="ja-JP" altLang="en-US" sz="3600" dirty="0"/>
+          </a:p>
+        </p:txBody>
+      </p:sp>
+      <p:sp>
+        <p:nvSpPr>
+          <p:cNvPr id="3" name="テキスト ボックス 2"/>
+          <p:cNvSpPr txBox="1"/>
+          <p:nvPr/>
+        </p:nvSpPr>
+        <p:spPr>
+          <a:xfrm>
+            <a:off x="3341717" y="2485505"/>
+            <a:ext cx="6760184" cy="923330"/>
+          </a:xfrm>
+          <a:prstGeom prst="rect">
+            <a:avLst/>
+          </a:prstGeom>
+          <a:noFill/>
+        </p:spPr>
+        <p:txBody>
+          <a:bodyPr wrap="none" rtlCol="0">
+            <a:spAutoFit/>
+          </a:bodyPr>
+          <a:lstStyle/>
+          <a:p>
+            <a:r>
+              <a:rPr lang="ja-JP" altLang="en-US" dirty="0" smtClean="0"/>
+              <a:t>・文字型：</a:t>
+            </a:r>
+            <a:r>
+              <a:rPr lang="en-US" altLang="ja-JP" dirty="0" smtClean="0"/>
+              <a:t>Code</a:t>
+            </a:r>
+            <a:r>
+              <a:rPr lang="ja-JP" altLang="en-US" dirty="0" smtClean="0"/>
+              <a:t>　は、 </a:t>
+            </a:r>
+            <a:r>
+              <a:rPr lang="en-US" altLang="ja-JP" dirty="0" smtClean="0"/>
+              <a:t>pc1 pc2 rt1 rt2</a:t>
+            </a:r>
+            <a:r>
+              <a:rPr lang="ja-JP" altLang="en-US" dirty="0" smtClean="0"/>
+              <a:t>　とかが入る</a:t>
+            </a:r>
+            <a:endParaRPr lang="en-US" altLang="ja-JP" dirty="0" smtClean="0"/>
+          </a:p>
+          <a:p>
+            <a:r>
+              <a:rPr lang="ja-JP" altLang="en-US" dirty="0" smtClean="0"/>
+              <a:t>・関数　</a:t>
+            </a:r>
+            <a:r>
+              <a:rPr lang="en-US" altLang="ja-JP" dirty="0" err="1" smtClean="0"/>
+              <a:t>PriceSearch</a:t>
+            </a:r>
+            <a:r>
+              <a:rPr lang="ja-JP" altLang="en-US" dirty="0" smtClean="0"/>
+              <a:t>は、</a:t>
+            </a:r>
+            <a:r>
+              <a:rPr lang="en-US" altLang="ja-JP" dirty="0" smtClean="0"/>
+              <a:t>Code</a:t>
+            </a:r>
+            <a:r>
+              <a:rPr lang="ja-JP" altLang="en-US" dirty="0" smtClean="0"/>
+              <a:t>が見つからなければ、 </a:t>
+            </a:r>
+            <a:r>
+              <a:rPr lang="en-US" altLang="ja-JP" dirty="0" smtClean="0"/>
+              <a:t>-1 </a:t>
+            </a:r>
+            <a:r>
+              <a:rPr lang="ja-JP" altLang="en-US" dirty="0" smtClean="0"/>
+              <a:t>を返す</a:t>
+            </a:r>
+            <a:endParaRPr lang="en-US" altLang="ja-JP" smtClean="0"/>
+          </a:p>
+          <a:p>
+            <a:endParaRPr lang="en-US" altLang="ja-JP" dirty="0" smtClean="0"/>
+          </a:p>
+        </p:txBody>
+      </p:sp>
+    </p:spTree>
+    <p:extLst>
+      <p:ext uri="{BB962C8B-B14F-4D97-AF65-F5344CB8AC3E}">
+        <p14:creationId xmlns:p14="http://schemas.microsoft.com/office/powerpoint/2010/main" val="3987526567"/>
+      </p:ext>
+    </p:extLst>
+  </p:cSld>
+  <p:clrMapOvr>
+    <a:masterClrMapping/>
+  </p:clrMapOvr>
+</p:sld>
+</file>
+
+<file path=ppt/slides/slide6.xml><?xml version="1.0" encoding="utf-8"?>
+<p:sld xmlns:a="http://schemas.openxmlformats.org/drawingml/2006/main" xmlns:r="http://schemas.openxmlformats.org/officeDocument/2006/relationships" xmlns:p="http://schemas.openxmlformats.org/presentationml/2006/main">
+  <p:cSld>
+    <p:spTree>
+      <p:nvGrpSpPr>
+        <p:cNvPr id="1" name=""/>
+        <p:cNvGrpSpPr/>
+        <p:nvPr/>
+      </p:nvGrpSpPr>
+      <p:grpSpPr>
+        <a:xfrm>
+          <a:off x="0" y="0"/>
+          <a:ext cx="0" cy="0"/>
+          <a:chOff x="0" y="0"/>
+          <a:chExt cx="0" cy="0"/>
+        </a:xfrm>
+      </p:grpSpPr>
+      <p:sp>
+        <p:nvSpPr>
+          <p:cNvPr id="3" name="テキスト ボックス 2"/>
+          <p:cNvSpPr txBox="1"/>
+          <p:nvPr/>
+        </p:nvSpPr>
+        <p:spPr>
+          <a:xfrm>
+            <a:off x="328672" y="115739"/>
+            <a:ext cx="4139275" cy="6740307"/>
+          </a:xfrm>
+          <a:prstGeom prst="rect">
+            <a:avLst/>
+          </a:prstGeom>
+          <a:noFill/>
+        </p:spPr>
+        <p:txBody>
+          <a:bodyPr wrap="none" rtlCol="0">
+            <a:spAutoFit/>
+          </a:bodyPr>
+          <a:lstStyle/>
+          <a:p>
+            <a:r>
+              <a:rPr lang="ja-JP" altLang="en-US" sz="1200" dirty="0"/>
+              <a:t>○プログラム名：</a:t>
+            </a:r>
+            <a:r>
+              <a:rPr lang="en-US" altLang="ja-JP" sz="1200" dirty="0"/>
+              <a:t>2</a:t>
+            </a:r>
+            <a:r>
+              <a:rPr lang="ja-JP" altLang="en-US" sz="1200" dirty="0"/>
+              <a:t>分探索 </a:t>
+            </a:r>
+            <a:r>
+              <a:rPr lang="en-US" altLang="ja-JP" sz="1200" dirty="0"/>
+              <a:t>/* </a:t>
+            </a:r>
+            <a:r>
+              <a:rPr lang="ja-JP" altLang="en-US" sz="1200" dirty="0"/>
+              <a:t>教科書 </a:t>
+            </a:r>
+            <a:r>
+              <a:rPr lang="en-US" altLang="ja-JP" sz="1200" dirty="0"/>
+              <a:t>66</a:t>
+            </a:r>
+            <a:r>
+              <a:rPr lang="ja-JP" altLang="en-US" sz="1200" dirty="0"/>
+              <a:t>ページサンプル *</a:t>
+            </a:r>
+            <a:r>
+              <a:rPr lang="en-US" altLang="ja-JP" sz="1200" dirty="0"/>
+              <a:t>/</a:t>
+            </a:r>
+          </a:p>
+          <a:p>
+            <a:r>
+              <a:rPr lang="en-US" altLang="ja-JP" sz="1200" dirty="0"/>
+              <a:t>○</a:t>
+            </a:r>
+            <a:r>
+              <a:rPr lang="ja-JP" altLang="en-US" sz="1200" dirty="0"/>
+              <a:t>整数型：</a:t>
+            </a:r>
+            <a:r>
+              <a:rPr lang="en-US" altLang="ja-JP" sz="1200" dirty="0"/>
+              <a:t>Ret</a:t>
+            </a:r>
+          </a:p>
+          <a:p>
+            <a:endParaRPr lang="en-US" altLang="ja-JP" sz="1200" dirty="0"/>
+          </a:p>
+          <a:p>
+            <a:r>
+              <a:rPr lang="en-US" altLang="ja-JP" sz="1200" dirty="0"/>
+              <a:t>●Ret ← </a:t>
+            </a:r>
+            <a:r>
+              <a:rPr lang="en-US" altLang="ja-JP" sz="1200" dirty="0" err="1" smtClean="0"/>
+              <a:t>BinarySearch</a:t>
+            </a:r>
+            <a:r>
+              <a:rPr lang="en-US" altLang="ja-JP" sz="1200" dirty="0" smtClean="0"/>
+              <a:t>(22)</a:t>
+            </a:r>
+            <a:endParaRPr lang="en-US" altLang="ja-JP" sz="1200" dirty="0"/>
+          </a:p>
+          <a:p>
+            <a:r>
+              <a:rPr lang="en-US" altLang="ja-JP" sz="1200" dirty="0"/>
+              <a:t>●</a:t>
+            </a:r>
+            <a:r>
+              <a:rPr lang="ja-JP" altLang="en-US" sz="1200" dirty="0"/>
+              <a:t>表示処理</a:t>
+            </a:r>
+            <a:r>
+              <a:rPr lang="en-US" altLang="ja-JP" sz="1200" dirty="0"/>
+              <a:t>(Ret)</a:t>
+            </a:r>
+          </a:p>
+          <a:p>
+            <a:endParaRPr lang="en-US" altLang="ja-JP" sz="1200" dirty="0"/>
+          </a:p>
+          <a:p>
+            <a:r>
+              <a:rPr lang="en-US" altLang="ja-JP" sz="1200" dirty="0"/>
+              <a:t>/* </a:t>
+            </a:r>
+            <a:r>
+              <a:rPr lang="ja-JP" altLang="en-US" sz="1200" dirty="0"/>
+              <a:t>以下関数となる *</a:t>
+            </a:r>
+            <a:r>
+              <a:rPr lang="en-US" altLang="ja-JP" sz="1200" dirty="0"/>
+              <a:t>/</a:t>
+            </a:r>
+          </a:p>
+          <a:p>
+            <a:r>
+              <a:rPr lang="en-US" altLang="ja-JP" sz="1200" dirty="0"/>
+              <a:t>○</a:t>
+            </a:r>
+            <a:r>
+              <a:rPr lang="ja-JP" altLang="en-US" sz="1200" dirty="0"/>
+              <a:t>整数型：</a:t>
+            </a:r>
+            <a:r>
+              <a:rPr lang="en-US" altLang="ja-JP" sz="1200" dirty="0" err="1"/>
+              <a:t>BinarySearch</a:t>
+            </a:r>
+            <a:r>
+              <a:rPr lang="en-US" altLang="ja-JP" sz="1200" dirty="0"/>
+              <a:t>(</a:t>
+            </a:r>
+            <a:r>
+              <a:rPr lang="ja-JP" altLang="en-US" sz="1200" dirty="0"/>
+              <a:t>整数型：</a:t>
+            </a:r>
+            <a:r>
+              <a:rPr lang="en-US" altLang="ja-JP" sz="1200" dirty="0"/>
+              <a:t>X)</a:t>
+            </a:r>
+          </a:p>
+          <a:p>
+            <a:r>
+              <a:rPr lang="en-US" altLang="ja-JP" sz="1200" dirty="0"/>
+              <a:t>○</a:t>
+            </a:r>
+            <a:r>
+              <a:rPr lang="ja-JP" altLang="en-US" sz="1200" dirty="0"/>
+              <a:t>整数型：</a:t>
+            </a:r>
+            <a:r>
+              <a:rPr lang="en-US" altLang="ja-JP" sz="1200" dirty="0"/>
+              <a:t>T[6]</a:t>
+            </a:r>
+          </a:p>
+          <a:p>
+            <a:r>
+              <a:rPr lang="en-US" altLang="ja-JP" sz="1200" dirty="0"/>
+              <a:t>○</a:t>
+            </a:r>
+            <a:r>
+              <a:rPr lang="ja-JP" altLang="en-US" sz="1200" dirty="0"/>
+              <a:t>整数型：</a:t>
+            </a:r>
+            <a:r>
+              <a:rPr lang="en-US" altLang="ja-JP" sz="1200" dirty="0"/>
+              <a:t>L</a:t>
+            </a:r>
+          </a:p>
+          <a:p>
+            <a:r>
+              <a:rPr lang="en-US" altLang="ja-JP" sz="1200" dirty="0"/>
+              <a:t>○</a:t>
+            </a:r>
+            <a:r>
+              <a:rPr lang="ja-JP" altLang="en-US" sz="1200" dirty="0"/>
+              <a:t>整数型：</a:t>
+            </a:r>
+            <a:r>
+              <a:rPr lang="en-US" altLang="ja-JP" sz="1200" dirty="0"/>
+              <a:t>H</a:t>
+            </a:r>
+          </a:p>
+          <a:p>
+            <a:r>
+              <a:rPr lang="en-US" altLang="ja-JP" sz="1200" dirty="0"/>
+              <a:t>○</a:t>
+            </a:r>
+            <a:r>
+              <a:rPr lang="ja-JP" altLang="en-US" sz="1200" dirty="0"/>
+              <a:t>整数型：</a:t>
+            </a:r>
+            <a:r>
+              <a:rPr lang="en-US" altLang="ja-JP" sz="1200" dirty="0"/>
+              <a:t>M</a:t>
+            </a:r>
+          </a:p>
+          <a:p>
+            <a:endParaRPr lang="en-US" altLang="ja-JP" sz="1200" dirty="0"/>
+          </a:p>
+          <a:p>
+            <a:r>
+              <a:rPr lang="en-US" altLang="ja-JP" sz="1200" dirty="0"/>
+              <a:t>●L←0</a:t>
+            </a:r>
+          </a:p>
+          <a:p>
+            <a:r>
+              <a:rPr lang="en-US" altLang="ja-JP" sz="1200" dirty="0"/>
+              <a:t>●H←5</a:t>
+            </a:r>
+          </a:p>
+          <a:p>
+            <a:r>
+              <a:rPr lang="en-US" altLang="ja-JP" sz="1200" dirty="0"/>
+              <a:t>●M←(L</a:t>
+            </a:r>
+            <a:r>
+              <a:rPr lang="ja-JP" altLang="en-US" sz="1200" dirty="0"/>
+              <a:t>＋</a:t>
+            </a:r>
+            <a:r>
+              <a:rPr lang="en-US" altLang="ja-JP" sz="1200" dirty="0"/>
+              <a:t>H)÷2</a:t>
+            </a:r>
+          </a:p>
+          <a:p>
+            <a:endParaRPr lang="en-US" altLang="ja-JP" sz="1200" dirty="0"/>
+          </a:p>
+          <a:p>
+            <a:r>
+              <a:rPr lang="en-US" altLang="ja-JP" sz="1200" dirty="0"/>
+              <a:t>●T[0] ← 1</a:t>
+            </a:r>
+          </a:p>
+          <a:p>
+            <a:r>
+              <a:rPr lang="en-US" altLang="ja-JP" sz="1200" dirty="0"/>
+              <a:t>●T[1] ← 4</a:t>
+            </a:r>
+          </a:p>
+          <a:p>
+            <a:r>
+              <a:rPr lang="en-US" altLang="ja-JP" sz="1200" dirty="0"/>
+              <a:t>●T[2] ← 8</a:t>
+            </a:r>
+          </a:p>
+          <a:p>
+            <a:r>
+              <a:rPr lang="en-US" altLang="ja-JP" sz="1200" dirty="0"/>
+              <a:t>●T[3] ← 13</a:t>
+            </a:r>
+          </a:p>
+          <a:p>
+            <a:r>
+              <a:rPr lang="en-US" altLang="ja-JP" sz="1200" dirty="0"/>
+              <a:t>●T[4] ← 16</a:t>
+            </a:r>
+          </a:p>
+          <a:p>
+            <a:r>
+              <a:rPr lang="en-US" altLang="ja-JP" sz="1200" dirty="0"/>
+              <a:t>●T[5] ← 22</a:t>
+            </a:r>
+          </a:p>
+          <a:p>
+            <a:endParaRPr lang="en-US" altLang="ja-JP" sz="1200" dirty="0"/>
+          </a:p>
+          <a:p>
+            <a:r>
+              <a:rPr lang="en-US" altLang="ja-JP" sz="1200" dirty="0"/>
+              <a:t>■L≦H</a:t>
+            </a:r>
+          </a:p>
+          <a:p>
+            <a:r>
+              <a:rPr lang="ja-JP" altLang="en-US" sz="1200" dirty="0"/>
+              <a:t>｜▲</a:t>
+            </a:r>
+            <a:r>
+              <a:rPr lang="en-US" altLang="ja-JP" sz="1200" dirty="0"/>
+              <a:t>T[M]=X</a:t>
+            </a:r>
+          </a:p>
+          <a:p>
+            <a:r>
+              <a:rPr lang="ja-JP" altLang="en-US" sz="1200" dirty="0"/>
+              <a:t>｜｜  ●</a:t>
+            </a:r>
+            <a:r>
+              <a:rPr lang="en-US" altLang="ja-JP" sz="1200" dirty="0"/>
+              <a:t>return(M)</a:t>
+            </a:r>
+          </a:p>
+          <a:p>
+            <a:r>
+              <a:rPr lang="ja-JP" altLang="en-US" sz="1200" dirty="0"/>
+              <a:t>｜｜  ▲</a:t>
+            </a:r>
+            <a:r>
+              <a:rPr lang="en-US" altLang="ja-JP" sz="1200" dirty="0"/>
+              <a:t>T[M]&gt;X</a:t>
+            </a:r>
+          </a:p>
+          <a:p>
+            <a:r>
+              <a:rPr lang="ja-JP" altLang="en-US" sz="1200" dirty="0"/>
+              <a:t>｜｜  ｜● </a:t>
+            </a:r>
+            <a:r>
+              <a:rPr lang="en-US" altLang="ja-JP" sz="1200" dirty="0"/>
+              <a:t>H ← M </a:t>
+            </a:r>
+            <a:r>
+              <a:rPr lang="ja-JP" altLang="en-US" sz="1200" dirty="0"/>
+              <a:t>－ </a:t>
+            </a:r>
+            <a:r>
+              <a:rPr lang="en-US" altLang="ja-JP" sz="1200" dirty="0"/>
+              <a:t>1</a:t>
+            </a:r>
+          </a:p>
+          <a:p>
+            <a:r>
+              <a:rPr lang="ja-JP" altLang="en-US" sz="1200" dirty="0"/>
+              <a:t>｜｜  ＋－－－－－－－－－－</a:t>
+            </a:r>
+          </a:p>
+          <a:p>
+            <a:r>
+              <a:rPr lang="ja-JP" altLang="en-US" sz="1200" dirty="0"/>
+              <a:t>｜｜  ｜● </a:t>
+            </a:r>
+            <a:r>
+              <a:rPr lang="en-US" altLang="ja-JP" sz="1200" dirty="0" smtClean="0"/>
+              <a:t>L </a:t>
+            </a:r>
+            <a:r>
+              <a:rPr lang="en-US" altLang="ja-JP" sz="1200" dirty="0"/>
+              <a:t>← M </a:t>
+            </a:r>
+            <a:r>
+              <a:rPr lang="ja-JP" altLang="en-US" sz="1200" dirty="0"/>
+              <a:t>＋ </a:t>
+            </a:r>
+            <a:r>
+              <a:rPr lang="en-US" altLang="ja-JP" sz="1200" dirty="0"/>
+              <a:t>1</a:t>
+            </a:r>
+          </a:p>
+          <a:p>
+            <a:r>
+              <a:rPr lang="ja-JP" altLang="en-US" sz="1200" dirty="0"/>
+              <a:t>｜｜  ▼</a:t>
+            </a:r>
+          </a:p>
+          <a:p>
+            <a:r>
+              <a:rPr lang="ja-JP" altLang="en-US" sz="1200" dirty="0"/>
+              <a:t>｜▼</a:t>
+            </a:r>
+          </a:p>
+          <a:p>
+            <a:r>
+              <a:rPr lang="ja-JP" altLang="en-US" sz="1200" dirty="0"/>
+              <a:t>｜●</a:t>
+            </a:r>
+            <a:r>
+              <a:rPr lang="en-US" altLang="ja-JP" sz="1200" dirty="0"/>
+              <a:t>M←(L</a:t>
+            </a:r>
+            <a:r>
+              <a:rPr lang="ja-JP" altLang="en-US" sz="1200" dirty="0"/>
+              <a:t>＋</a:t>
+            </a:r>
+            <a:r>
+              <a:rPr lang="en-US" altLang="ja-JP" sz="1200" dirty="0"/>
+              <a:t>H)÷2</a:t>
+            </a:r>
+          </a:p>
+          <a:p>
+            <a:r>
+              <a:rPr lang="en-US" altLang="ja-JP" sz="1200" dirty="0"/>
+              <a:t>□</a:t>
+            </a:r>
+          </a:p>
+          <a:p>
+            <a:r>
+              <a:rPr lang="en-US" altLang="ja-JP" sz="1200" dirty="0"/>
+              <a:t>●return(-1)</a:t>
+            </a:r>
+            <a:endParaRPr kumimoji="1" lang="ja-JP" altLang="en-US" sz="1200" dirty="0"/>
+          </a:p>
+        </p:txBody>
+      </p:sp>
+      <p:graphicFrame>
+        <p:nvGraphicFramePr>
+          <p:cNvPr id="5" name="表 4"/>
+          <p:cNvGraphicFramePr>
+            <a:graphicFrameLocks noGrp="1"/>
+          </p:cNvGraphicFramePr>
+          <p:nvPr>
+            <p:extLst>
+              <p:ext uri="{D42A27DB-BD31-4B8C-83A1-F6EECF244321}">
+                <p14:modId xmlns:p14="http://schemas.microsoft.com/office/powerpoint/2010/main" val="1494562801"/>
+              </p:ext>
+            </p:extLst>
+          </p:nvPr>
+        </p:nvGraphicFramePr>
+        <p:xfrm>
+          <a:off x="6005484" y="1027237"/>
+          <a:ext cx="4917438" cy="731520"/>
+        </p:xfrm>
+        <a:graphic>
+          <a:graphicData uri="http://schemas.openxmlformats.org/drawingml/2006/table">
+            <a:tbl>
+              <a:tblPr firstRow="1" bandRow="1">
+                <a:tableStyleId>{5C22544A-7EE6-4342-B048-85BDC9FD1C3A}</a:tableStyleId>
+              </a:tblPr>
+              <a:tblGrid>
+                <a:gridCol w="819573">
+                  <a:extLst>
+                    <a:ext uri="{9D8B030D-6E8A-4147-A177-3AD203B41FA5}">
+                      <a16:colId xmlns:a16="http://schemas.microsoft.com/office/drawing/2014/main" val="269848708"/>
+                    </a:ext>
+                  </a:extLst>
+                </a:gridCol>
+                <a:gridCol w="819573">
+                  <a:extLst>
+                    <a:ext uri="{9D8B030D-6E8A-4147-A177-3AD203B41FA5}">
+                      <a16:colId xmlns:a16="http://schemas.microsoft.com/office/drawing/2014/main" val="3426576138"/>
+                    </a:ext>
+                  </a:extLst>
+                </a:gridCol>
+                <a:gridCol w="819573">
+                  <a:extLst>
+                    <a:ext uri="{9D8B030D-6E8A-4147-A177-3AD203B41FA5}">
+                      <a16:colId xmlns:a16="http://schemas.microsoft.com/office/drawing/2014/main" val="2126635011"/>
+                    </a:ext>
+                  </a:extLst>
+                </a:gridCol>
+                <a:gridCol w="819573">
+                  <a:extLst>
+                    <a:ext uri="{9D8B030D-6E8A-4147-A177-3AD203B41FA5}">
+                      <a16:colId xmlns:a16="http://schemas.microsoft.com/office/drawing/2014/main" val="4080494730"/>
+                    </a:ext>
+                  </a:extLst>
+                </a:gridCol>
+                <a:gridCol w="819573">
+                  <a:extLst>
+                    <a:ext uri="{9D8B030D-6E8A-4147-A177-3AD203B41FA5}">
+                      <a16:colId xmlns:a16="http://schemas.microsoft.com/office/drawing/2014/main" val="2782661137"/>
+                    </a:ext>
+                  </a:extLst>
+                </a:gridCol>
+                <a:gridCol w="819573">
+                  <a:extLst>
+                    <a:ext uri="{9D8B030D-6E8A-4147-A177-3AD203B41FA5}">
+                      <a16:colId xmlns:a16="http://schemas.microsoft.com/office/drawing/2014/main" val="894099527"/>
+                    </a:ext>
+                  </a:extLst>
+                </a:gridCol>
+              </a:tblGrid>
+              <a:tr h="342593">
+                <a:tc>
+                  <a:txBody>
+                    <a:bodyPr/>
+                    <a:lstStyle/>
+                    <a:p>
+                      <a:r>
+                        <a:rPr kumimoji="1" lang="en-US" altLang="ja-JP" dirty="0" smtClean="0"/>
+                        <a:t>T[0]</a:t>
+                      </a:r>
+                      <a:endParaRPr kumimoji="1" lang="ja-JP" altLang="en-US" dirty="0"/>
+                    </a:p>
+                  </a:txBody>
+                  <a:tcPr/>
+                </a:tc>
+                <a:tc>
+                  <a:txBody>
+                    <a:bodyPr/>
+                    <a:lstStyle/>
+                    <a:p>
+                      <a:r>
+                        <a:rPr kumimoji="1" lang="en-US" altLang="ja-JP" dirty="0" smtClean="0"/>
+                        <a:t>T[1]</a:t>
+                      </a:r>
+                      <a:endParaRPr kumimoji="1" lang="ja-JP" altLang="en-US" dirty="0"/>
+                    </a:p>
+                  </a:txBody>
+                  <a:tcPr/>
+                </a:tc>
+                <a:tc>
+                  <a:txBody>
+                    <a:bodyPr/>
+                    <a:lstStyle/>
+                    <a:p>
+                      <a:r>
+                        <a:rPr kumimoji="1" lang="en-US" altLang="ja-JP" dirty="0" smtClean="0"/>
+                        <a:t>T[2]</a:t>
+                      </a:r>
+                      <a:endParaRPr kumimoji="1" lang="ja-JP" altLang="en-US" dirty="0"/>
+                    </a:p>
+                  </a:txBody>
+                  <a:tcPr/>
+                </a:tc>
+                <a:tc>
+                  <a:txBody>
+                    <a:bodyPr/>
+                    <a:lstStyle/>
+                    <a:p>
+                      <a:r>
+                        <a:rPr kumimoji="1" lang="en-US" altLang="ja-JP" dirty="0" smtClean="0"/>
+                        <a:t>T[3]</a:t>
+                      </a:r>
+                      <a:endParaRPr kumimoji="1" lang="ja-JP" altLang="en-US" dirty="0"/>
+                    </a:p>
+                  </a:txBody>
+                  <a:tcPr/>
+                </a:tc>
+                <a:tc>
+                  <a:txBody>
+                    <a:bodyPr/>
+                    <a:lstStyle/>
+                    <a:p>
+                      <a:r>
+                        <a:rPr kumimoji="1" lang="en-US" altLang="ja-JP" dirty="0" smtClean="0"/>
+                        <a:t>T[4]</a:t>
+                      </a:r>
+                      <a:endParaRPr kumimoji="1" lang="ja-JP" altLang="en-US" dirty="0"/>
+                    </a:p>
+                  </a:txBody>
+                  <a:tcPr/>
+                </a:tc>
+                <a:tc>
+                  <a:txBody>
+                    <a:bodyPr/>
+                    <a:lstStyle/>
+                    <a:p>
+                      <a:r>
+                        <a:rPr kumimoji="1" lang="en-US" altLang="ja-JP" dirty="0" smtClean="0"/>
+                        <a:t>T[5]</a:t>
+                      </a:r>
+                      <a:endParaRPr kumimoji="1" lang="ja-JP" altLang="en-US" dirty="0"/>
+                    </a:p>
+                  </a:txBody>
+                  <a:tcPr/>
+                </a:tc>
+                <a:extLst>
+                  <a:ext uri="{0D108BD9-81ED-4DB2-BD59-A6C34878D82A}">
+                    <a16:rowId xmlns:a16="http://schemas.microsoft.com/office/drawing/2014/main" val="284480592"/>
+                  </a:ext>
+                </a:extLst>
+              </a:tr>
+              <a:tr h="342593">
+                <a:tc>
+                  <a:txBody>
+                    <a:bodyPr/>
+                    <a:lstStyle/>
+                    <a:p>
+                      <a:r>
+                        <a:rPr kumimoji="1" lang="en-US" altLang="ja-JP" dirty="0" smtClean="0"/>
+                        <a:t>1</a:t>
+                      </a:r>
+                      <a:endParaRPr kumimoji="1" lang="ja-JP" altLang="en-US" dirty="0"/>
+                    </a:p>
+                  </a:txBody>
+                  <a:tcPr/>
+                </a:tc>
+                <a:tc>
+                  <a:txBody>
+                    <a:bodyPr/>
+                    <a:lstStyle/>
+                    <a:p>
+                      <a:r>
+                        <a:rPr kumimoji="1" lang="en-US" altLang="ja-JP" dirty="0" smtClean="0"/>
+                        <a:t>4</a:t>
+                      </a:r>
+                      <a:endParaRPr kumimoji="1" lang="ja-JP" altLang="en-US" dirty="0"/>
+                    </a:p>
+                  </a:txBody>
+                  <a:tcPr/>
+                </a:tc>
+                <a:tc>
+                  <a:txBody>
+                    <a:bodyPr/>
+                    <a:lstStyle/>
+                    <a:p>
+                      <a:r>
+                        <a:rPr kumimoji="1" lang="en-US" altLang="ja-JP" dirty="0" smtClean="0"/>
+                        <a:t>8</a:t>
+                      </a:r>
+                      <a:endParaRPr kumimoji="1" lang="ja-JP" altLang="en-US" dirty="0"/>
+                    </a:p>
+                  </a:txBody>
+                  <a:tcPr/>
+                </a:tc>
+                <a:tc>
+                  <a:txBody>
+                    <a:bodyPr/>
+                    <a:lstStyle/>
+                    <a:p>
+                      <a:r>
+                        <a:rPr kumimoji="1" lang="en-US" altLang="ja-JP" dirty="0" smtClean="0"/>
+                        <a:t>13</a:t>
+                      </a:r>
+                      <a:endParaRPr kumimoji="1" lang="ja-JP" altLang="en-US" dirty="0"/>
+                    </a:p>
+                  </a:txBody>
+                  <a:tcPr/>
+                </a:tc>
+                <a:tc>
+                  <a:txBody>
+                    <a:bodyPr/>
+                    <a:lstStyle/>
+                    <a:p>
+                      <a:r>
+                        <a:rPr kumimoji="1" lang="en-US" altLang="ja-JP" dirty="0" smtClean="0"/>
+                        <a:t>16</a:t>
+                      </a:r>
+                      <a:endParaRPr kumimoji="1" lang="ja-JP" altLang="en-US" dirty="0"/>
+                    </a:p>
+                  </a:txBody>
+                  <a:tcPr/>
+                </a:tc>
+                <a:tc>
+                  <a:txBody>
+                    <a:bodyPr/>
+                    <a:lstStyle/>
+                    <a:p>
+                      <a:r>
+                        <a:rPr kumimoji="1" lang="en-US" altLang="ja-JP" dirty="0" smtClean="0"/>
+                        <a:t>22</a:t>
+                      </a:r>
+                      <a:endParaRPr kumimoji="1" lang="ja-JP" altLang="en-US" dirty="0"/>
+                    </a:p>
+                  </a:txBody>
+                  <a:tcPr/>
+                </a:tc>
+                <a:extLst>
+                  <a:ext uri="{0D108BD9-81ED-4DB2-BD59-A6C34878D82A}">
+                    <a16:rowId xmlns:a16="http://schemas.microsoft.com/office/drawing/2014/main" val="4276714201"/>
+                  </a:ext>
+                </a:extLst>
+              </a:tr>
+            </a:tbl>
+          </a:graphicData>
+        </a:graphic>
+      </p:graphicFrame>
+      <p:graphicFrame>
+        <p:nvGraphicFramePr>
+          <p:cNvPr id="6" name="表 5"/>
+          <p:cNvGraphicFramePr>
+            <a:graphicFrameLocks noGrp="1"/>
+          </p:cNvGraphicFramePr>
+          <p:nvPr>
+            <p:extLst>
+              <p:ext uri="{D42A27DB-BD31-4B8C-83A1-F6EECF244321}">
+                <p14:modId xmlns:p14="http://schemas.microsoft.com/office/powerpoint/2010/main" val="4085947425"/>
+              </p:ext>
+            </p:extLst>
+          </p:nvPr>
+        </p:nvGraphicFramePr>
+        <p:xfrm>
+          <a:off x="6712066" y="2747971"/>
+          <a:ext cx="3246584" cy="1474894"/>
+        </p:xfrm>
+        <a:graphic>
+          <a:graphicData uri="http://schemas.openxmlformats.org/drawingml/2006/table">
+            <a:tbl>
+              <a:tblPr firstRow="1" bandRow="1">
+                <a:tableStyleId>{5C22544A-7EE6-4342-B048-85BDC9FD1C3A}</a:tableStyleId>
+              </a:tblPr>
+              <a:tblGrid>
+                <a:gridCol w="811646">
+                  <a:extLst>
+                    <a:ext uri="{9D8B030D-6E8A-4147-A177-3AD203B41FA5}">
+                      <a16:colId xmlns:a16="http://schemas.microsoft.com/office/drawing/2014/main" val="1665569666"/>
+                    </a:ext>
+                  </a:extLst>
+                </a:gridCol>
+                <a:gridCol w="811646">
+                  <a:extLst>
+                    <a:ext uri="{9D8B030D-6E8A-4147-A177-3AD203B41FA5}">
+                      <a16:colId xmlns:a16="http://schemas.microsoft.com/office/drawing/2014/main" val="2059508002"/>
+                    </a:ext>
+                  </a:extLst>
+                </a:gridCol>
+                <a:gridCol w="811646">
+                  <a:extLst>
+                    <a:ext uri="{9D8B030D-6E8A-4147-A177-3AD203B41FA5}">
+                      <a16:colId xmlns:a16="http://schemas.microsoft.com/office/drawing/2014/main" val="1421542516"/>
+                    </a:ext>
+                  </a:extLst>
+                </a:gridCol>
+                <a:gridCol w="811646">
+                  <a:extLst>
+                    <a:ext uri="{9D8B030D-6E8A-4147-A177-3AD203B41FA5}">
+                      <a16:colId xmlns:a16="http://schemas.microsoft.com/office/drawing/2014/main" val="944775093"/>
+                    </a:ext>
+                  </a:extLst>
+                </a:gridCol>
+              </a:tblGrid>
+              <a:tr h="377614">
+                <a:tc>
+                  <a:txBody>
+                    <a:bodyPr/>
+                    <a:lstStyle/>
+                    <a:p>
+                      <a:endParaRPr kumimoji="1" lang="ja-JP" altLang="en-US" dirty="0"/>
+                    </a:p>
+                  </a:txBody>
+                  <a:tcPr/>
+                </a:tc>
+                <a:tc>
+                  <a:txBody>
+                    <a:bodyPr/>
+                    <a:lstStyle/>
+                    <a:p>
+                      <a:r>
+                        <a:rPr kumimoji="1" lang="en-US" altLang="ja-JP" dirty="0" smtClean="0"/>
+                        <a:t>L</a:t>
+                      </a:r>
+                      <a:endParaRPr kumimoji="1" lang="ja-JP" altLang="en-US" dirty="0"/>
+                    </a:p>
+                  </a:txBody>
+                  <a:tcPr/>
+                </a:tc>
+                <a:tc>
+                  <a:txBody>
+                    <a:bodyPr/>
+                    <a:lstStyle/>
+                    <a:p>
+                      <a:r>
+                        <a:rPr kumimoji="1" lang="en-US" altLang="ja-JP" dirty="0" smtClean="0"/>
+                        <a:t>H</a:t>
+                      </a:r>
+                      <a:endParaRPr kumimoji="1" lang="ja-JP" altLang="en-US" dirty="0"/>
+                    </a:p>
+                  </a:txBody>
+                  <a:tcPr/>
+                </a:tc>
+                <a:tc>
+                  <a:txBody>
+                    <a:bodyPr/>
+                    <a:lstStyle/>
+                    <a:p>
+                      <a:r>
+                        <a:rPr kumimoji="1" lang="en-US" altLang="ja-JP" dirty="0" smtClean="0"/>
+                        <a:t>M</a:t>
+                      </a:r>
+                      <a:endParaRPr kumimoji="1" lang="ja-JP" altLang="en-US" dirty="0"/>
+                    </a:p>
+                  </a:txBody>
+                  <a:tcPr/>
+                </a:tc>
+                <a:extLst>
+                  <a:ext uri="{0D108BD9-81ED-4DB2-BD59-A6C34878D82A}">
+                    <a16:rowId xmlns:a16="http://schemas.microsoft.com/office/drawing/2014/main" val="1603516201"/>
+                  </a:ext>
+                </a:extLst>
+              </a:tr>
+              <a:tr h="356493">
+                <a:tc>
+                  <a:txBody>
+                    <a:bodyPr/>
+                    <a:lstStyle/>
+                    <a:p>
+                      <a:r>
+                        <a:rPr kumimoji="1" lang="en-US" altLang="ja-JP" dirty="0" smtClean="0"/>
+                        <a:t>0</a:t>
+                      </a:r>
+                      <a:r>
+                        <a:rPr kumimoji="1" lang="ja-JP" altLang="en-US" dirty="0" smtClean="0"/>
+                        <a:t>回目</a:t>
+                      </a:r>
+                      <a:endParaRPr kumimoji="1" lang="ja-JP" altLang="en-US" dirty="0"/>
+                    </a:p>
+                  </a:txBody>
+                  <a:tcPr/>
+                </a:tc>
+                <a:tc>
+                  <a:txBody>
+                    <a:bodyPr/>
+                    <a:lstStyle/>
+                    <a:p>
+                      <a:r>
+                        <a:rPr kumimoji="1" lang="en-US" altLang="ja-JP" dirty="0" smtClean="0"/>
+                        <a:t>0</a:t>
+                      </a:r>
+                      <a:endParaRPr kumimoji="1" lang="ja-JP" altLang="en-US" dirty="0"/>
+                    </a:p>
+                  </a:txBody>
+                  <a:tcPr/>
+                </a:tc>
+                <a:tc>
+                  <a:txBody>
+                    <a:bodyPr/>
+                    <a:lstStyle/>
+                    <a:p>
+                      <a:r>
+                        <a:rPr kumimoji="1" lang="en-US" altLang="ja-JP" dirty="0" smtClean="0"/>
+                        <a:t>5</a:t>
+                      </a:r>
+                      <a:endParaRPr kumimoji="1" lang="ja-JP" altLang="en-US" dirty="0"/>
+                    </a:p>
+                  </a:txBody>
+                  <a:tcPr/>
+                </a:tc>
+                <a:tc>
+                  <a:txBody>
+                    <a:bodyPr/>
+                    <a:lstStyle/>
+                    <a:p>
+                      <a:r>
+                        <a:rPr kumimoji="1" lang="en-US" altLang="ja-JP" dirty="0" smtClean="0"/>
+                        <a:t>2</a:t>
+                      </a:r>
+                      <a:endParaRPr kumimoji="1" lang="ja-JP" altLang="en-US" dirty="0"/>
+                    </a:p>
+                  </a:txBody>
+                  <a:tcPr/>
+                </a:tc>
+                <a:extLst>
+                  <a:ext uri="{0D108BD9-81ED-4DB2-BD59-A6C34878D82A}">
+                    <a16:rowId xmlns:a16="http://schemas.microsoft.com/office/drawing/2014/main" val="691849011"/>
+                  </a:ext>
+                </a:extLst>
+              </a:tr>
+              <a:tr h="356493">
+                <a:tc>
+                  <a:txBody>
+                    <a:bodyPr/>
+                    <a:lstStyle/>
+                    <a:p>
+                      <a:r>
+                        <a:rPr kumimoji="1" lang="en-US" altLang="ja-JP" dirty="0" smtClean="0"/>
+                        <a:t>1</a:t>
+                      </a:r>
+                      <a:r>
+                        <a:rPr kumimoji="1" lang="ja-JP" altLang="en-US" dirty="0" smtClean="0"/>
+                        <a:t>回目</a:t>
+                      </a:r>
+                      <a:endParaRPr kumimoji="1" lang="ja-JP" altLang="en-US" dirty="0"/>
+                    </a:p>
+                  </a:txBody>
+                  <a:tcPr/>
+                </a:tc>
+                <a:tc>
+                  <a:txBody>
+                    <a:bodyPr/>
+                    <a:lstStyle/>
+                    <a:p>
+                      <a:r>
+                        <a:rPr kumimoji="1" lang="en-US" altLang="ja-JP" dirty="0" smtClean="0"/>
+                        <a:t>3</a:t>
+                      </a:r>
+                      <a:endParaRPr kumimoji="1" lang="ja-JP" altLang="en-US" dirty="0"/>
+                    </a:p>
+                  </a:txBody>
+                  <a:tcPr/>
+                </a:tc>
+                <a:tc>
+                  <a:txBody>
+                    <a:bodyPr/>
+                    <a:lstStyle/>
+                    <a:p>
+                      <a:r>
+                        <a:rPr kumimoji="1" lang="en-US" altLang="ja-JP" dirty="0" smtClean="0"/>
+                        <a:t>5</a:t>
+                      </a:r>
+                      <a:endParaRPr kumimoji="1" lang="ja-JP" altLang="en-US" dirty="0"/>
+                    </a:p>
+                  </a:txBody>
+                  <a:tcPr/>
+                </a:tc>
+                <a:tc>
+                  <a:txBody>
+                    <a:bodyPr/>
+                    <a:lstStyle/>
+                    <a:p>
+                      <a:r>
+                        <a:rPr kumimoji="1" lang="en-US" altLang="ja-JP" dirty="0" smtClean="0"/>
+                        <a:t>4</a:t>
+                      </a:r>
+                      <a:endParaRPr kumimoji="1" lang="ja-JP" altLang="en-US" dirty="0"/>
+                    </a:p>
+                  </a:txBody>
+                  <a:tcPr/>
+                </a:tc>
+                <a:extLst>
+                  <a:ext uri="{0D108BD9-81ED-4DB2-BD59-A6C34878D82A}">
+                    <a16:rowId xmlns:a16="http://schemas.microsoft.com/office/drawing/2014/main" val="3353040526"/>
+                  </a:ext>
+                </a:extLst>
+              </a:tr>
+              <a:tr h="356493">
+                <a:tc>
+                  <a:txBody>
+                    <a:bodyPr/>
+                    <a:lstStyle/>
+                    <a:p>
+                      <a:r>
+                        <a:rPr kumimoji="1" lang="en-US" altLang="ja-JP" dirty="0" smtClean="0"/>
+                        <a:t>2</a:t>
+                      </a:r>
+                      <a:r>
+                        <a:rPr kumimoji="1" lang="ja-JP" altLang="en-US" dirty="0" smtClean="0"/>
+                        <a:t>回目</a:t>
+                      </a:r>
+                      <a:endParaRPr kumimoji="1" lang="ja-JP" altLang="en-US" dirty="0"/>
+                    </a:p>
+                  </a:txBody>
+                  <a:tcPr/>
+                </a:tc>
+                <a:tc>
+                  <a:txBody>
+                    <a:bodyPr/>
+                    <a:lstStyle/>
+                    <a:p>
+                      <a:r>
+                        <a:rPr kumimoji="1" lang="en-US" altLang="ja-JP" dirty="0" smtClean="0"/>
+                        <a:t>5</a:t>
+                      </a:r>
+                      <a:endParaRPr kumimoji="1" lang="ja-JP" altLang="en-US" dirty="0"/>
+                    </a:p>
+                  </a:txBody>
+                  <a:tcPr/>
+                </a:tc>
+                <a:tc>
+                  <a:txBody>
+                    <a:bodyPr/>
+                    <a:lstStyle/>
+                    <a:p>
+                      <a:r>
+                        <a:rPr kumimoji="1" lang="en-US" altLang="ja-JP" dirty="0" smtClean="0"/>
+                        <a:t>5</a:t>
+                      </a:r>
+                      <a:endParaRPr kumimoji="1" lang="ja-JP" altLang="en-US" dirty="0"/>
+                    </a:p>
+                  </a:txBody>
+                  <a:tcPr/>
+                </a:tc>
+                <a:tc>
+                  <a:txBody>
+                    <a:bodyPr/>
+                    <a:lstStyle/>
+                    <a:p>
+                      <a:r>
+                        <a:rPr kumimoji="1" lang="en-US" altLang="ja-JP" dirty="0" smtClean="0"/>
+                        <a:t>5</a:t>
+                      </a:r>
+                      <a:endParaRPr kumimoji="1" lang="ja-JP" altLang="en-US" dirty="0"/>
+                    </a:p>
+                  </a:txBody>
+                  <a:tcPr/>
+                </a:tc>
+                <a:extLst>
+                  <a:ext uri="{0D108BD9-81ED-4DB2-BD59-A6C34878D82A}">
+                    <a16:rowId xmlns:a16="http://schemas.microsoft.com/office/drawing/2014/main" val="3473809517"/>
+                  </a:ext>
+                </a:extLst>
+              </a:tr>
+            </a:tbl>
+          </a:graphicData>
+        </a:graphic>
+      </p:graphicFrame>
+      <p:sp>
+        <p:nvSpPr>
+          <p:cNvPr id="7" name="正方形/長方形 6"/>
+          <p:cNvSpPr/>
+          <p:nvPr/>
+        </p:nvSpPr>
+        <p:spPr>
+          <a:xfrm>
+            <a:off x="10052471" y="598519"/>
+            <a:ext cx="970206" cy="1496288"/>
+          </a:xfrm>
+          <a:prstGeom prst="rect">
+            <a:avLst/>
+          </a:prstGeom>
+          <a:noFill/>
+          <a:ln w="57150">
+            <a:solidFill>
+              <a:srgbClr val="FF0000"/>
+            </a:solidFill>
+          </a:ln>
+        </p:spPr>
+        <p:style>
+          <a:lnRef idx="2">
+            <a:schemeClr val="accent1">
+              <a:shade val="50000"/>
+            </a:schemeClr>
+          </a:lnRef>
+          <a:fillRef idx="1">
+            <a:schemeClr val="accent1"/>
+          </a:fillRef>
+          <a:effectRef idx="0">
+            <a:schemeClr val="accent1"/>
+          </a:effectRef>
+          <a:fontRef idx="minor">
+            <a:schemeClr val="lt1"/>
+          </a:fontRef>
+        </p:style>
+        <p:txBody>
+          <a:bodyPr rtlCol="0" anchor="ctr"/>
+          <a:lstStyle/>
+          <a:p>
+            <a:pPr algn="ctr"/>
+            <a:endParaRPr kumimoji="1" lang="ja-JP" altLang="en-US">
+              <a:solidFill>
+                <a:srgbClr val="FF0000"/>
+              </a:solidFill>
+            </a:endParaRPr>
+          </a:p>
+        </p:txBody>
+      </p:sp>
+      <p:sp>
+        <p:nvSpPr>
+          <p:cNvPr id="8" name="テキスト ボックス 7"/>
+          <p:cNvSpPr txBox="1"/>
+          <p:nvPr/>
+        </p:nvSpPr>
+        <p:spPr>
+          <a:xfrm>
+            <a:off x="6874625" y="4713317"/>
+            <a:ext cx="3332964" cy="646331"/>
+          </a:xfrm>
+          <a:prstGeom prst="rect">
+            <a:avLst/>
+          </a:prstGeom>
+          <a:noFill/>
+        </p:spPr>
+        <p:txBody>
+          <a:bodyPr wrap="none" rtlCol="0">
+            <a:spAutoFit/>
+          </a:bodyPr>
+          <a:lstStyle/>
+          <a:p>
+            <a:r>
+              <a:rPr kumimoji="1" lang="en-US" altLang="ja-JP" dirty="0" smtClean="0"/>
+              <a:t>2</a:t>
+            </a:r>
+            <a:r>
+              <a:rPr kumimoji="1" lang="ja-JP" altLang="en-US" dirty="0" smtClean="0"/>
+              <a:t>回目終了後 </a:t>
+            </a:r>
+            <a:r>
+              <a:rPr kumimoji="1" lang="en-US" altLang="ja-JP" dirty="0" smtClean="0"/>
+              <a:t>T[5]=22</a:t>
+            </a:r>
+            <a:r>
+              <a:rPr kumimoji="1" lang="ja-JP" altLang="en-US" dirty="0" smtClean="0"/>
+              <a:t>となり、</a:t>
+            </a:r>
+            <a:endParaRPr kumimoji="1" lang="en-US" altLang="ja-JP" dirty="0" smtClean="0"/>
+          </a:p>
+          <a:p>
+            <a:r>
+              <a:rPr lang="ja-JP" altLang="en-US" dirty="0" smtClean="0"/>
+              <a:t>探索が完了する。</a:t>
+            </a:r>
+            <a:endParaRPr kumimoji="1" lang="ja-JP" altLang="en-US" dirty="0"/>
+          </a:p>
+        </p:txBody>
+      </p:sp>
+      <p:sp>
+        <p:nvSpPr>
+          <p:cNvPr id="9" name="テキスト ボックス 8"/>
+          <p:cNvSpPr txBox="1"/>
+          <p:nvPr/>
+        </p:nvSpPr>
+        <p:spPr>
+          <a:xfrm>
+            <a:off x="7198822" y="271020"/>
+            <a:ext cx="2390398" cy="523220"/>
+          </a:xfrm>
+          <a:prstGeom prst="rect">
+            <a:avLst/>
+          </a:prstGeom>
+          <a:noFill/>
+        </p:spPr>
+        <p:txBody>
+          <a:bodyPr wrap="none" rtlCol="0">
+            <a:spAutoFit/>
+          </a:bodyPr>
+          <a:lstStyle/>
+          <a:p>
+            <a:r>
+              <a:rPr lang="en-US" altLang="ja-JP" sz="2800" b="1" dirty="0" smtClean="0">
+                <a:solidFill>
+                  <a:srgbClr val="FF0000"/>
+                </a:solidFill>
+              </a:rPr>
+              <a:t>22</a:t>
+            </a:r>
+            <a:r>
+              <a:rPr lang="ja-JP" altLang="en-US" sz="2800" b="1" dirty="0" smtClean="0">
+                <a:solidFill>
+                  <a:srgbClr val="FF0000"/>
+                </a:solidFill>
+              </a:rPr>
+              <a:t>を探す場合</a:t>
+            </a:r>
+            <a:endParaRPr kumimoji="1" lang="ja-JP" altLang="en-US" sz="2800" b="1" dirty="0">
+              <a:solidFill>
+                <a:srgbClr val="FF0000"/>
+              </a:solidFill>
+            </a:endParaRPr>
+          </a:p>
+        </p:txBody>
+      </p:sp>
+    </p:spTree>
+    <p:extLst>
+      <p:ext uri="{BB962C8B-B14F-4D97-AF65-F5344CB8AC3E}">
+        <p14:creationId xmlns:p14="http://schemas.microsoft.com/office/powerpoint/2010/main" val="4128285155"/>
+      </p:ext>
+    </p:extLst>
+  </p:cSld>
+  <p:clrMapOvr>
+    <a:masterClrMapping/>
+  </p:clrMapOvr>
+</p:sld>
+</file>
+
+<file path=ppt/slides/slide7.xml><?xml version="1.0" encoding="utf-8"?>
+<p:sld xmlns:a="http://schemas.openxmlformats.org/drawingml/2006/main" xmlns:r="http://schemas.openxmlformats.org/officeDocument/2006/relationships" xmlns:p="http://schemas.openxmlformats.org/presentationml/2006/main">
+  <p:cSld>
+    <p:spTree>
+      <p:nvGrpSpPr>
+        <p:cNvPr id="1" name=""/>
+        <p:cNvGrpSpPr/>
+        <p:nvPr/>
+      </p:nvGrpSpPr>
+      <p:grpSpPr>
+        <a:xfrm>
+          <a:off x="0" y="0"/>
+          <a:ext cx="0" cy="0"/>
+          <a:chOff x="0" y="0"/>
+          <a:chExt cx="0" cy="0"/>
+        </a:xfrm>
+      </p:grpSpPr>
+      <p:sp>
+        <p:nvSpPr>
+          <p:cNvPr id="3" name="テキスト ボックス 2"/>
+          <p:cNvSpPr txBox="1"/>
+          <p:nvPr/>
+        </p:nvSpPr>
+        <p:spPr>
+          <a:xfrm>
+            <a:off x="328672" y="115739"/>
+            <a:ext cx="4139275" cy="6740307"/>
+          </a:xfrm>
+          <a:prstGeom prst="rect">
+            <a:avLst/>
+          </a:prstGeom>
+          <a:noFill/>
+        </p:spPr>
+        <p:txBody>
+          <a:bodyPr wrap="none" rtlCol="0">
+            <a:spAutoFit/>
+          </a:bodyPr>
+          <a:lstStyle/>
+          <a:p>
+            <a:r>
+              <a:rPr lang="ja-JP" altLang="en-US" sz="1200" dirty="0"/>
+              <a:t>○プログラム名：</a:t>
+            </a:r>
+            <a:r>
+              <a:rPr lang="en-US" altLang="ja-JP" sz="1200" dirty="0"/>
+              <a:t>2</a:t>
+            </a:r>
+            <a:r>
+              <a:rPr lang="ja-JP" altLang="en-US" sz="1200" dirty="0"/>
+              <a:t>分探索 </a:t>
+            </a:r>
+            <a:r>
+              <a:rPr lang="en-US" altLang="ja-JP" sz="1200" dirty="0"/>
+              <a:t>/* </a:t>
+            </a:r>
+            <a:r>
+              <a:rPr lang="ja-JP" altLang="en-US" sz="1200" dirty="0"/>
+              <a:t>教科書 </a:t>
+            </a:r>
+            <a:r>
+              <a:rPr lang="en-US" altLang="ja-JP" sz="1200" dirty="0"/>
+              <a:t>66</a:t>
+            </a:r>
+            <a:r>
+              <a:rPr lang="ja-JP" altLang="en-US" sz="1200" dirty="0"/>
+              <a:t>ページサンプル *</a:t>
+            </a:r>
+            <a:r>
+              <a:rPr lang="en-US" altLang="ja-JP" sz="1200" dirty="0"/>
+              <a:t>/</a:t>
+            </a:r>
+          </a:p>
+          <a:p>
+            <a:r>
+              <a:rPr lang="en-US" altLang="ja-JP" sz="1200" dirty="0"/>
+              <a:t>○</a:t>
+            </a:r>
+            <a:r>
+              <a:rPr lang="ja-JP" altLang="en-US" sz="1200" dirty="0"/>
+              <a:t>整数型：</a:t>
+            </a:r>
+            <a:r>
+              <a:rPr lang="en-US" altLang="ja-JP" sz="1200" dirty="0"/>
+              <a:t>Ret</a:t>
+            </a:r>
+          </a:p>
+          <a:p>
+            <a:endParaRPr lang="en-US" altLang="ja-JP" sz="1200" dirty="0"/>
+          </a:p>
+          <a:p>
+            <a:r>
+              <a:rPr lang="en-US" altLang="ja-JP" sz="1200" dirty="0"/>
+              <a:t>●Ret ← </a:t>
+            </a:r>
+            <a:r>
+              <a:rPr lang="en-US" altLang="ja-JP" sz="1200" dirty="0" err="1" smtClean="0"/>
+              <a:t>BinarySearch</a:t>
+            </a:r>
+            <a:r>
+              <a:rPr lang="en-US" altLang="ja-JP" sz="1200" dirty="0" smtClean="0"/>
+              <a:t>(45)</a:t>
+            </a:r>
+            <a:endParaRPr lang="en-US" altLang="ja-JP" sz="1200" dirty="0"/>
+          </a:p>
+          <a:p>
+            <a:r>
+              <a:rPr lang="en-US" altLang="ja-JP" sz="1200" dirty="0"/>
+              <a:t>●</a:t>
+            </a:r>
+            <a:r>
+              <a:rPr lang="ja-JP" altLang="en-US" sz="1200" dirty="0"/>
+              <a:t>表示処理</a:t>
+            </a:r>
+            <a:r>
+              <a:rPr lang="en-US" altLang="ja-JP" sz="1200" dirty="0"/>
+              <a:t>(Ret)</a:t>
+            </a:r>
+          </a:p>
+          <a:p>
+            <a:endParaRPr lang="en-US" altLang="ja-JP" sz="1200" dirty="0"/>
+          </a:p>
+          <a:p>
+            <a:r>
+              <a:rPr lang="en-US" altLang="ja-JP" sz="1200" dirty="0"/>
+              <a:t>/* </a:t>
+            </a:r>
+            <a:r>
+              <a:rPr lang="ja-JP" altLang="en-US" sz="1200" dirty="0"/>
+              <a:t>以下関数となる *</a:t>
+            </a:r>
+            <a:r>
+              <a:rPr lang="en-US" altLang="ja-JP" sz="1200" dirty="0"/>
+              <a:t>/</a:t>
+            </a:r>
+          </a:p>
+          <a:p>
+            <a:r>
+              <a:rPr lang="en-US" altLang="ja-JP" sz="1200" dirty="0"/>
+              <a:t>○</a:t>
+            </a:r>
+            <a:r>
+              <a:rPr lang="ja-JP" altLang="en-US" sz="1200" dirty="0"/>
+              <a:t>整数型：</a:t>
+            </a:r>
+            <a:r>
+              <a:rPr lang="en-US" altLang="ja-JP" sz="1200" dirty="0" err="1"/>
+              <a:t>BinarySearch</a:t>
+            </a:r>
+            <a:r>
+              <a:rPr lang="en-US" altLang="ja-JP" sz="1200" dirty="0"/>
+              <a:t>(</a:t>
+            </a:r>
+            <a:r>
+              <a:rPr lang="ja-JP" altLang="en-US" sz="1200" dirty="0"/>
+              <a:t>整数型：</a:t>
+            </a:r>
+            <a:r>
+              <a:rPr lang="en-US" altLang="ja-JP" sz="1200" dirty="0"/>
+              <a:t>X)</a:t>
+            </a:r>
+          </a:p>
+          <a:p>
+            <a:r>
+              <a:rPr lang="en-US" altLang="ja-JP" sz="1200" dirty="0"/>
+              <a:t>○</a:t>
+            </a:r>
+            <a:r>
+              <a:rPr lang="ja-JP" altLang="en-US" sz="1200" dirty="0"/>
+              <a:t>整数型：</a:t>
+            </a:r>
+            <a:r>
+              <a:rPr lang="en-US" altLang="ja-JP" sz="1200" dirty="0"/>
+              <a:t>T[6]</a:t>
+            </a:r>
+          </a:p>
+          <a:p>
+            <a:r>
+              <a:rPr lang="en-US" altLang="ja-JP" sz="1200" dirty="0"/>
+              <a:t>○</a:t>
+            </a:r>
+            <a:r>
+              <a:rPr lang="ja-JP" altLang="en-US" sz="1200" dirty="0"/>
+              <a:t>整数型：</a:t>
+            </a:r>
+            <a:r>
+              <a:rPr lang="en-US" altLang="ja-JP" sz="1200" dirty="0"/>
+              <a:t>L</a:t>
+            </a:r>
+          </a:p>
+          <a:p>
+            <a:r>
+              <a:rPr lang="en-US" altLang="ja-JP" sz="1200" dirty="0"/>
+              <a:t>○</a:t>
+            </a:r>
+            <a:r>
+              <a:rPr lang="ja-JP" altLang="en-US" sz="1200" dirty="0"/>
+              <a:t>整数型：</a:t>
+            </a:r>
+            <a:r>
+              <a:rPr lang="en-US" altLang="ja-JP" sz="1200" dirty="0"/>
+              <a:t>H</a:t>
+            </a:r>
+          </a:p>
+          <a:p>
+            <a:r>
+              <a:rPr lang="en-US" altLang="ja-JP" sz="1200" dirty="0"/>
+              <a:t>○</a:t>
+            </a:r>
+            <a:r>
+              <a:rPr lang="ja-JP" altLang="en-US" sz="1200" dirty="0"/>
+              <a:t>整数型：</a:t>
+            </a:r>
+            <a:r>
+              <a:rPr lang="en-US" altLang="ja-JP" sz="1200" dirty="0"/>
+              <a:t>M</a:t>
+            </a:r>
+          </a:p>
+          <a:p>
+            <a:endParaRPr lang="en-US" altLang="ja-JP" sz="1200" dirty="0"/>
+          </a:p>
+          <a:p>
+            <a:r>
+              <a:rPr lang="en-US" altLang="ja-JP" sz="1200" dirty="0"/>
+              <a:t>●L←0</a:t>
+            </a:r>
+          </a:p>
+          <a:p>
+            <a:r>
+              <a:rPr lang="en-US" altLang="ja-JP" sz="1200" dirty="0"/>
+              <a:t>●H←5</a:t>
+            </a:r>
+          </a:p>
+          <a:p>
+            <a:r>
+              <a:rPr lang="en-US" altLang="ja-JP" sz="1200" dirty="0"/>
+              <a:t>●M←(L</a:t>
+            </a:r>
+            <a:r>
+              <a:rPr lang="ja-JP" altLang="en-US" sz="1200" dirty="0"/>
+              <a:t>＋</a:t>
+            </a:r>
+            <a:r>
+              <a:rPr lang="en-US" altLang="ja-JP" sz="1200" dirty="0"/>
+              <a:t>H)÷2</a:t>
+            </a:r>
+          </a:p>
+          <a:p>
+            <a:endParaRPr lang="en-US" altLang="ja-JP" sz="1200" dirty="0"/>
+          </a:p>
+          <a:p>
+            <a:r>
+              <a:rPr lang="en-US" altLang="ja-JP" sz="1200" dirty="0"/>
+              <a:t>●T[0] ← 1</a:t>
+            </a:r>
+          </a:p>
+          <a:p>
+            <a:r>
+              <a:rPr lang="en-US" altLang="ja-JP" sz="1200" dirty="0"/>
+              <a:t>●T[1] ← 4</a:t>
+            </a:r>
+          </a:p>
+          <a:p>
+            <a:r>
+              <a:rPr lang="en-US" altLang="ja-JP" sz="1200" dirty="0"/>
+              <a:t>●T[2] ← 8</a:t>
+            </a:r>
+          </a:p>
+          <a:p>
+            <a:r>
+              <a:rPr lang="en-US" altLang="ja-JP" sz="1200" dirty="0"/>
+              <a:t>●T[3] ← 13</a:t>
+            </a:r>
+          </a:p>
+          <a:p>
+            <a:r>
+              <a:rPr lang="en-US" altLang="ja-JP" sz="1200" dirty="0"/>
+              <a:t>●T[4] ← 16</a:t>
+            </a:r>
+          </a:p>
+          <a:p>
+            <a:r>
+              <a:rPr lang="en-US" altLang="ja-JP" sz="1200" dirty="0"/>
+              <a:t>●T[5] ← 22</a:t>
+            </a:r>
+          </a:p>
+          <a:p>
+            <a:endParaRPr lang="en-US" altLang="ja-JP" sz="1200" dirty="0"/>
+          </a:p>
+          <a:p>
+            <a:r>
+              <a:rPr lang="en-US" altLang="ja-JP" sz="1200" dirty="0"/>
+              <a:t>■L≦H</a:t>
+            </a:r>
+          </a:p>
+          <a:p>
+            <a:r>
+              <a:rPr lang="ja-JP" altLang="en-US" sz="1200" dirty="0"/>
+              <a:t>｜▲</a:t>
+            </a:r>
+            <a:r>
+              <a:rPr lang="en-US" altLang="ja-JP" sz="1200" dirty="0"/>
+              <a:t>T[M]=X</a:t>
+            </a:r>
+          </a:p>
+          <a:p>
+            <a:r>
+              <a:rPr lang="ja-JP" altLang="en-US" sz="1200" dirty="0"/>
+              <a:t>｜｜  ●</a:t>
+            </a:r>
+            <a:r>
+              <a:rPr lang="en-US" altLang="ja-JP" sz="1200" dirty="0"/>
+              <a:t>return(M)</a:t>
+            </a:r>
+          </a:p>
+          <a:p>
+            <a:r>
+              <a:rPr lang="ja-JP" altLang="en-US" sz="1200" dirty="0"/>
+              <a:t>｜｜  ▲</a:t>
+            </a:r>
+            <a:r>
+              <a:rPr lang="en-US" altLang="ja-JP" sz="1200" dirty="0"/>
+              <a:t>T[M]&gt;X</a:t>
+            </a:r>
+          </a:p>
+          <a:p>
+            <a:r>
+              <a:rPr lang="ja-JP" altLang="en-US" sz="1200" dirty="0"/>
+              <a:t>｜｜  ｜● </a:t>
+            </a:r>
+            <a:r>
+              <a:rPr lang="en-US" altLang="ja-JP" sz="1200" dirty="0"/>
+              <a:t>H ← M </a:t>
+            </a:r>
+            <a:r>
+              <a:rPr lang="ja-JP" altLang="en-US" sz="1200" dirty="0"/>
+              <a:t>－ </a:t>
+            </a:r>
+            <a:r>
+              <a:rPr lang="en-US" altLang="ja-JP" sz="1200" dirty="0"/>
+              <a:t>1</a:t>
+            </a:r>
+          </a:p>
+          <a:p>
+            <a:r>
+              <a:rPr lang="ja-JP" altLang="en-US" sz="1200" dirty="0"/>
+              <a:t>｜｜  ＋－－－－－－－－－－</a:t>
+            </a:r>
+          </a:p>
+          <a:p>
+            <a:r>
+              <a:rPr lang="ja-JP" altLang="en-US" sz="1200" dirty="0"/>
+              <a:t>｜｜  ｜● </a:t>
+            </a:r>
+            <a:r>
+              <a:rPr lang="en-US" altLang="ja-JP" sz="1200" dirty="0" smtClean="0"/>
+              <a:t>L </a:t>
+            </a:r>
+            <a:r>
+              <a:rPr lang="en-US" altLang="ja-JP" sz="1200" dirty="0"/>
+              <a:t>← M </a:t>
+            </a:r>
+            <a:r>
+              <a:rPr lang="ja-JP" altLang="en-US" sz="1200" dirty="0"/>
+              <a:t>＋ </a:t>
+            </a:r>
+            <a:r>
+              <a:rPr lang="en-US" altLang="ja-JP" sz="1200" dirty="0"/>
+              <a:t>1</a:t>
+            </a:r>
+          </a:p>
+          <a:p>
+            <a:r>
+              <a:rPr lang="ja-JP" altLang="en-US" sz="1200" dirty="0"/>
+              <a:t>｜｜  ▼</a:t>
+            </a:r>
+          </a:p>
+          <a:p>
+            <a:r>
+              <a:rPr lang="ja-JP" altLang="en-US" sz="1200" dirty="0"/>
+              <a:t>｜▼</a:t>
+            </a:r>
+          </a:p>
+          <a:p>
+            <a:r>
+              <a:rPr lang="ja-JP" altLang="en-US" sz="1200" dirty="0"/>
+              <a:t>｜●</a:t>
+            </a:r>
+            <a:r>
+              <a:rPr lang="en-US" altLang="ja-JP" sz="1200" dirty="0"/>
+              <a:t>M←(L</a:t>
+            </a:r>
+            <a:r>
+              <a:rPr lang="ja-JP" altLang="en-US" sz="1200" dirty="0"/>
+              <a:t>＋</a:t>
+            </a:r>
+            <a:r>
+              <a:rPr lang="en-US" altLang="ja-JP" sz="1200" dirty="0"/>
+              <a:t>H)÷2</a:t>
+            </a:r>
+          </a:p>
+          <a:p>
+            <a:r>
+              <a:rPr lang="en-US" altLang="ja-JP" sz="1200" dirty="0"/>
+              <a:t>□</a:t>
+            </a:r>
+          </a:p>
+          <a:p>
+            <a:r>
+              <a:rPr lang="en-US" altLang="ja-JP" sz="1200" dirty="0"/>
+              <a:t>●return(-1)</a:t>
+            </a:r>
+            <a:endParaRPr kumimoji="1" lang="ja-JP" altLang="en-US" sz="1200" dirty="0"/>
+          </a:p>
+        </p:txBody>
+      </p:sp>
+      <p:graphicFrame>
+        <p:nvGraphicFramePr>
+          <p:cNvPr id="5" name="表 4"/>
+          <p:cNvGraphicFramePr>
+            <a:graphicFrameLocks noGrp="1"/>
+          </p:cNvGraphicFramePr>
+          <p:nvPr>
+            <p:extLst/>
+          </p:nvPr>
+        </p:nvGraphicFramePr>
+        <p:xfrm>
+          <a:off x="6005484" y="1027237"/>
+          <a:ext cx="4917438" cy="731520"/>
+        </p:xfrm>
+        <a:graphic>
+          <a:graphicData uri="http://schemas.openxmlformats.org/drawingml/2006/table">
+            <a:tbl>
+              <a:tblPr firstRow="1" bandRow="1">
+                <a:tableStyleId>{5C22544A-7EE6-4342-B048-85BDC9FD1C3A}</a:tableStyleId>
+              </a:tblPr>
+              <a:tblGrid>
+                <a:gridCol w="819573">
+                  <a:extLst>
+                    <a:ext uri="{9D8B030D-6E8A-4147-A177-3AD203B41FA5}">
+                      <a16:colId xmlns:a16="http://schemas.microsoft.com/office/drawing/2014/main" val="269848708"/>
+                    </a:ext>
+                  </a:extLst>
+                </a:gridCol>
+                <a:gridCol w="819573">
+                  <a:extLst>
+                    <a:ext uri="{9D8B030D-6E8A-4147-A177-3AD203B41FA5}">
+                      <a16:colId xmlns:a16="http://schemas.microsoft.com/office/drawing/2014/main" val="3426576138"/>
+                    </a:ext>
+                  </a:extLst>
+                </a:gridCol>
+                <a:gridCol w="819573">
+                  <a:extLst>
+                    <a:ext uri="{9D8B030D-6E8A-4147-A177-3AD203B41FA5}">
+                      <a16:colId xmlns:a16="http://schemas.microsoft.com/office/drawing/2014/main" val="2126635011"/>
+                    </a:ext>
+                  </a:extLst>
+                </a:gridCol>
+                <a:gridCol w="819573">
+                  <a:extLst>
+                    <a:ext uri="{9D8B030D-6E8A-4147-A177-3AD203B41FA5}">
+                      <a16:colId xmlns:a16="http://schemas.microsoft.com/office/drawing/2014/main" val="4080494730"/>
+                    </a:ext>
+                  </a:extLst>
+                </a:gridCol>
+                <a:gridCol w="819573">
+                  <a:extLst>
+                    <a:ext uri="{9D8B030D-6E8A-4147-A177-3AD203B41FA5}">
+                      <a16:colId xmlns:a16="http://schemas.microsoft.com/office/drawing/2014/main" val="2782661137"/>
+                    </a:ext>
+                  </a:extLst>
+                </a:gridCol>
+                <a:gridCol w="819573">
+                  <a:extLst>
+                    <a:ext uri="{9D8B030D-6E8A-4147-A177-3AD203B41FA5}">
+                      <a16:colId xmlns:a16="http://schemas.microsoft.com/office/drawing/2014/main" val="894099527"/>
+                    </a:ext>
+                  </a:extLst>
+                </a:gridCol>
+              </a:tblGrid>
+              <a:tr h="342593">
+                <a:tc>
+                  <a:txBody>
+                    <a:bodyPr/>
+                    <a:lstStyle/>
+                    <a:p>
+                      <a:r>
+                        <a:rPr kumimoji="1" lang="en-US" altLang="ja-JP" dirty="0" smtClean="0"/>
+                        <a:t>T[0]</a:t>
+                      </a:r>
+                      <a:endParaRPr kumimoji="1" lang="ja-JP" altLang="en-US" dirty="0"/>
+                    </a:p>
+                  </a:txBody>
+                  <a:tcPr/>
+                </a:tc>
+                <a:tc>
+                  <a:txBody>
+                    <a:bodyPr/>
+                    <a:lstStyle/>
+                    <a:p>
+                      <a:r>
+                        <a:rPr kumimoji="1" lang="en-US" altLang="ja-JP" dirty="0" smtClean="0"/>
+                        <a:t>T[1]</a:t>
+                      </a:r>
+                      <a:endParaRPr kumimoji="1" lang="ja-JP" altLang="en-US" dirty="0"/>
+                    </a:p>
+                  </a:txBody>
+                  <a:tcPr/>
+                </a:tc>
+                <a:tc>
+                  <a:txBody>
+                    <a:bodyPr/>
+                    <a:lstStyle/>
+                    <a:p>
+                      <a:r>
+                        <a:rPr kumimoji="1" lang="en-US" altLang="ja-JP" dirty="0" smtClean="0"/>
+                        <a:t>T[2]</a:t>
+                      </a:r>
+                      <a:endParaRPr kumimoji="1" lang="ja-JP" altLang="en-US" dirty="0"/>
+                    </a:p>
+                  </a:txBody>
+                  <a:tcPr/>
+                </a:tc>
+                <a:tc>
+                  <a:txBody>
+                    <a:bodyPr/>
+                    <a:lstStyle/>
+                    <a:p>
+                      <a:r>
+                        <a:rPr kumimoji="1" lang="en-US" altLang="ja-JP" dirty="0" smtClean="0"/>
+                        <a:t>T[3]</a:t>
+                      </a:r>
+                      <a:endParaRPr kumimoji="1" lang="ja-JP" altLang="en-US" dirty="0"/>
+                    </a:p>
+                  </a:txBody>
+                  <a:tcPr/>
+                </a:tc>
+                <a:tc>
+                  <a:txBody>
+                    <a:bodyPr/>
+                    <a:lstStyle/>
+                    <a:p>
+                      <a:r>
+                        <a:rPr kumimoji="1" lang="en-US" altLang="ja-JP" dirty="0" smtClean="0"/>
+                        <a:t>T[4]</a:t>
+                      </a:r>
+                      <a:endParaRPr kumimoji="1" lang="ja-JP" altLang="en-US" dirty="0"/>
+                    </a:p>
+                  </a:txBody>
+                  <a:tcPr/>
+                </a:tc>
+                <a:tc>
+                  <a:txBody>
+                    <a:bodyPr/>
+                    <a:lstStyle/>
+                    <a:p>
+                      <a:r>
+                        <a:rPr kumimoji="1" lang="en-US" altLang="ja-JP" dirty="0" smtClean="0"/>
+                        <a:t>T[5]</a:t>
+                      </a:r>
+                      <a:endParaRPr kumimoji="1" lang="ja-JP" altLang="en-US" dirty="0"/>
+                    </a:p>
+                  </a:txBody>
+                  <a:tcPr/>
+                </a:tc>
+                <a:extLst>
+                  <a:ext uri="{0D108BD9-81ED-4DB2-BD59-A6C34878D82A}">
+                    <a16:rowId xmlns:a16="http://schemas.microsoft.com/office/drawing/2014/main" val="284480592"/>
+                  </a:ext>
+                </a:extLst>
+              </a:tr>
+              <a:tr h="342593">
+                <a:tc>
+                  <a:txBody>
+                    <a:bodyPr/>
+                    <a:lstStyle/>
+                    <a:p>
+                      <a:r>
+                        <a:rPr kumimoji="1" lang="en-US" altLang="ja-JP" dirty="0" smtClean="0"/>
+                        <a:t>1</a:t>
+                      </a:r>
+                      <a:endParaRPr kumimoji="1" lang="ja-JP" altLang="en-US" dirty="0"/>
+                    </a:p>
+                  </a:txBody>
+                  <a:tcPr/>
+                </a:tc>
+                <a:tc>
+                  <a:txBody>
+                    <a:bodyPr/>
+                    <a:lstStyle/>
+                    <a:p>
+                      <a:r>
+                        <a:rPr kumimoji="1" lang="en-US" altLang="ja-JP" dirty="0" smtClean="0"/>
+                        <a:t>4</a:t>
+                      </a:r>
+                      <a:endParaRPr kumimoji="1" lang="ja-JP" altLang="en-US" dirty="0"/>
+                    </a:p>
+                  </a:txBody>
+                  <a:tcPr/>
+                </a:tc>
+                <a:tc>
+                  <a:txBody>
+                    <a:bodyPr/>
+                    <a:lstStyle/>
+                    <a:p>
+                      <a:r>
+                        <a:rPr kumimoji="1" lang="en-US" altLang="ja-JP" dirty="0" smtClean="0"/>
+                        <a:t>8</a:t>
+                      </a:r>
+                      <a:endParaRPr kumimoji="1" lang="ja-JP" altLang="en-US" dirty="0"/>
+                    </a:p>
+                  </a:txBody>
+                  <a:tcPr/>
+                </a:tc>
+                <a:tc>
+                  <a:txBody>
+                    <a:bodyPr/>
+                    <a:lstStyle/>
+                    <a:p>
+                      <a:r>
+                        <a:rPr kumimoji="1" lang="en-US" altLang="ja-JP" dirty="0" smtClean="0"/>
+                        <a:t>13</a:t>
+                      </a:r>
+                      <a:endParaRPr kumimoji="1" lang="ja-JP" altLang="en-US" dirty="0"/>
+                    </a:p>
+                  </a:txBody>
+                  <a:tcPr/>
+                </a:tc>
+                <a:tc>
+                  <a:txBody>
+                    <a:bodyPr/>
+                    <a:lstStyle/>
+                    <a:p>
+                      <a:r>
+                        <a:rPr kumimoji="1" lang="en-US" altLang="ja-JP" dirty="0" smtClean="0"/>
+                        <a:t>16</a:t>
+                      </a:r>
+                      <a:endParaRPr kumimoji="1" lang="ja-JP" altLang="en-US" dirty="0"/>
+                    </a:p>
+                  </a:txBody>
+                  <a:tcPr/>
+                </a:tc>
+                <a:tc>
+                  <a:txBody>
+                    <a:bodyPr/>
+                    <a:lstStyle/>
+                    <a:p>
+                      <a:r>
+                        <a:rPr kumimoji="1" lang="en-US" altLang="ja-JP" dirty="0" smtClean="0"/>
+                        <a:t>22</a:t>
+                      </a:r>
+                      <a:endParaRPr kumimoji="1" lang="ja-JP" altLang="en-US" dirty="0"/>
+                    </a:p>
+                  </a:txBody>
+                  <a:tcPr/>
+                </a:tc>
+                <a:extLst>
+                  <a:ext uri="{0D108BD9-81ED-4DB2-BD59-A6C34878D82A}">
+                    <a16:rowId xmlns:a16="http://schemas.microsoft.com/office/drawing/2014/main" val="4276714201"/>
+                  </a:ext>
+                </a:extLst>
+              </a:tr>
+            </a:tbl>
+          </a:graphicData>
+        </a:graphic>
+      </p:graphicFrame>
+      <p:graphicFrame>
+        <p:nvGraphicFramePr>
+          <p:cNvPr id="6" name="表 5"/>
+          <p:cNvGraphicFramePr>
+            <a:graphicFrameLocks noGrp="1"/>
+          </p:cNvGraphicFramePr>
+          <p:nvPr>
+            <p:extLst>
+              <p:ext uri="{D42A27DB-BD31-4B8C-83A1-F6EECF244321}">
+                <p14:modId xmlns:p14="http://schemas.microsoft.com/office/powerpoint/2010/main" val="4072707160"/>
+              </p:ext>
+            </p:extLst>
+          </p:nvPr>
+        </p:nvGraphicFramePr>
+        <p:xfrm>
+          <a:off x="6712066" y="2747971"/>
+          <a:ext cx="3246584" cy="1840654"/>
+        </p:xfrm>
+        <a:graphic>
+          <a:graphicData uri="http://schemas.openxmlformats.org/drawingml/2006/table">
+            <a:tbl>
+              <a:tblPr firstRow="1" bandRow="1">
+                <a:tableStyleId>{5C22544A-7EE6-4342-B048-85BDC9FD1C3A}</a:tableStyleId>
+              </a:tblPr>
+              <a:tblGrid>
+                <a:gridCol w="811646">
+                  <a:extLst>
+                    <a:ext uri="{9D8B030D-6E8A-4147-A177-3AD203B41FA5}">
+                      <a16:colId xmlns:a16="http://schemas.microsoft.com/office/drawing/2014/main" val="1665569666"/>
+                    </a:ext>
+                  </a:extLst>
+                </a:gridCol>
+                <a:gridCol w="811646">
+                  <a:extLst>
+                    <a:ext uri="{9D8B030D-6E8A-4147-A177-3AD203B41FA5}">
+                      <a16:colId xmlns:a16="http://schemas.microsoft.com/office/drawing/2014/main" val="2059508002"/>
+                    </a:ext>
+                  </a:extLst>
+                </a:gridCol>
+                <a:gridCol w="811646">
+                  <a:extLst>
+                    <a:ext uri="{9D8B030D-6E8A-4147-A177-3AD203B41FA5}">
+                      <a16:colId xmlns:a16="http://schemas.microsoft.com/office/drawing/2014/main" val="1421542516"/>
+                    </a:ext>
+                  </a:extLst>
+                </a:gridCol>
+                <a:gridCol w="811646">
+                  <a:extLst>
+                    <a:ext uri="{9D8B030D-6E8A-4147-A177-3AD203B41FA5}">
+                      <a16:colId xmlns:a16="http://schemas.microsoft.com/office/drawing/2014/main" val="944775093"/>
+                    </a:ext>
+                  </a:extLst>
+                </a:gridCol>
+              </a:tblGrid>
+              <a:tr h="377614">
+                <a:tc>
+                  <a:txBody>
+                    <a:bodyPr/>
+                    <a:lstStyle/>
+                    <a:p>
+                      <a:endParaRPr kumimoji="1" lang="ja-JP" altLang="en-US" dirty="0"/>
+                    </a:p>
+                  </a:txBody>
+                  <a:tcPr/>
+                </a:tc>
+                <a:tc>
+                  <a:txBody>
+                    <a:bodyPr/>
+                    <a:lstStyle/>
+                    <a:p>
+                      <a:r>
+                        <a:rPr kumimoji="1" lang="en-US" altLang="ja-JP" dirty="0" smtClean="0"/>
+                        <a:t>L</a:t>
+                      </a:r>
+                      <a:endParaRPr kumimoji="1" lang="ja-JP" altLang="en-US" dirty="0"/>
+                    </a:p>
+                  </a:txBody>
+                  <a:tcPr/>
+                </a:tc>
+                <a:tc>
+                  <a:txBody>
+                    <a:bodyPr/>
+                    <a:lstStyle/>
+                    <a:p>
+                      <a:r>
+                        <a:rPr kumimoji="1" lang="en-US" altLang="ja-JP" dirty="0" smtClean="0"/>
+                        <a:t>H</a:t>
+                      </a:r>
+                      <a:endParaRPr kumimoji="1" lang="ja-JP" altLang="en-US" dirty="0"/>
+                    </a:p>
+                  </a:txBody>
+                  <a:tcPr/>
+                </a:tc>
+                <a:tc>
+                  <a:txBody>
+                    <a:bodyPr/>
+                    <a:lstStyle/>
+                    <a:p>
+                      <a:r>
+                        <a:rPr kumimoji="1" lang="en-US" altLang="ja-JP" dirty="0" smtClean="0"/>
+                        <a:t>M</a:t>
+                      </a:r>
+                      <a:endParaRPr kumimoji="1" lang="ja-JP" altLang="en-US" dirty="0"/>
+                    </a:p>
+                  </a:txBody>
+                  <a:tcPr/>
+                </a:tc>
+                <a:extLst>
+                  <a:ext uri="{0D108BD9-81ED-4DB2-BD59-A6C34878D82A}">
+                    <a16:rowId xmlns:a16="http://schemas.microsoft.com/office/drawing/2014/main" val="1603516201"/>
+                  </a:ext>
+                </a:extLst>
+              </a:tr>
+              <a:tr h="356493">
+                <a:tc>
+                  <a:txBody>
+                    <a:bodyPr/>
+                    <a:lstStyle/>
+                    <a:p>
+                      <a:r>
+                        <a:rPr kumimoji="1" lang="en-US" altLang="ja-JP" dirty="0" smtClean="0"/>
+                        <a:t>0</a:t>
+                      </a:r>
+                      <a:r>
+                        <a:rPr kumimoji="1" lang="ja-JP" altLang="en-US" dirty="0" smtClean="0"/>
+                        <a:t>回目</a:t>
+                      </a:r>
+                      <a:endParaRPr kumimoji="1" lang="ja-JP" altLang="en-US" dirty="0"/>
+                    </a:p>
+                  </a:txBody>
+                  <a:tcPr/>
+                </a:tc>
+                <a:tc>
+                  <a:txBody>
+                    <a:bodyPr/>
+                    <a:lstStyle/>
+                    <a:p>
+                      <a:r>
+                        <a:rPr kumimoji="1" lang="en-US" altLang="ja-JP" dirty="0" smtClean="0"/>
+                        <a:t>0</a:t>
+                      </a:r>
+                      <a:endParaRPr kumimoji="1" lang="ja-JP" altLang="en-US" dirty="0"/>
+                    </a:p>
+                  </a:txBody>
+                  <a:tcPr/>
+                </a:tc>
+                <a:tc>
+                  <a:txBody>
+                    <a:bodyPr/>
+                    <a:lstStyle/>
+                    <a:p>
+                      <a:r>
+                        <a:rPr kumimoji="1" lang="en-US" altLang="ja-JP" dirty="0" smtClean="0"/>
+                        <a:t>5</a:t>
+                      </a:r>
+                      <a:endParaRPr kumimoji="1" lang="ja-JP" altLang="en-US" dirty="0"/>
+                    </a:p>
+                  </a:txBody>
+                  <a:tcPr/>
+                </a:tc>
+                <a:tc>
+                  <a:txBody>
+                    <a:bodyPr/>
+                    <a:lstStyle/>
+                    <a:p>
+                      <a:r>
+                        <a:rPr kumimoji="1" lang="en-US" altLang="ja-JP" dirty="0" smtClean="0"/>
+                        <a:t>2</a:t>
+                      </a:r>
+                      <a:endParaRPr kumimoji="1" lang="ja-JP" altLang="en-US" dirty="0"/>
+                    </a:p>
+                  </a:txBody>
+                  <a:tcPr/>
+                </a:tc>
+                <a:extLst>
+                  <a:ext uri="{0D108BD9-81ED-4DB2-BD59-A6C34878D82A}">
+                    <a16:rowId xmlns:a16="http://schemas.microsoft.com/office/drawing/2014/main" val="691849011"/>
+                  </a:ext>
+                </a:extLst>
+              </a:tr>
+              <a:tr h="356493">
+                <a:tc>
+                  <a:txBody>
+                    <a:bodyPr/>
+                    <a:lstStyle/>
+                    <a:p>
+                      <a:r>
+                        <a:rPr kumimoji="1" lang="en-US" altLang="ja-JP" dirty="0" smtClean="0"/>
+                        <a:t>1</a:t>
+                      </a:r>
+                      <a:r>
+                        <a:rPr kumimoji="1" lang="ja-JP" altLang="en-US" dirty="0" smtClean="0"/>
+                        <a:t>回目</a:t>
+                      </a:r>
+                      <a:endParaRPr kumimoji="1" lang="ja-JP" altLang="en-US" dirty="0"/>
+                    </a:p>
+                  </a:txBody>
+                  <a:tcPr/>
+                </a:tc>
+                <a:tc>
+                  <a:txBody>
+                    <a:bodyPr/>
+                    <a:lstStyle/>
+                    <a:p>
+                      <a:r>
+                        <a:rPr kumimoji="1" lang="en-US" altLang="ja-JP" dirty="0" smtClean="0"/>
+                        <a:t>3</a:t>
+                      </a:r>
+                      <a:endParaRPr kumimoji="1" lang="ja-JP" altLang="en-US" dirty="0"/>
+                    </a:p>
+                  </a:txBody>
+                  <a:tcPr/>
+                </a:tc>
+                <a:tc>
+                  <a:txBody>
+                    <a:bodyPr/>
+                    <a:lstStyle/>
+                    <a:p>
+                      <a:r>
+                        <a:rPr kumimoji="1" lang="en-US" altLang="ja-JP" dirty="0" smtClean="0"/>
+                        <a:t>5</a:t>
+                      </a:r>
+                      <a:endParaRPr kumimoji="1" lang="ja-JP" altLang="en-US" dirty="0"/>
+                    </a:p>
+                  </a:txBody>
+                  <a:tcPr/>
+                </a:tc>
+                <a:tc>
+                  <a:txBody>
+                    <a:bodyPr/>
+                    <a:lstStyle/>
+                    <a:p>
+                      <a:r>
+                        <a:rPr kumimoji="1" lang="en-US" altLang="ja-JP" dirty="0" smtClean="0"/>
+                        <a:t>4</a:t>
+                      </a:r>
+                      <a:endParaRPr kumimoji="1" lang="ja-JP" altLang="en-US" dirty="0"/>
+                    </a:p>
+                  </a:txBody>
+                  <a:tcPr/>
+                </a:tc>
+                <a:extLst>
+                  <a:ext uri="{0D108BD9-81ED-4DB2-BD59-A6C34878D82A}">
+                    <a16:rowId xmlns:a16="http://schemas.microsoft.com/office/drawing/2014/main" val="3353040526"/>
+                  </a:ext>
+                </a:extLst>
+              </a:tr>
+              <a:tr h="356493">
+                <a:tc>
+                  <a:txBody>
+                    <a:bodyPr/>
+                    <a:lstStyle/>
+                    <a:p>
+                      <a:r>
+                        <a:rPr kumimoji="1" lang="en-US" altLang="ja-JP" dirty="0" smtClean="0"/>
+                        <a:t>2</a:t>
+                      </a:r>
+                      <a:r>
+                        <a:rPr kumimoji="1" lang="ja-JP" altLang="en-US" dirty="0" smtClean="0"/>
+                        <a:t>回目</a:t>
+                      </a:r>
+                      <a:endParaRPr kumimoji="1" lang="ja-JP" altLang="en-US" dirty="0"/>
+                    </a:p>
+                  </a:txBody>
+                  <a:tcPr/>
+                </a:tc>
+                <a:tc>
+                  <a:txBody>
+                    <a:bodyPr/>
+                    <a:lstStyle/>
+                    <a:p>
+                      <a:r>
+                        <a:rPr kumimoji="1" lang="en-US" altLang="ja-JP" dirty="0" smtClean="0"/>
+                        <a:t>5</a:t>
+                      </a:r>
+                      <a:endParaRPr kumimoji="1" lang="ja-JP" altLang="en-US" dirty="0"/>
+                    </a:p>
+                  </a:txBody>
+                  <a:tcPr/>
+                </a:tc>
+                <a:tc>
+                  <a:txBody>
+                    <a:bodyPr/>
+                    <a:lstStyle/>
+                    <a:p>
+                      <a:r>
+                        <a:rPr kumimoji="1" lang="en-US" altLang="ja-JP" dirty="0" smtClean="0"/>
+                        <a:t>5</a:t>
+                      </a:r>
+                      <a:endParaRPr kumimoji="1" lang="ja-JP" altLang="en-US" dirty="0"/>
+                    </a:p>
+                  </a:txBody>
+                  <a:tcPr/>
+                </a:tc>
+                <a:tc>
+                  <a:txBody>
+                    <a:bodyPr/>
+                    <a:lstStyle/>
+                    <a:p>
+                      <a:r>
+                        <a:rPr kumimoji="1" lang="en-US" altLang="ja-JP" dirty="0" smtClean="0"/>
+                        <a:t>5</a:t>
+                      </a:r>
+                      <a:endParaRPr kumimoji="1" lang="ja-JP" altLang="en-US" dirty="0"/>
+                    </a:p>
+                  </a:txBody>
+                  <a:tcPr/>
+                </a:tc>
+                <a:extLst>
+                  <a:ext uri="{0D108BD9-81ED-4DB2-BD59-A6C34878D82A}">
+                    <a16:rowId xmlns:a16="http://schemas.microsoft.com/office/drawing/2014/main" val="3473809517"/>
+                  </a:ext>
+                </a:extLst>
+              </a:tr>
+              <a:tr h="356493">
+                <a:tc>
+                  <a:txBody>
+                    <a:bodyPr/>
+                    <a:lstStyle/>
+                    <a:p>
+                      <a:r>
+                        <a:rPr kumimoji="1" lang="en-US" altLang="ja-JP" dirty="0" smtClean="0"/>
+                        <a:t>3</a:t>
+                      </a:r>
+                      <a:r>
+                        <a:rPr kumimoji="1" lang="ja-JP" altLang="en-US" dirty="0" smtClean="0"/>
+                        <a:t>回目</a:t>
+                      </a:r>
+                      <a:endParaRPr kumimoji="1" lang="ja-JP" altLang="en-US" dirty="0"/>
+                    </a:p>
+                  </a:txBody>
+                  <a:tcPr/>
+                </a:tc>
+                <a:tc>
+                  <a:txBody>
+                    <a:bodyPr/>
+                    <a:lstStyle/>
+                    <a:p>
+                      <a:r>
+                        <a:rPr kumimoji="1" lang="en-US" altLang="ja-JP" dirty="0" smtClean="0"/>
+                        <a:t>6</a:t>
+                      </a:r>
+                      <a:endParaRPr kumimoji="1" lang="ja-JP" altLang="en-US" dirty="0"/>
+                    </a:p>
+                  </a:txBody>
+                  <a:tcPr/>
+                </a:tc>
+                <a:tc>
+                  <a:txBody>
+                    <a:bodyPr/>
+                    <a:lstStyle/>
+                    <a:p>
+                      <a:r>
+                        <a:rPr kumimoji="1" lang="en-US" altLang="ja-JP" dirty="0" smtClean="0"/>
+                        <a:t>5</a:t>
+                      </a:r>
+                      <a:endParaRPr kumimoji="1" lang="ja-JP" altLang="en-US" dirty="0"/>
+                    </a:p>
+                  </a:txBody>
+                  <a:tcPr/>
+                </a:tc>
+                <a:tc>
+                  <a:txBody>
+                    <a:bodyPr/>
+                    <a:lstStyle/>
+                    <a:p>
+                      <a:r>
+                        <a:rPr kumimoji="1" lang="en-US" altLang="ja-JP" dirty="0" smtClean="0"/>
+                        <a:t>5</a:t>
+                      </a:r>
+                      <a:endParaRPr kumimoji="1" lang="ja-JP" altLang="en-US" dirty="0"/>
+                    </a:p>
+                  </a:txBody>
+                  <a:tcPr/>
+                </a:tc>
+                <a:extLst>
+                  <a:ext uri="{0D108BD9-81ED-4DB2-BD59-A6C34878D82A}">
+                    <a16:rowId xmlns:a16="http://schemas.microsoft.com/office/drawing/2014/main" val="2722620967"/>
+                  </a:ext>
+                </a:extLst>
+              </a:tr>
+            </a:tbl>
+          </a:graphicData>
+        </a:graphic>
+      </p:graphicFrame>
+      <p:sp>
+        <p:nvSpPr>
+          <p:cNvPr id="9" name="テキスト ボックス 8"/>
+          <p:cNvSpPr txBox="1"/>
+          <p:nvPr/>
+        </p:nvSpPr>
+        <p:spPr>
+          <a:xfrm>
+            <a:off x="7198822" y="271020"/>
+            <a:ext cx="4689104" cy="523220"/>
+          </a:xfrm>
+          <a:prstGeom prst="rect">
+            <a:avLst/>
+          </a:prstGeom>
+          <a:noFill/>
+        </p:spPr>
+        <p:txBody>
+          <a:bodyPr wrap="none" rtlCol="0">
+            <a:spAutoFit/>
+          </a:bodyPr>
+          <a:lstStyle/>
+          <a:p>
+            <a:r>
+              <a:rPr lang="en-US" altLang="ja-JP" sz="2800" b="1" dirty="0" smtClean="0">
+                <a:solidFill>
+                  <a:srgbClr val="FF0000"/>
+                </a:solidFill>
+              </a:rPr>
+              <a:t>45</a:t>
+            </a:r>
+            <a:r>
+              <a:rPr lang="ja-JP" altLang="en-US" sz="2800" b="1" dirty="0" smtClean="0">
+                <a:solidFill>
+                  <a:srgbClr val="FF0000"/>
+                </a:solidFill>
+              </a:rPr>
+              <a:t>を探す場合</a:t>
+            </a:r>
+            <a:r>
+              <a:rPr lang="en-US" altLang="ja-JP" sz="2800" b="1" dirty="0" smtClean="0">
+                <a:solidFill>
+                  <a:srgbClr val="FF0000"/>
+                </a:solidFill>
+              </a:rPr>
+              <a:t>(</a:t>
+            </a:r>
+            <a:r>
+              <a:rPr lang="ja-JP" altLang="en-US" sz="2800" b="1" dirty="0" smtClean="0">
+                <a:solidFill>
+                  <a:srgbClr val="FF0000"/>
+                </a:solidFill>
+              </a:rPr>
+              <a:t>存在しない）</a:t>
+            </a:r>
+            <a:endParaRPr lang="en-US" altLang="ja-JP" sz="2800" b="1" dirty="0" smtClean="0">
+              <a:solidFill>
+                <a:srgbClr val="FF0000"/>
+              </a:solidFill>
+            </a:endParaRPr>
+          </a:p>
+        </p:txBody>
+      </p:sp>
+      <p:sp>
+        <p:nvSpPr>
+          <p:cNvPr id="10" name="テキスト ボックス 9"/>
+          <p:cNvSpPr txBox="1"/>
+          <p:nvPr/>
+        </p:nvSpPr>
+        <p:spPr>
+          <a:xfrm>
+            <a:off x="6712066" y="5037513"/>
+            <a:ext cx="3919663" cy="646331"/>
+          </a:xfrm>
+          <a:prstGeom prst="rect">
+            <a:avLst/>
+          </a:prstGeom>
+          <a:noFill/>
+        </p:spPr>
+        <p:txBody>
+          <a:bodyPr wrap="none" rtlCol="0">
+            <a:spAutoFit/>
+          </a:bodyPr>
+          <a:lstStyle/>
+          <a:p>
+            <a:r>
+              <a:rPr kumimoji="1" lang="en-US" altLang="ja-JP" dirty="0" smtClean="0"/>
+              <a:t>3</a:t>
+            </a:r>
+            <a:r>
+              <a:rPr kumimoji="1" lang="ja-JP" altLang="en-US" dirty="0" smtClean="0"/>
+              <a:t>回目終了後 </a:t>
+            </a:r>
+            <a:r>
+              <a:rPr kumimoji="1" lang="en-US" altLang="ja-JP" dirty="0" smtClean="0"/>
+              <a:t>L</a:t>
+            </a:r>
+            <a:r>
+              <a:rPr kumimoji="1" lang="ja-JP" altLang="en-US" dirty="0" smtClean="0"/>
+              <a:t>≦</a:t>
+            </a:r>
+            <a:r>
+              <a:rPr kumimoji="1" lang="en-US" altLang="ja-JP" dirty="0" smtClean="0"/>
+              <a:t>H</a:t>
+            </a:r>
+            <a:r>
+              <a:rPr kumimoji="1" lang="ja-JP" altLang="en-US" dirty="0" smtClean="0"/>
+              <a:t>を満たさなくなり</a:t>
+            </a:r>
+            <a:endParaRPr kumimoji="1" lang="en-US" altLang="ja-JP" dirty="0" smtClean="0"/>
+          </a:p>
+          <a:p>
+            <a:r>
+              <a:rPr lang="ja-JP" altLang="en-US" dirty="0" smtClean="0"/>
+              <a:t>探索が終了する。</a:t>
+            </a:r>
+            <a:r>
+              <a:rPr lang="en-US" altLang="ja-JP" dirty="0" smtClean="0"/>
+              <a:t>return (-1) </a:t>
+            </a:r>
+            <a:endParaRPr kumimoji="1" lang="ja-JP" altLang="en-US" dirty="0"/>
+          </a:p>
+        </p:txBody>
+      </p:sp>
+    </p:spTree>
+    <p:extLst>
+      <p:ext uri="{BB962C8B-B14F-4D97-AF65-F5344CB8AC3E}">
+        <p14:creationId xmlns:p14="http://schemas.microsoft.com/office/powerpoint/2010/main" val="671650919"/>
+      </p:ext>
+    </p:extLst>
+  </p:cSld>
+  <p:clrMapOvr>
+    <a:masterClrMapping/>
+  </p:clrMapOvr>
+</p:sld>
+</file>
+
+<file path=ppt/slides/slide8.xml><?xml version="1.0" encoding="utf-8"?>
+<p:sld xmlns:a="http://schemas.openxmlformats.org/drawingml/2006/main" xmlns:r="http://schemas.openxmlformats.org/officeDocument/2006/relationships" xmlns:p="http://schemas.openxmlformats.org/presentationml/2006/main">
+  <p:cSld>
+    <p:spTree>
+      <p:nvGrpSpPr>
+        <p:cNvPr id="1" name=""/>
+        <p:cNvGrpSpPr/>
+        <p:nvPr/>
+      </p:nvGrpSpPr>
+      <p:grpSpPr>
+        <a:xfrm>
+          <a:off x="0" y="0"/>
+          <a:ext cx="0" cy="0"/>
+          <a:chOff x="0" y="0"/>
+          <a:chExt cx="0" cy="0"/>
+        </a:xfrm>
+      </p:grpSpPr>
+      <p:sp>
+        <p:nvSpPr>
+          <p:cNvPr id="2" name="タイトル 1"/>
+          <p:cNvSpPr>
+            <a:spLocks noGrp="1"/>
+          </p:cNvSpPr>
+          <p:nvPr>
+            <p:ph type="title"/>
+          </p:nvPr>
+        </p:nvSpPr>
+        <p:spPr/>
+        <p:txBody>
+          <a:bodyPr/>
+          <a:lstStyle/>
+          <a:p>
+            <a:r>
+              <a:rPr lang="ja-JP" altLang="en-US" dirty="0" smtClean="0"/>
+              <a:t>計算量について（教科書 </a:t>
+            </a:r>
+            <a:r>
+              <a:rPr lang="en-US" altLang="ja-JP" dirty="0" smtClean="0"/>
+              <a:t>68</a:t>
+            </a:r>
+            <a:r>
+              <a:rPr lang="ja-JP" altLang="en-US" dirty="0" smtClean="0"/>
+              <a:t>ページ</a:t>
+            </a:r>
+            <a:r>
+              <a:rPr lang="en-US" altLang="ja-JP" dirty="0" smtClean="0"/>
+              <a:t>)</a:t>
+            </a:r>
+            <a:endParaRPr kumimoji="1" lang="ja-JP" altLang="en-US" dirty="0"/>
+          </a:p>
+        </p:txBody>
+      </p:sp>
+      <p:sp>
+        <p:nvSpPr>
+          <p:cNvPr id="3" name="テキスト ボックス 2"/>
+          <p:cNvSpPr txBox="1"/>
+          <p:nvPr/>
+        </p:nvSpPr>
+        <p:spPr>
+          <a:xfrm>
+            <a:off x="1113905" y="1562793"/>
+            <a:ext cx="9629559" cy="3970318"/>
+          </a:xfrm>
+          <a:prstGeom prst="rect">
+            <a:avLst/>
+          </a:prstGeom>
+          <a:noFill/>
+        </p:spPr>
+        <p:txBody>
+          <a:bodyPr wrap="none" rtlCol="0">
+            <a:spAutoFit/>
+          </a:bodyPr>
+          <a:lstStyle/>
+          <a:p>
+            <a:r>
+              <a:rPr kumimoji="1" lang="en-US" altLang="ja-JP" sz="2800" dirty="0" smtClean="0"/>
+              <a:t>C=log2(N)+1</a:t>
+            </a:r>
+          </a:p>
+          <a:p>
+            <a:endParaRPr lang="en-US" altLang="ja-JP" sz="2800" dirty="0"/>
+          </a:p>
+          <a:p>
+            <a:r>
+              <a:rPr lang="ja-JP" altLang="en-US" sz="2800" dirty="0" smtClean="0"/>
+              <a:t>例えば </a:t>
+            </a:r>
+            <a:endParaRPr lang="en-US" altLang="ja-JP" sz="2800" dirty="0" smtClean="0"/>
+          </a:p>
+          <a:p>
+            <a:r>
+              <a:rPr lang="ja-JP" altLang="en-US" sz="2800" dirty="0" smtClean="0"/>
+              <a:t>配列の大きさが　</a:t>
+            </a:r>
+            <a:r>
+              <a:rPr lang="en-US" altLang="ja-JP" sz="2800" dirty="0" smtClean="0"/>
+              <a:t>4</a:t>
+            </a:r>
+            <a:r>
+              <a:rPr lang="ja-JP" altLang="en-US" sz="2800" dirty="0" smtClean="0"/>
+              <a:t>なら </a:t>
+            </a:r>
+            <a:r>
+              <a:rPr lang="en-US" altLang="ja-JP" sz="2800" dirty="0" smtClean="0"/>
+              <a:t>2+1</a:t>
+            </a:r>
+            <a:r>
+              <a:rPr lang="ja-JP" altLang="en-US" sz="2800" dirty="0" smtClean="0"/>
+              <a:t>で</a:t>
+            </a:r>
+            <a:r>
+              <a:rPr lang="en-US" altLang="ja-JP" sz="2800" dirty="0" smtClean="0"/>
+              <a:t>3</a:t>
+            </a:r>
+            <a:r>
+              <a:rPr lang="ja-JP" altLang="en-US" sz="2800" dirty="0" smtClean="0"/>
+              <a:t>回の計算</a:t>
+            </a:r>
+            <a:endParaRPr lang="en-US" altLang="ja-JP" sz="2800" dirty="0" smtClean="0"/>
+          </a:p>
+          <a:p>
+            <a:r>
+              <a:rPr lang="ja-JP" altLang="en-US" sz="2800" dirty="0" smtClean="0"/>
+              <a:t>配列</a:t>
+            </a:r>
+            <a:r>
+              <a:rPr lang="ja-JP" altLang="en-US" sz="2800" dirty="0"/>
+              <a:t>の大きさが　</a:t>
+            </a:r>
+            <a:r>
+              <a:rPr lang="en-US" altLang="ja-JP" sz="2800" dirty="0" smtClean="0"/>
+              <a:t>16</a:t>
+            </a:r>
+            <a:r>
+              <a:rPr lang="ja-JP" altLang="en-US" sz="2800" dirty="0" smtClean="0"/>
+              <a:t>なら </a:t>
+            </a:r>
+            <a:r>
+              <a:rPr lang="en-US" altLang="ja-JP" sz="2800" dirty="0" smtClean="0"/>
+              <a:t>4+1</a:t>
+            </a:r>
+            <a:r>
+              <a:rPr lang="ja-JP" altLang="en-US" sz="2800" dirty="0" smtClean="0"/>
+              <a:t>で</a:t>
+            </a:r>
+            <a:r>
+              <a:rPr lang="en-US" altLang="ja-JP" sz="2800" dirty="0" smtClean="0"/>
+              <a:t>5</a:t>
+            </a:r>
+            <a:r>
+              <a:rPr lang="ja-JP" altLang="en-US" sz="2800" dirty="0" smtClean="0"/>
+              <a:t>回</a:t>
+            </a:r>
+            <a:r>
+              <a:rPr lang="ja-JP" altLang="en-US" sz="2800" dirty="0"/>
+              <a:t>の</a:t>
+            </a:r>
+            <a:r>
+              <a:rPr lang="ja-JP" altLang="en-US" sz="2800" dirty="0" smtClean="0"/>
+              <a:t>計算</a:t>
+            </a:r>
+            <a:endParaRPr lang="en-US" altLang="ja-JP" sz="2800" dirty="0" smtClean="0"/>
+          </a:p>
+          <a:p>
+            <a:r>
+              <a:rPr lang="ja-JP" altLang="en-US" sz="2800" dirty="0"/>
+              <a:t>配列の大きさが　</a:t>
+            </a:r>
+            <a:r>
+              <a:rPr lang="en-US" altLang="ja-JP" sz="2800" dirty="0" smtClean="0"/>
+              <a:t>32</a:t>
+            </a:r>
+            <a:r>
+              <a:rPr lang="ja-JP" altLang="en-US" sz="2800" dirty="0" smtClean="0"/>
+              <a:t>なら </a:t>
+            </a:r>
+            <a:r>
+              <a:rPr lang="en-US" altLang="ja-JP" sz="2800" dirty="0" smtClean="0"/>
+              <a:t>5+1</a:t>
+            </a:r>
+            <a:r>
+              <a:rPr lang="ja-JP" altLang="en-US" sz="2800" dirty="0" smtClean="0"/>
+              <a:t>で</a:t>
+            </a:r>
+            <a:r>
+              <a:rPr lang="en-US" altLang="ja-JP" sz="2800" dirty="0" smtClean="0"/>
+              <a:t>6</a:t>
+            </a:r>
+            <a:r>
+              <a:rPr lang="ja-JP" altLang="en-US" sz="2800" dirty="0" smtClean="0"/>
+              <a:t>回</a:t>
+            </a:r>
+            <a:r>
+              <a:rPr lang="ja-JP" altLang="en-US" sz="2800" dirty="0"/>
+              <a:t>の</a:t>
+            </a:r>
+            <a:r>
+              <a:rPr lang="ja-JP" altLang="en-US" sz="2800" dirty="0" smtClean="0"/>
+              <a:t>計算となる。</a:t>
+            </a:r>
+            <a:endParaRPr lang="en-US" altLang="ja-JP" sz="2800" dirty="0" smtClean="0"/>
+          </a:p>
+          <a:p>
+            <a:endParaRPr lang="en-US" altLang="ja-JP" sz="2800" dirty="0"/>
+          </a:p>
+          <a:p>
+            <a:r>
+              <a:rPr lang="ja-JP" altLang="en-US" sz="2800" dirty="0" smtClean="0"/>
+              <a:t>配列の大きさが　</a:t>
+            </a:r>
+            <a:r>
+              <a:rPr lang="en-US" altLang="ja-JP" sz="2800" dirty="0" smtClean="0"/>
+              <a:t>10000</a:t>
+            </a:r>
+            <a:r>
+              <a:rPr lang="ja-JP" altLang="en-US" sz="2800" dirty="0" smtClean="0"/>
+              <a:t>でも、</a:t>
+            </a:r>
+            <a:r>
+              <a:rPr lang="en-US" altLang="ja-JP" sz="2800" dirty="0" smtClean="0"/>
+              <a:t>13+1</a:t>
+            </a:r>
+            <a:r>
+              <a:rPr lang="ja-JP" altLang="en-US" sz="2800" dirty="0" smtClean="0"/>
+              <a:t>で</a:t>
+            </a:r>
+            <a:r>
+              <a:rPr lang="en-US" altLang="ja-JP" sz="2800" dirty="0" smtClean="0"/>
+              <a:t>14</a:t>
+            </a:r>
+            <a:r>
+              <a:rPr lang="ja-JP" altLang="en-US" sz="2800" dirty="0" smtClean="0"/>
+              <a:t>回の計算ですむ。</a:t>
+            </a:r>
+            <a:endParaRPr lang="en-US" altLang="ja-JP" sz="2800" dirty="0" smtClean="0"/>
+          </a:p>
+          <a:p>
+            <a:r>
+              <a:rPr lang="ja-JP" altLang="en-US" sz="2800" dirty="0" smtClean="0"/>
+              <a:t>（つまり、線形探索と比べても　計算量が少なくて済む）</a:t>
+            </a:r>
+            <a:endParaRPr lang="en-US" altLang="ja-JP" sz="2800" dirty="0"/>
+          </a:p>
+        </p:txBody>
+      </p:sp>
+    </p:spTree>
+    <p:extLst>
+      <p:ext uri="{BB962C8B-B14F-4D97-AF65-F5344CB8AC3E}">
+        <p14:creationId xmlns:p14="http://schemas.microsoft.com/office/powerpoint/2010/main" val="3150201127"/>
+      </p:ext>
+    </p:extLst>
+  </p:cSld>
+  <p:clrMapOvr>
+    <a:masterClrMapping/>
+  </p:clrMapOvr>
+</p:sld>
+</file>
+
+<file path=ppt/slides/slide9.xml><?xml version="1.0" encoding="utf-8"?>
+<p:sld xmlns:a="http://schemas.openxmlformats.org/drawingml/2006/main" xmlns:r="http://schemas.openxmlformats.org/officeDocument/2006/relationships" xmlns:p="http://schemas.openxmlformats.org/presentationml/2006/main">
+  <p:cSld>
+    <p:spTree>
+      <p:nvGrpSpPr>
+        <p:cNvPr id="1" name=""/>
+        <p:cNvGrpSpPr/>
+        <p:nvPr/>
+      </p:nvGrpSpPr>
+      <p:grpSpPr>
+        <a:xfrm>
+          <a:off x="0" y="0"/>
+          <a:ext cx="0" cy="0"/>
+          <a:chOff x="0" y="0"/>
+          <a:chExt cx="0" cy="0"/>
+        </a:xfrm>
+      </p:grpSpPr>
+      <p:sp>
+        <p:nvSpPr>
+          <p:cNvPr id="2" name="タイトル 1"/>
+          <p:cNvSpPr>
+            <a:spLocks noGrp="1"/>
+          </p:cNvSpPr>
+          <p:nvPr>
+            <p:ph type="title"/>
+          </p:nvPr>
+        </p:nvSpPr>
+        <p:spPr>
+          <a:xfrm>
+            <a:off x="4096788" y="2858944"/>
+            <a:ext cx="3974869" cy="1189355"/>
+          </a:xfrm>
+        </p:spPr>
+        <p:txBody>
+          <a:bodyPr>
+            <a:normAutofit/>
+          </a:bodyPr>
+          <a:lstStyle/>
+          <a:p>
+            <a:r>
+              <a:rPr kumimoji="1" lang="en-US" altLang="ja-JP" dirty="0" smtClean="0"/>
+              <a:t>Training</a:t>
+            </a:r>
+            <a:r>
+              <a:rPr kumimoji="1" lang="ja-JP" altLang="en-US" dirty="0" smtClean="0"/>
+              <a:t>　</a:t>
+            </a:r>
+            <a:r>
+              <a:rPr kumimoji="1" lang="en-US" altLang="ja-JP" dirty="0" smtClean="0"/>
+              <a:t>2-2</a:t>
+            </a:r>
+            <a:endParaRPr kumimoji="1" lang="ja-JP" altLang="en-US" dirty="0"/>
+          </a:p>
+        </p:txBody>
+      </p:sp>
+    </p:spTree>
+    <p:extLst>
+      <p:ext uri="{BB962C8B-B14F-4D97-AF65-F5344CB8AC3E}">
+        <p14:creationId xmlns:p14="http://schemas.microsoft.com/office/powerpoint/2010/main" val="3041200670"/>
       </p:ext>
     </p:extLst>
   </p:cSld>

--- a/docs/第10回探索アルゴリズム.pptx
+++ b/docs/第10回探索アルゴリズム.pptx
@@ -251,7 +251,7 @@
           <a:p>
             <a:fld id="{BC217E9B-DFCD-4DFE-B7ED-A5F6001EB7CB}" type="datetimeFigureOut">
               <a:rPr kumimoji="1" lang="ja-JP" altLang="en-US" smtClean="0"/>
-              <a:t>2019/5/15</a:t>
+              <a:t>2019/5/16</a:t>
             </a:fld>
             <a:endParaRPr kumimoji="1" lang="ja-JP" altLang="en-US"/>
           </a:p>
@@ -453,7 +453,7 @@
           <a:p>
             <a:fld id="{BC217E9B-DFCD-4DFE-B7ED-A5F6001EB7CB}" type="datetimeFigureOut">
               <a:rPr kumimoji="1" lang="ja-JP" altLang="en-US" smtClean="0"/>
-              <a:t>2019/5/15</a:t>
+              <a:t>2019/5/16</a:t>
             </a:fld>
             <a:endParaRPr kumimoji="1" lang="ja-JP" altLang="en-US"/>
           </a:p>
@@ -665,7 +665,7 @@
           <a:p>
             <a:fld id="{BC217E9B-DFCD-4DFE-B7ED-A5F6001EB7CB}" type="datetimeFigureOut">
               <a:rPr kumimoji="1" lang="ja-JP" altLang="en-US" smtClean="0"/>
-              <a:t>2019/5/15</a:t>
+              <a:t>2019/5/16</a:t>
             </a:fld>
             <a:endParaRPr kumimoji="1" lang="ja-JP" altLang="en-US"/>
           </a:p>
@@ -867,7 +867,7 @@
           <a:p>
             <a:fld id="{BC217E9B-DFCD-4DFE-B7ED-A5F6001EB7CB}" type="datetimeFigureOut">
               <a:rPr kumimoji="1" lang="ja-JP" altLang="en-US" smtClean="0"/>
-              <a:t>2019/5/15</a:t>
+              <a:t>2019/5/16</a:t>
             </a:fld>
             <a:endParaRPr kumimoji="1" lang="ja-JP" altLang="en-US"/>
           </a:p>
@@ -1113,7 +1113,7 @@
           <a:p>
             <a:fld id="{BC217E9B-DFCD-4DFE-B7ED-A5F6001EB7CB}" type="datetimeFigureOut">
               <a:rPr kumimoji="1" lang="ja-JP" altLang="en-US" smtClean="0"/>
-              <a:t>2019/5/15</a:t>
+              <a:t>2019/5/16</a:t>
             </a:fld>
             <a:endParaRPr kumimoji="1" lang="ja-JP" altLang="en-US"/>
           </a:p>
@@ -1409,7 +1409,7 @@
           <a:p>
             <a:fld id="{BC217E9B-DFCD-4DFE-B7ED-A5F6001EB7CB}" type="datetimeFigureOut">
               <a:rPr kumimoji="1" lang="ja-JP" altLang="en-US" smtClean="0"/>
-              <a:t>2019/5/15</a:t>
+              <a:t>2019/5/16</a:t>
             </a:fld>
             <a:endParaRPr kumimoji="1" lang="ja-JP" altLang="en-US"/>
           </a:p>
@@ -1840,7 +1840,7 @@
           <a:p>
             <a:fld id="{BC217E9B-DFCD-4DFE-B7ED-A5F6001EB7CB}" type="datetimeFigureOut">
               <a:rPr kumimoji="1" lang="ja-JP" altLang="en-US" smtClean="0"/>
-              <a:t>2019/5/15</a:t>
+              <a:t>2019/5/16</a:t>
             </a:fld>
             <a:endParaRPr kumimoji="1" lang="ja-JP" altLang="en-US"/>
           </a:p>
@@ -1958,7 +1958,7 @@
           <a:p>
             <a:fld id="{BC217E9B-DFCD-4DFE-B7ED-A5F6001EB7CB}" type="datetimeFigureOut">
               <a:rPr kumimoji="1" lang="ja-JP" altLang="en-US" smtClean="0"/>
-              <a:t>2019/5/15</a:t>
+              <a:t>2019/5/16</a:t>
             </a:fld>
             <a:endParaRPr kumimoji="1" lang="ja-JP" altLang="en-US"/>
           </a:p>
@@ -2053,7 +2053,7 @@
           <a:p>
             <a:fld id="{BC217E9B-DFCD-4DFE-B7ED-A5F6001EB7CB}" type="datetimeFigureOut">
               <a:rPr kumimoji="1" lang="ja-JP" altLang="en-US" smtClean="0"/>
-              <a:t>2019/5/15</a:t>
+              <a:t>2019/5/16</a:t>
             </a:fld>
             <a:endParaRPr kumimoji="1" lang="ja-JP" altLang="en-US"/>
           </a:p>
@@ -2362,7 +2362,7 @@
           <a:p>
             <a:fld id="{BC217E9B-DFCD-4DFE-B7ED-A5F6001EB7CB}" type="datetimeFigureOut">
               <a:rPr kumimoji="1" lang="ja-JP" altLang="en-US" smtClean="0"/>
-              <a:t>2019/5/15</a:t>
+              <a:t>2019/5/16</a:t>
             </a:fld>
             <a:endParaRPr kumimoji="1" lang="ja-JP" altLang="en-US"/>
           </a:p>
@@ -2615,7 +2615,7 @@
           <a:p>
             <a:fld id="{BC217E9B-DFCD-4DFE-B7ED-A5F6001EB7CB}" type="datetimeFigureOut">
               <a:rPr kumimoji="1" lang="ja-JP" altLang="en-US" smtClean="0"/>
-              <a:t>2019/5/15</a:t>
+              <a:t>2019/5/16</a:t>
             </a:fld>
             <a:endParaRPr kumimoji="1" lang="ja-JP" altLang="en-US"/>
           </a:p>
@@ -2860,7 +2860,7 @@
           <a:p>
             <a:fld id="{BC217E9B-DFCD-4DFE-B7ED-A5F6001EB7CB}" type="datetimeFigureOut">
               <a:rPr kumimoji="1" lang="ja-JP" altLang="en-US" smtClean="0"/>
-              <a:t>2019/5/15</a:t>
+              <a:t>2019/5/16</a:t>
             </a:fld>
             <a:endParaRPr kumimoji="1" lang="ja-JP" altLang="en-US"/>
           </a:p>
@@ -4674,8 +4674,8 @@
         </p:nvSpPr>
         <p:spPr>
           <a:xfrm>
-            <a:off x="3341717" y="2485505"/>
-            <a:ext cx="6760184" cy="923330"/>
+            <a:off x="1629296" y="2909454"/>
+            <a:ext cx="8959504" cy="830997"/>
           </a:xfrm>
           <a:prstGeom prst="rect">
             <a:avLst/>
@@ -4689,60 +4689,61 @@
           <a:lstStyle/>
           <a:p>
             <a:r>
-              <a:rPr lang="ja-JP" altLang="en-US" dirty="0" smtClean="0"/>
+              <a:rPr lang="ja-JP" altLang="en-US" sz="2400" dirty="0" smtClean="0"/>
               <a:t>・文字型：</a:t>
             </a:r>
             <a:r>
-              <a:rPr lang="en-US" altLang="ja-JP" dirty="0" smtClean="0"/>
+              <a:rPr lang="en-US" altLang="ja-JP" sz="2400" dirty="0" smtClean="0"/>
               <a:t>Code</a:t>
             </a:r>
             <a:r>
-              <a:rPr lang="ja-JP" altLang="en-US" dirty="0" smtClean="0"/>
+              <a:rPr lang="ja-JP" altLang="en-US" sz="2400" dirty="0" smtClean="0"/>
               <a:t>　は、 </a:t>
             </a:r>
             <a:r>
-              <a:rPr lang="en-US" altLang="ja-JP" dirty="0" smtClean="0"/>
+              <a:rPr lang="en-US" altLang="ja-JP" sz="2400" dirty="0" smtClean="0"/>
               <a:t>pc1 pc2 rt1 rt2</a:t>
             </a:r>
             <a:r>
-              <a:rPr lang="ja-JP" altLang="en-US" dirty="0" smtClean="0"/>
+              <a:rPr lang="ja-JP" altLang="en-US" sz="2400" dirty="0" smtClean="0"/>
               <a:t>　とかが入る</a:t>
             </a:r>
-            <a:endParaRPr lang="en-US" altLang="ja-JP" dirty="0" smtClean="0"/>
-          </a:p>
-          <a:p>
-            <a:r>
-              <a:rPr lang="ja-JP" altLang="en-US" dirty="0" smtClean="0"/>
+            <a:endParaRPr lang="en-US" altLang="ja-JP" sz="2400" dirty="0" smtClean="0"/>
+          </a:p>
+          <a:p>
+            <a:r>
+              <a:rPr lang="ja-JP" altLang="en-US" sz="2400" dirty="0" smtClean="0"/>
               <a:t>・関数　</a:t>
             </a:r>
             <a:r>
-              <a:rPr lang="en-US" altLang="ja-JP" dirty="0" err="1" smtClean="0"/>
+              <a:rPr lang="en-US" altLang="ja-JP" sz="2400" dirty="0" err="1" smtClean="0"/>
               <a:t>PriceSearch</a:t>
             </a:r>
             <a:r>
-              <a:rPr lang="ja-JP" altLang="en-US" dirty="0" smtClean="0"/>
+              <a:rPr lang="ja-JP" altLang="en-US" sz="2400" dirty="0" smtClean="0"/>
               <a:t>は、</a:t>
             </a:r>
             <a:r>
-              <a:rPr lang="en-US" altLang="ja-JP" dirty="0" smtClean="0"/>
+              <a:rPr lang="en-US" altLang="ja-JP" sz="2400" dirty="0" smtClean="0"/>
               <a:t>Code</a:t>
             </a:r>
             <a:r>
-              <a:rPr lang="ja-JP" altLang="en-US" dirty="0" smtClean="0"/>
+              <a:rPr lang="ja-JP" altLang="en-US" sz="2400" dirty="0" smtClean="0"/>
               <a:t>が見つからなければ、 </a:t>
             </a:r>
             <a:r>
-              <a:rPr lang="en-US" altLang="ja-JP" dirty="0" smtClean="0"/>
+              <a:rPr lang="en-US" altLang="ja-JP" sz="2400" dirty="0" smtClean="0"/>
               <a:t>-1 </a:t>
             </a:r>
             <a:r>
-              <a:rPr lang="ja-JP" altLang="en-US" dirty="0" smtClean="0"/>
-              <a:t>を返す</a:t>
-            </a:r>
-            <a:endParaRPr lang="en-US" altLang="ja-JP" smtClean="0"/>
-          </a:p>
-          <a:p>
-            <a:endParaRPr lang="en-US" altLang="ja-JP" dirty="0" smtClean="0"/>
+              <a:rPr lang="ja-JP" altLang="en-US" sz="2400" dirty="0" smtClean="0"/>
+              <a:t>を</a:t>
+            </a:r>
+            <a:r>
+              <a:rPr lang="ja-JP" altLang="en-US" sz="2400" dirty="0" smtClean="0"/>
+              <a:t>返す</a:t>
+            </a:r>
+            <a:endParaRPr lang="en-US" altLang="ja-JP" sz="2400" dirty="0" smtClean="0"/>
           </a:p>
         </p:txBody>
       </p:sp>
@@ -5884,6 +5885,44 @@
               <a:t>を探す場合</a:t>
             </a:r>
             <a:endParaRPr kumimoji="1" lang="ja-JP" altLang="en-US" sz="2800" b="1" dirty="0">
+              <a:solidFill>
+                <a:srgbClr val="FF0000"/>
+              </a:solidFill>
+            </a:endParaRPr>
+          </a:p>
+        </p:txBody>
+      </p:sp>
+      <p:sp>
+        <p:nvSpPr>
+          <p:cNvPr id="10" name="テキスト ボックス 9"/>
+          <p:cNvSpPr txBox="1"/>
+          <p:nvPr/>
+        </p:nvSpPr>
+        <p:spPr>
+          <a:xfrm>
+            <a:off x="4365713" y="3485418"/>
+            <a:ext cx="2236510" cy="400110"/>
+          </a:xfrm>
+          <a:prstGeom prst="rect">
+            <a:avLst/>
+          </a:prstGeom>
+          <a:noFill/>
+        </p:spPr>
+        <p:txBody>
+          <a:bodyPr wrap="none" rtlCol="0">
+            <a:spAutoFit/>
+          </a:bodyPr>
+          <a:lstStyle/>
+          <a:p>
+            <a:r>
+              <a:rPr lang="ja-JP" altLang="en-US" sz="2000" b="1" dirty="0" smtClean="0">
+                <a:solidFill>
+                  <a:srgbClr val="FF0000"/>
+                </a:solidFill>
+              </a:rPr>
+              <a:t>後半を探しにいく</a:t>
+            </a:r>
+            <a:endParaRPr kumimoji="1" lang="ja-JP" altLang="en-US" sz="2000" b="1" dirty="0">
               <a:solidFill>
                 <a:srgbClr val="FF0000"/>
               </a:solidFill>
@@ -7377,13 +7416,13 @@
         </p:nvSpPr>
         <p:spPr>
           <a:xfrm>
-            <a:off x="4096788" y="2858944"/>
-            <a:ext cx="3974869" cy="1189355"/>
+            <a:off x="2791689" y="2659439"/>
+            <a:ext cx="7299961" cy="1447049"/>
           </a:xfrm>
         </p:spPr>
         <p:txBody>
           <a:bodyPr>
-            <a:normAutofit/>
+            <a:normAutofit fontScale="90000"/>
           </a:bodyPr>
           <a:lstStyle/>
           <a:p>
@@ -7397,7 +7436,25 @@
             </a:r>
             <a:r>
               <a:rPr kumimoji="1" lang="en-US" altLang="ja-JP" dirty="0" smtClean="0"/>
-              <a:t>2-2</a:t>
+              <a:t>2-3</a:t>
+            </a:r>
+            <a:br>
+              <a:rPr kumimoji="1" lang="en-US" altLang="ja-JP" dirty="0" smtClean="0"/>
+            </a:br>
+            <a:r>
+              <a:rPr lang="en-US" altLang="ja-JP" dirty="0"/>
+              <a:t/>
+            </a:r>
+            <a:br>
+              <a:rPr lang="en-US" altLang="ja-JP" dirty="0"/>
+            </a:br>
+            <a:r>
+              <a:rPr lang="en-US" altLang="ja-JP" dirty="0" smtClean="0"/>
+              <a:t>2</a:t>
+            </a:r>
+            <a:r>
+              <a:rPr lang="ja-JP" altLang="en-US" dirty="0" smtClean="0"/>
+              <a:t>分探索を理解できてるかどうかがポイントとなる。</a:t>
             </a:r>
             <a:endParaRPr kumimoji="1" lang="ja-JP" altLang="en-US" dirty="0"/>
           </a:p>

--- a/docs/第10回探索アルゴリズム.pptx
+++ b/docs/第10回探索アルゴリズム.pptx
@@ -251,7 +251,7 @@
           <a:p>
             <a:fld id="{BC217E9B-DFCD-4DFE-B7ED-A5F6001EB7CB}" type="datetimeFigureOut">
               <a:rPr kumimoji="1" lang="ja-JP" altLang="en-US" smtClean="0"/>
-              <a:t>2019/5/16</a:t>
+              <a:t>2019/5/20</a:t>
             </a:fld>
             <a:endParaRPr kumimoji="1" lang="ja-JP" altLang="en-US"/>
           </a:p>
@@ -453,7 +453,7 @@
           <a:p>
             <a:fld id="{BC217E9B-DFCD-4DFE-B7ED-A5F6001EB7CB}" type="datetimeFigureOut">
               <a:rPr kumimoji="1" lang="ja-JP" altLang="en-US" smtClean="0"/>
-              <a:t>2019/5/16</a:t>
+              <a:t>2019/5/20</a:t>
             </a:fld>
             <a:endParaRPr kumimoji="1" lang="ja-JP" altLang="en-US"/>
           </a:p>
@@ -665,7 +665,7 @@
           <a:p>
             <a:fld id="{BC217E9B-DFCD-4DFE-B7ED-A5F6001EB7CB}" type="datetimeFigureOut">
               <a:rPr kumimoji="1" lang="ja-JP" altLang="en-US" smtClean="0"/>
-              <a:t>2019/5/16</a:t>
+              <a:t>2019/5/20</a:t>
             </a:fld>
             <a:endParaRPr kumimoji="1" lang="ja-JP" altLang="en-US"/>
           </a:p>
@@ -867,7 +867,7 @@
           <a:p>
             <a:fld id="{BC217E9B-DFCD-4DFE-B7ED-A5F6001EB7CB}" type="datetimeFigureOut">
               <a:rPr kumimoji="1" lang="ja-JP" altLang="en-US" smtClean="0"/>
-              <a:t>2019/5/16</a:t>
+              <a:t>2019/5/20</a:t>
             </a:fld>
             <a:endParaRPr kumimoji="1" lang="ja-JP" altLang="en-US"/>
           </a:p>
@@ -1113,7 +1113,7 @@
           <a:p>
             <a:fld id="{BC217E9B-DFCD-4DFE-B7ED-A5F6001EB7CB}" type="datetimeFigureOut">
               <a:rPr kumimoji="1" lang="ja-JP" altLang="en-US" smtClean="0"/>
-              <a:t>2019/5/16</a:t>
+              <a:t>2019/5/20</a:t>
             </a:fld>
             <a:endParaRPr kumimoji="1" lang="ja-JP" altLang="en-US"/>
           </a:p>
@@ -1409,7 +1409,7 @@
           <a:p>
             <a:fld id="{BC217E9B-DFCD-4DFE-B7ED-A5F6001EB7CB}" type="datetimeFigureOut">
               <a:rPr kumimoji="1" lang="ja-JP" altLang="en-US" smtClean="0"/>
-              <a:t>2019/5/16</a:t>
+              <a:t>2019/5/20</a:t>
             </a:fld>
             <a:endParaRPr kumimoji="1" lang="ja-JP" altLang="en-US"/>
           </a:p>
@@ -1840,7 +1840,7 @@
           <a:p>
             <a:fld id="{BC217E9B-DFCD-4DFE-B7ED-A5F6001EB7CB}" type="datetimeFigureOut">
               <a:rPr kumimoji="1" lang="ja-JP" altLang="en-US" smtClean="0"/>
-              <a:t>2019/5/16</a:t>
+              <a:t>2019/5/20</a:t>
             </a:fld>
             <a:endParaRPr kumimoji="1" lang="ja-JP" altLang="en-US"/>
           </a:p>
@@ -1958,7 +1958,7 @@
           <a:p>
             <a:fld id="{BC217E9B-DFCD-4DFE-B7ED-A5F6001EB7CB}" type="datetimeFigureOut">
               <a:rPr kumimoji="1" lang="ja-JP" altLang="en-US" smtClean="0"/>
-              <a:t>2019/5/16</a:t>
+              <a:t>2019/5/20</a:t>
             </a:fld>
             <a:endParaRPr kumimoji="1" lang="ja-JP" altLang="en-US"/>
           </a:p>
@@ -2053,7 +2053,7 @@
           <a:p>
             <a:fld id="{BC217E9B-DFCD-4DFE-B7ED-A5F6001EB7CB}" type="datetimeFigureOut">
               <a:rPr kumimoji="1" lang="ja-JP" altLang="en-US" smtClean="0"/>
-              <a:t>2019/5/16</a:t>
+              <a:t>2019/5/20</a:t>
             </a:fld>
             <a:endParaRPr kumimoji="1" lang="ja-JP" altLang="en-US"/>
           </a:p>
@@ -2362,7 +2362,7 @@
           <a:p>
             <a:fld id="{BC217E9B-DFCD-4DFE-B7ED-A5F6001EB7CB}" type="datetimeFigureOut">
               <a:rPr kumimoji="1" lang="ja-JP" altLang="en-US" smtClean="0"/>
-              <a:t>2019/5/16</a:t>
+              <a:t>2019/5/20</a:t>
             </a:fld>
             <a:endParaRPr kumimoji="1" lang="ja-JP" altLang="en-US"/>
           </a:p>
@@ -2615,7 +2615,7 @@
           <a:p>
             <a:fld id="{BC217E9B-DFCD-4DFE-B7ED-A5F6001EB7CB}" type="datetimeFigureOut">
               <a:rPr kumimoji="1" lang="ja-JP" altLang="en-US" smtClean="0"/>
-              <a:t>2019/5/16</a:t>
+              <a:t>2019/5/20</a:t>
             </a:fld>
             <a:endParaRPr kumimoji="1" lang="ja-JP" altLang="en-US"/>
           </a:p>
@@ -2860,7 +2860,7 @@
           <a:p>
             <a:fld id="{BC217E9B-DFCD-4DFE-B7ED-A5F6001EB7CB}" type="datetimeFigureOut">
               <a:rPr kumimoji="1" lang="ja-JP" altLang="en-US" smtClean="0"/>
-              <a:t>2019/5/16</a:t>
+              <a:t>2019/5/20</a:t>
             </a:fld>
             <a:endParaRPr kumimoji="1" lang="ja-JP" altLang="en-US"/>
           </a:p>
@@ -4737,11 +4737,7 @@
             </a:r>
             <a:r>
               <a:rPr lang="ja-JP" altLang="en-US" sz="2400" dirty="0" smtClean="0"/>
-              <a:t>を</a:t>
-            </a:r>
-            <a:r>
-              <a:rPr lang="ja-JP" altLang="en-US" sz="2400" dirty="0" smtClean="0"/>
-              <a:t>返す</a:t>
+              <a:t>を返す</a:t>
             </a:r>
             <a:endParaRPr lang="en-US" altLang="ja-JP" sz="2400" dirty="0" smtClean="0"/>
           </a:p>
@@ -7454,7 +7450,44 @@
             </a:r>
             <a:r>
               <a:rPr lang="ja-JP" altLang="en-US" dirty="0" smtClean="0"/>
-              <a:t>分探索を理解できてるかどうかがポイントとなる。</a:t>
+              <a:t>分探索を理解できてるかどうかがポイントとなる</a:t>
+            </a:r>
+            <a:r>
+              <a:rPr lang="ja-JP" altLang="en-US" dirty="0" smtClean="0"/>
+              <a:t>。</a:t>
+            </a:r>
+            <a:r>
+              <a:rPr lang="en-US" altLang="ja-JP" dirty="0" smtClean="0"/>
+              <a:t/>
+            </a:r>
+            <a:br>
+              <a:rPr lang="en-US" altLang="ja-JP" dirty="0" smtClean="0"/>
+            </a:br>
+            <a:r>
+              <a:rPr lang="en-US" altLang="ja-JP" dirty="0" smtClean="0"/>
+              <a:t/>
+            </a:r>
+            <a:br>
+              <a:rPr lang="en-US" altLang="ja-JP" dirty="0" smtClean="0"/>
+            </a:br>
+            <a:r>
+              <a:rPr lang="ja-JP" altLang="en-US" dirty="0" smtClean="0"/>
+              <a:t>構造体</a:t>
+            </a:r>
+            <a:r>
+              <a:rPr lang="ja-JP" altLang="en-US" dirty="0"/>
+              <a:t>　</a:t>
+            </a:r>
+            <a:r>
+              <a:rPr lang="en-US" altLang="ja-JP" dirty="0"/>
+              <a:t/>
+            </a:r>
+            <a:br>
+              <a:rPr lang="en-US" altLang="ja-JP" dirty="0"/>
+            </a:br>
+            <a:r>
+              <a:rPr lang="ja-JP" altLang="en-US" dirty="0"/>
+              <a:t>配列に複数要素がセットになっている。</a:t>
             </a:r>
             <a:endParaRPr kumimoji="1" lang="ja-JP" altLang="en-US" dirty="0"/>
           </a:p>

--- a/docs/第10回探索アルゴリズム.pptx
+++ b/docs/第10回探索アルゴリズム.pptx
@@ -12,8 +12,9 @@
     <p:sldId id="279" r:id="rId6"/>
     <p:sldId id="275" r:id="rId7"/>
     <p:sldId id="276" r:id="rId8"/>
-    <p:sldId id="277" r:id="rId9"/>
-    <p:sldId id="278" r:id="rId10"/>
+    <p:sldId id="280" r:id="rId9"/>
+    <p:sldId id="277" r:id="rId10"/>
+    <p:sldId id="278" r:id="rId11"/>
   </p:sldIdLst>
   <p:sldSz cx="12192000" cy="6858000"/>
   <p:notesSz cx="6858000" cy="9144000"/>
@@ -251,7 +252,7 @@
           <a:p>
             <a:fld id="{BC217E9B-DFCD-4DFE-B7ED-A5F6001EB7CB}" type="datetimeFigureOut">
               <a:rPr kumimoji="1" lang="ja-JP" altLang="en-US" smtClean="0"/>
-              <a:t>2019/5/20</a:t>
+              <a:t>2019/6/4</a:t>
             </a:fld>
             <a:endParaRPr kumimoji="1" lang="ja-JP" altLang="en-US"/>
           </a:p>
@@ -453,7 +454,7 @@
           <a:p>
             <a:fld id="{BC217E9B-DFCD-4DFE-B7ED-A5F6001EB7CB}" type="datetimeFigureOut">
               <a:rPr kumimoji="1" lang="ja-JP" altLang="en-US" smtClean="0"/>
-              <a:t>2019/5/20</a:t>
+              <a:t>2019/6/4</a:t>
             </a:fld>
             <a:endParaRPr kumimoji="1" lang="ja-JP" altLang="en-US"/>
           </a:p>
@@ -665,7 +666,7 @@
           <a:p>
             <a:fld id="{BC217E9B-DFCD-4DFE-B7ED-A5F6001EB7CB}" type="datetimeFigureOut">
               <a:rPr kumimoji="1" lang="ja-JP" altLang="en-US" smtClean="0"/>
-              <a:t>2019/5/20</a:t>
+              <a:t>2019/6/4</a:t>
             </a:fld>
             <a:endParaRPr kumimoji="1" lang="ja-JP" altLang="en-US"/>
           </a:p>
@@ -867,7 +868,7 @@
           <a:p>
             <a:fld id="{BC217E9B-DFCD-4DFE-B7ED-A5F6001EB7CB}" type="datetimeFigureOut">
               <a:rPr kumimoji="1" lang="ja-JP" altLang="en-US" smtClean="0"/>
-              <a:t>2019/5/20</a:t>
+              <a:t>2019/6/4</a:t>
             </a:fld>
             <a:endParaRPr kumimoji="1" lang="ja-JP" altLang="en-US"/>
           </a:p>
@@ -1113,7 +1114,7 @@
           <a:p>
             <a:fld id="{BC217E9B-DFCD-4DFE-B7ED-A5F6001EB7CB}" type="datetimeFigureOut">
               <a:rPr kumimoji="1" lang="ja-JP" altLang="en-US" smtClean="0"/>
-              <a:t>2019/5/20</a:t>
+              <a:t>2019/6/4</a:t>
             </a:fld>
             <a:endParaRPr kumimoji="1" lang="ja-JP" altLang="en-US"/>
           </a:p>
@@ -1409,7 +1410,7 @@
           <a:p>
             <a:fld id="{BC217E9B-DFCD-4DFE-B7ED-A5F6001EB7CB}" type="datetimeFigureOut">
               <a:rPr kumimoji="1" lang="ja-JP" altLang="en-US" smtClean="0"/>
-              <a:t>2019/5/20</a:t>
+              <a:t>2019/6/4</a:t>
             </a:fld>
             <a:endParaRPr kumimoji="1" lang="ja-JP" altLang="en-US"/>
           </a:p>
@@ -1840,7 +1841,7 @@
           <a:p>
             <a:fld id="{BC217E9B-DFCD-4DFE-B7ED-A5F6001EB7CB}" type="datetimeFigureOut">
               <a:rPr kumimoji="1" lang="ja-JP" altLang="en-US" smtClean="0"/>
-              <a:t>2019/5/20</a:t>
+              <a:t>2019/6/4</a:t>
             </a:fld>
             <a:endParaRPr kumimoji="1" lang="ja-JP" altLang="en-US"/>
           </a:p>
@@ -1958,7 +1959,7 @@
           <a:p>
             <a:fld id="{BC217E9B-DFCD-4DFE-B7ED-A5F6001EB7CB}" type="datetimeFigureOut">
               <a:rPr kumimoji="1" lang="ja-JP" altLang="en-US" smtClean="0"/>
-              <a:t>2019/5/20</a:t>
+              <a:t>2019/6/4</a:t>
             </a:fld>
             <a:endParaRPr kumimoji="1" lang="ja-JP" altLang="en-US"/>
           </a:p>
@@ -2053,7 +2054,7 @@
           <a:p>
             <a:fld id="{BC217E9B-DFCD-4DFE-B7ED-A5F6001EB7CB}" type="datetimeFigureOut">
               <a:rPr kumimoji="1" lang="ja-JP" altLang="en-US" smtClean="0"/>
-              <a:t>2019/5/20</a:t>
+              <a:t>2019/6/4</a:t>
             </a:fld>
             <a:endParaRPr kumimoji="1" lang="ja-JP" altLang="en-US"/>
           </a:p>
@@ -2362,7 +2363,7 @@
           <a:p>
             <a:fld id="{BC217E9B-DFCD-4DFE-B7ED-A5F6001EB7CB}" type="datetimeFigureOut">
               <a:rPr kumimoji="1" lang="ja-JP" altLang="en-US" smtClean="0"/>
-              <a:t>2019/5/20</a:t>
+              <a:t>2019/6/4</a:t>
             </a:fld>
             <a:endParaRPr kumimoji="1" lang="ja-JP" altLang="en-US"/>
           </a:p>
@@ -2615,7 +2616,7 @@
           <a:p>
             <a:fld id="{BC217E9B-DFCD-4DFE-B7ED-A5F6001EB7CB}" type="datetimeFigureOut">
               <a:rPr kumimoji="1" lang="ja-JP" altLang="en-US" smtClean="0"/>
-              <a:t>2019/5/20</a:t>
+              <a:t>2019/6/4</a:t>
             </a:fld>
             <a:endParaRPr kumimoji="1" lang="ja-JP" altLang="en-US"/>
           </a:p>
@@ -2860,7 +2861,7 @@
           <a:p>
             <a:fld id="{BC217E9B-DFCD-4DFE-B7ED-A5F6001EB7CB}" type="datetimeFigureOut">
               <a:rPr kumimoji="1" lang="ja-JP" altLang="en-US" smtClean="0"/>
-              <a:t>2019/5/20</a:t>
+              <a:t>2019/6/4</a:t>
             </a:fld>
             <a:endParaRPr kumimoji="1" lang="ja-JP" altLang="en-US"/>
           </a:p>
@@ -3410,6 +3411,125 @@
 </p:sld>
 </file>
 
+<file path=ppt/slides/slide10.xml><?xml version="1.0" encoding="utf-8"?>
+<p:sld xmlns:a="http://schemas.openxmlformats.org/drawingml/2006/main" xmlns:r="http://schemas.openxmlformats.org/officeDocument/2006/relationships" xmlns:p="http://schemas.openxmlformats.org/presentationml/2006/main">
+  <p:cSld>
+    <p:spTree>
+      <p:nvGrpSpPr>
+        <p:cNvPr id="1" name=""/>
+        <p:cNvGrpSpPr/>
+        <p:nvPr/>
+      </p:nvGrpSpPr>
+      <p:grpSpPr>
+        <a:xfrm>
+          <a:off x="0" y="0"/>
+          <a:ext cx="0" cy="0"/>
+          <a:chOff x="0" y="0"/>
+          <a:chExt cx="0" cy="0"/>
+        </a:xfrm>
+      </p:grpSpPr>
+      <p:sp>
+        <p:nvSpPr>
+          <p:cNvPr id="2" name="タイトル 1"/>
+          <p:cNvSpPr>
+            <a:spLocks noGrp="1"/>
+          </p:cNvSpPr>
+          <p:nvPr>
+            <p:ph type="title"/>
+          </p:nvPr>
+        </p:nvSpPr>
+        <p:spPr>
+          <a:xfrm>
+            <a:off x="2791689" y="2659439"/>
+            <a:ext cx="7299961" cy="1447049"/>
+          </a:xfrm>
+        </p:spPr>
+        <p:txBody>
+          <a:bodyPr>
+            <a:normAutofit fontScale="90000"/>
+          </a:bodyPr>
+          <a:lstStyle/>
+          <a:p>
+            <a:r>
+              <a:rPr kumimoji="1" lang="en-US" altLang="ja-JP" dirty="0" smtClean="0"/>
+              <a:t>Training</a:t>
+            </a:r>
+            <a:r>
+              <a:rPr kumimoji="1" lang="ja-JP" altLang="en-US" dirty="0" smtClean="0"/>
+              <a:t>　</a:t>
+            </a:r>
+            <a:r>
+              <a:rPr kumimoji="1" lang="en-US" altLang="ja-JP" dirty="0" smtClean="0"/>
+              <a:t>2-3</a:t>
+            </a:r>
+            <a:br>
+              <a:rPr kumimoji="1" lang="en-US" altLang="ja-JP" dirty="0" smtClean="0"/>
+            </a:br>
+            <a:r>
+              <a:rPr lang="en-US" altLang="ja-JP" dirty="0"/>
+              <a:t/>
+            </a:r>
+            <a:br>
+              <a:rPr lang="en-US" altLang="ja-JP" dirty="0"/>
+            </a:br>
+            <a:r>
+              <a:rPr lang="en-US" altLang="ja-JP" dirty="0" smtClean="0"/>
+              <a:t>2</a:t>
+            </a:r>
+            <a:r>
+              <a:rPr lang="ja-JP" altLang="en-US" dirty="0" smtClean="0"/>
+              <a:t>分探索を理解できてるかどうかがポイントとなる。</a:t>
+            </a:r>
+            <a:r>
+              <a:rPr lang="en-US" altLang="ja-JP" dirty="0" smtClean="0"/>
+              <a:t/>
+            </a:r>
+            <a:br>
+              <a:rPr lang="en-US" altLang="ja-JP" dirty="0" smtClean="0"/>
+            </a:br>
+            <a:r>
+              <a:rPr lang="en-US" altLang="ja-JP" dirty="0" smtClean="0"/>
+              <a:t/>
+            </a:r>
+            <a:br>
+              <a:rPr lang="en-US" altLang="ja-JP" dirty="0" smtClean="0"/>
+            </a:br>
+            <a:r>
+              <a:rPr lang="ja-JP" altLang="en-US" dirty="0" smtClean="0"/>
+              <a:t>構造体</a:t>
+            </a:r>
+            <a:r>
+              <a:rPr lang="ja-JP" altLang="en-US" dirty="0"/>
+              <a:t>　</a:t>
+            </a:r>
+            <a:r>
+              <a:rPr lang="en-US" altLang="ja-JP" dirty="0"/>
+              <a:t/>
+            </a:r>
+            <a:br>
+              <a:rPr lang="en-US" altLang="ja-JP" dirty="0"/>
+            </a:br>
+            <a:r>
+              <a:rPr lang="ja-JP" altLang="en-US" dirty="0"/>
+              <a:t>配列に複数要素がセットになっている。</a:t>
+            </a:r>
+            <a:endParaRPr kumimoji="1" lang="ja-JP" altLang="en-US" dirty="0"/>
+          </a:p>
+        </p:txBody>
+      </p:sp>
+    </p:spTree>
+    <p:extLst>
+      <p:ext uri="{BB962C8B-B14F-4D97-AF65-F5344CB8AC3E}">
+        <p14:creationId xmlns:p14="http://schemas.microsoft.com/office/powerpoint/2010/main" val="3041200670"/>
+      </p:ext>
+    </p:extLst>
+  </p:cSld>
+  <p:clrMapOvr>
+    <a:masterClrMapping/>
+  </p:clrMapOvr>
+</p:sld>
+</file>
+
 <file path=ppt/slides/slide2.xml><?xml version="1.0" encoding="utf-8"?>
 <p:sld xmlns:a="http://schemas.openxmlformats.org/drawingml/2006/main" xmlns:r="http://schemas.openxmlformats.org/officeDocument/2006/relationships" xmlns:p="http://schemas.openxmlformats.org/presentationml/2006/main">
   <p:cSld>
@@ -4674,8 +4794,8 @@
         </p:nvSpPr>
         <p:spPr>
           <a:xfrm>
-            <a:off x="1629296" y="2909454"/>
-            <a:ext cx="8959504" cy="830997"/>
+            <a:off x="1163783" y="2718262"/>
+            <a:ext cx="10423046" cy="954107"/>
           </a:xfrm>
           <a:prstGeom prst="rect">
             <a:avLst/>
@@ -4689,57 +4809,57 @@
           <a:lstStyle/>
           <a:p>
             <a:r>
-              <a:rPr lang="ja-JP" altLang="en-US" sz="2400" dirty="0" smtClean="0"/>
+              <a:rPr lang="ja-JP" altLang="en-US" sz="2800" dirty="0" smtClean="0"/>
               <a:t>・文字型：</a:t>
             </a:r>
             <a:r>
-              <a:rPr lang="en-US" altLang="ja-JP" sz="2400" dirty="0" smtClean="0"/>
+              <a:rPr lang="en-US" altLang="ja-JP" sz="2800" dirty="0" smtClean="0"/>
               <a:t>Code</a:t>
             </a:r>
             <a:r>
-              <a:rPr lang="ja-JP" altLang="en-US" sz="2400" dirty="0" smtClean="0"/>
+              <a:rPr lang="ja-JP" altLang="en-US" sz="2800" dirty="0" smtClean="0"/>
               <a:t>　は、 </a:t>
             </a:r>
             <a:r>
-              <a:rPr lang="en-US" altLang="ja-JP" sz="2400" dirty="0" smtClean="0"/>
+              <a:rPr lang="en-US" altLang="ja-JP" sz="2800" dirty="0" smtClean="0"/>
               <a:t>pc1 pc2 rt1 rt2</a:t>
             </a:r>
             <a:r>
-              <a:rPr lang="ja-JP" altLang="en-US" sz="2400" dirty="0" smtClean="0"/>
+              <a:rPr lang="ja-JP" altLang="en-US" sz="2800" dirty="0" smtClean="0"/>
               <a:t>　とかが入る</a:t>
             </a:r>
-            <a:endParaRPr lang="en-US" altLang="ja-JP" sz="2400" dirty="0" smtClean="0"/>
-          </a:p>
-          <a:p>
-            <a:r>
-              <a:rPr lang="ja-JP" altLang="en-US" sz="2400" dirty="0" smtClean="0"/>
+            <a:endParaRPr lang="en-US" altLang="ja-JP" sz="2800" dirty="0" smtClean="0"/>
+          </a:p>
+          <a:p>
+            <a:r>
+              <a:rPr lang="ja-JP" altLang="en-US" sz="2800" dirty="0" smtClean="0"/>
               <a:t>・関数　</a:t>
             </a:r>
             <a:r>
-              <a:rPr lang="en-US" altLang="ja-JP" sz="2400" dirty="0" err="1" smtClean="0"/>
+              <a:rPr lang="en-US" altLang="ja-JP" sz="2800" dirty="0" err="1" smtClean="0"/>
               <a:t>PriceSearch</a:t>
             </a:r>
             <a:r>
-              <a:rPr lang="ja-JP" altLang="en-US" sz="2400" dirty="0" smtClean="0"/>
+              <a:rPr lang="ja-JP" altLang="en-US" sz="2800" dirty="0" smtClean="0"/>
               <a:t>は、</a:t>
             </a:r>
             <a:r>
-              <a:rPr lang="en-US" altLang="ja-JP" sz="2400" dirty="0" smtClean="0"/>
+              <a:rPr lang="en-US" altLang="ja-JP" sz="2800" dirty="0" smtClean="0"/>
               <a:t>Code</a:t>
             </a:r>
             <a:r>
-              <a:rPr lang="ja-JP" altLang="en-US" sz="2400" dirty="0" smtClean="0"/>
+              <a:rPr lang="ja-JP" altLang="en-US" sz="2800" dirty="0" smtClean="0"/>
               <a:t>が見つからなければ、 </a:t>
             </a:r>
             <a:r>
-              <a:rPr lang="en-US" altLang="ja-JP" sz="2400" dirty="0" smtClean="0"/>
+              <a:rPr lang="en-US" altLang="ja-JP" sz="2800" dirty="0" smtClean="0"/>
               <a:t>-1 </a:t>
             </a:r>
             <a:r>
-              <a:rPr lang="ja-JP" altLang="en-US" sz="2400" dirty="0" smtClean="0"/>
+              <a:rPr lang="ja-JP" altLang="en-US" sz="2800" dirty="0" smtClean="0"/>
               <a:t>を返す</a:t>
             </a:r>
-            <a:endParaRPr lang="en-US" altLang="ja-JP" sz="2400" dirty="0" smtClean="0"/>
+            <a:endParaRPr lang="en-US" altLang="ja-JP" sz="2800" dirty="0" smtClean="0"/>
           </a:p>
         </p:txBody>
       </p:sp>
@@ -7144,49 +7264,14 @@
       </p:grpSpPr>
       <p:sp>
         <p:nvSpPr>
-          <p:cNvPr id="2" name="タイトル 1"/>
-          <p:cNvSpPr>
-            <a:spLocks noGrp="1"/>
-          </p:cNvSpPr>
-          <p:nvPr>
-            <p:ph type="title"/>
-          </p:nvPr>
-        </p:nvSpPr>
-        <p:spPr/>
-        <p:txBody>
-          <a:bodyPr/>
-          <a:lstStyle/>
-          <a:p>
-            <a:r>
-              <a:rPr lang="ja-JP" altLang="en-US" dirty="0" smtClean="0"/>
-              <a:t>計算量について（教科書 </a:t>
-            </a:r>
-            <a:r>
-              <a:rPr lang="en-US" altLang="ja-JP" dirty="0" smtClean="0"/>
-              <a:t>68</a:t>
-            </a:r>
-            <a:r>
-              <a:rPr lang="ja-JP" altLang="en-US" dirty="0" smtClean="0"/>
-              <a:t>ページ</a:t>
-            </a:r>
-            <a:r>
-              <a:rPr lang="en-US" altLang="ja-JP" dirty="0" smtClean="0"/>
-              <a:t>)</a:t>
-            </a:r>
-            <a:endParaRPr kumimoji="1" lang="ja-JP" altLang="en-US" dirty="0"/>
-          </a:p>
-        </p:txBody>
-      </p:sp>
-      <p:sp>
-        <p:nvSpPr>
           <p:cNvPr id="3" name="テキスト ボックス 2"/>
           <p:cNvSpPr txBox="1"/>
           <p:nvPr/>
         </p:nvSpPr>
         <p:spPr>
           <a:xfrm>
-            <a:off x="1113905" y="1562793"/>
-            <a:ext cx="9629559" cy="3970318"/>
+            <a:off x="764770" y="58189"/>
+            <a:ext cx="3283271" cy="6694140"/>
           </a:xfrm>
           <a:prstGeom prst="rect">
             <a:avLst/>
@@ -7200,180 +7285,768 @@
           <a:lstStyle/>
           <a:p>
             <a:r>
-              <a:rPr kumimoji="1" lang="en-US" altLang="ja-JP" sz="2800" dirty="0" smtClean="0"/>
-              <a:t>C=log2(N)+1</a:t>
-            </a:r>
-          </a:p>
-          <a:p>
-            <a:endParaRPr lang="en-US" altLang="ja-JP" sz="2800" dirty="0"/>
-          </a:p>
-          <a:p>
-            <a:r>
-              <a:rPr lang="ja-JP" altLang="en-US" sz="2800" dirty="0" smtClean="0"/>
-              <a:t>例えば </a:t>
-            </a:r>
-            <a:endParaRPr lang="en-US" altLang="ja-JP" sz="2800" dirty="0" smtClean="0"/>
-          </a:p>
-          <a:p>
-            <a:r>
-              <a:rPr lang="ja-JP" altLang="en-US" sz="2800" dirty="0" smtClean="0"/>
-              <a:t>配列の大きさが　</a:t>
-            </a:r>
-            <a:r>
-              <a:rPr lang="en-US" altLang="ja-JP" sz="2800" dirty="0" smtClean="0"/>
-              <a:t>4</a:t>
-            </a:r>
-            <a:r>
-              <a:rPr lang="ja-JP" altLang="en-US" sz="2800" dirty="0" smtClean="0"/>
-              <a:t>なら </a:t>
-            </a:r>
-            <a:r>
-              <a:rPr lang="en-US" altLang="ja-JP" sz="2800" dirty="0" smtClean="0"/>
-              <a:t>2+1</a:t>
-            </a:r>
-            <a:r>
-              <a:rPr lang="ja-JP" altLang="en-US" sz="2800" dirty="0" smtClean="0"/>
-              <a:t>で</a:t>
-            </a:r>
-            <a:r>
-              <a:rPr lang="en-US" altLang="ja-JP" sz="2800" dirty="0" smtClean="0"/>
+              <a:rPr lang="en-US" altLang="ja-JP" sz="1100" dirty="0" smtClean="0"/>
+              <a:t>namespace </a:t>
+            </a:r>
+            <a:r>
+              <a:rPr lang="en-US" altLang="ja-JP" sz="1100" dirty="0"/>
+              <a:t>ConsoleApp1</a:t>
+            </a:r>
+          </a:p>
+          <a:p>
+            <a:r>
+              <a:rPr lang="en-US" altLang="ja-JP" sz="1100" dirty="0"/>
+              <a:t>{</a:t>
+            </a:r>
+          </a:p>
+          <a:p>
+            <a:r>
+              <a:rPr lang="en-US" altLang="ja-JP" sz="1100" dirty="0"/>
+              <a:t>    class </a:t>
+            </a:r>
+            <a:r>
+              <a:rPr lang="en-US" altLang="ja-JP" sz="1100" dirty="0" err="1"/>
+              <a:t>BinarySearchTest</a:t>
+            </a:r>
+            <a:endParaRPr lang="en-US" altLang="ja-JP" sz="1100" dirty="0"/>
+          </a:p>
+          <a:p>
+            <a:r>
+              <a:rPr lang="ja-JP" altLang="en-US" sz="1100" dirty="0"/>
+              <a:t>    </a:t>
+            </a:r>
+            <a:r>
+              <a:rPr lang="en-US" altLang="ja-JP" sz="1100" dirty="0"/>
+              <a:t>{</a:t>
+            </a:r>
+          </a:p>
+          <a:p>
+            <a:r>
+              <a:rPr lang="en-US" altLang="ja-JP" sz="1100" dirty="0"/>
+              <a:t>        static void Main(string[] </a:t>
+            </a:r>
+            <a:r>
+              <a:rPr lang="en-US" altLang="ja-JP" sz="1100" dirty="0" err="1"/>
+              <a:t>args</a:t>
+            </a:r>
+            <a:r>
+              <a:rPr lang="en-US" altLang="ja-JP" sz="1100" dirty="0"/>
+              <a:t>)</a:t>
+            </a:r>
+          </a:p>
+          <a:p>
+            <a:r>
+              <a:rPr lang="ja-JP" altLang="en-US" sz="1100" dirty="0"/>
+              <a:t>        </a:t>
+            </a:r>
+            <a:r>
+              <a:rPr lang="en-US" altLang="ja-JP" sz="1100" dirty="0"/>
+              <a:t>{</a:t>
+            </a:r>
+          </a:p>
+          <a:p>
+            <a:r>
+              <a:rPr lang="en-US" altLang="ja-JP" sz="1100" dirty="0"/>
+              <a:t>            </a:t>
+            </a:r>
+            <a:r>
+              <a:rPr lang="en-US" altLang="ja-JP" sz="1100" dirty="0" err="1"/>
+              <a:t>Console.WriteLine</a:t>
+            </a:r>
+            <a:r>
+              <a:rPr lang="en-US" altLang="ja-JP" sz="1100" dirty="0"/>
+              <a:t>(</a:t>
+            </a:r>
+            <a:r>
+              <a:rPr lang="en-US" altLang="ja-JP" sz="1100" dirty="0" err="1"/>
+              <a:t>BinarySearch</a:t>
+            </a:r>
+            <a:r>
+              <a:rPr lang="en-US" altLang="ja-JP" sz="1100" dirty="0"/>
+              <a:t>(13));</a:t>
+            </a:r>
+          </a:p>
+          <a:p>
+            <a:r>
+              <a:rPr lang="en-US" altLang="ja-JP" sz="1100" dirty="0"/>
+              <a:t>            </a:t>
+            </a:r>
+            <a:r>
+              <a:rPr lang="en-US" altLang="ja-JP" sz="1100" dirty="0" err="1"/>
+              <a:t>Console.ReadKey</a:t>
+            </a:r>
+            <a:r>
+              <a:rPr lang="en-US" altLang="ja-JP" sz="1100" dirty="0"/>
+              <a:t>();</a:t>
+            </a:r>
+          </a:p>
+          <a:p>
+            <a:endParaRPr lang="ja-JP" altLang="en-US" sz="1100" dirty="0"/>
+          </a:p>
+          <a:p>
+            <a:r>
+              <a:rPr lang="ja-JP" altLang="en-US" sz="1100" dirty="0"/>
+              <a:t>            </a:t>
+            </a:r>
+            <a:r>
+              <a:rPr lang="en-US" altLang="ja-JP" sz="1100" dirty="0"/>
+              <a:t>//</a:t>
+            </a:r>
+            <a:r>
+              <a:rPr lang="ja-JP" altLang="en-US" sz="1100" dirty="0"/>
+              <a:t>以下関数</a:t>
+            </a:r>
+          </a:p>
+          <a:p>
+            <a:r>
+              <a:rPr lang="en-US" altLang="ja-JP" sz="1100" dirty="0"/>
+              <a:t>            </a:t>
+            </a:r>
+            <a:r>
+              <a:rPr lang="en-US" altLang="ja-JP" sz="1100" dirty="0" err="1"/>
+              <a:t>int</a:t>
+            </a:r>
+            <a:r>
+              <a:rPr lang="en-US" altLang="ja-JP" sz="1100" dirty="0"/>
+              <a:t> </a:t>
+            </a:r>
+            <a:r>
+              <a:rPr lang="en-US" altLang="ja-JP" sz="1100" dirty="0" err="1"/>
+              <a:t>BinarySearch</a:t>
+            </a:r>
+            <a:r>
+              <a:rPr lang="en-US" altLang="ja-JP" sz="1100" dirty="0"/>
+              <a:t>(</a:t>
+            </a:r>
+            <a:r>
+              <a:rPr lang="en-US" altLang="ja-JP" sz="1100" dirty="0" err="1"/>
+              <a:t>int</a:t>
+            </a:r>
+            <a:r>
+              <a:rPr lang="en-US" altLang="ja-JP" sz="1100" dirty="0"/>
+              <a:t> x)</a:t>
+            </a:r>
+          </a:p>
+          <a:p>
+            <a:r>
+              <a:rPr lang="ja-JP" altLang="en-US" sz="1100" dirty="0"/>
+              <a:t>            </a:t>
+            </a:r>
+            <a:r>
+              <a:rPr lang="en-US" altLang="ja-JP" sz="1100" dirty="0"/>
+              <a:t>{</a:t>
+            </a:r>
+          </a:p>
+          <a:p>
+            <a:r>
+              <a:rPr lang="en-US" altLang="ja-JP" sz="1100" dirty="0"/>
+              <a:t>                </a:t>
+            </a:r>
+            <a:r>
+              <a:rPr lang="en-US" altLang="ja-JP" sz="1100" dirty="0" err="1"/>
+              <a:t>var</a:t>
+            </a:r>
+            <a:r>
+              <a:rPr lang="en-US" altLang="ja-JP" sz="1100" dirty="0"/>
+              <a:t> T = new </a:t>
+            </a:r>
+            <a:r>
+              <a:rPr lang="en-US" altLang="ja-JP" sz="1100" dirty="0" err="1"/>
+              <a:t>int</a:t>
+            </a:r>
+            <a:r>
+              <a:rPr lang="en-US" altLang="ja-JP" sz="1100" dirty="0"/>
+              <a:t>[] { 1, 4, 8, 13, 16, 22 };</a:t>
+            </a:r>
+          </a:p>
+          <a:p>
+            <a:r>
+              <a:rPr lang="en-US" altLang="ja-JP" sz="1100" dirty="0"/>
+              <a:t>                </a:t>
+            </a:r>
+            <a:r>
+              <a:rPr lang="en-US" altLang="ja-JP" sz="1100" dirty="0" err="1"/>
+              <a:t>int</a:t>
+            </a:r>
+            <a:r>
+              <a:rPr lang="en-US" altLang="ja-JP" sz="1100" dirty="0"/>
+              <a:t> Low = 0;</a:t>
+            </a:r>
+          </a:p>
+          <a:p>
+            <a:r>
+              <a:rPr lang="en-US" altLang="ja-JP" sz="1100" dirty="0"/>
+              <a:t>                </a:t>
+            </a:r>
+            <a:r>
+              <a:rPr lang="en-US" altLang="ja-JP" sz="1100" dirty="0" err="1"/>
+              <a:t>int</a:t>
+            </a:r>
+            <a:r>
+              <a:rPr lang="en-US" altLang="ja-JP" sz="1100" dirty="0"/>
+              <a:t> High = 5;</a:t>
+            </a:r>
+          </a:p>
+          <a:p>
+            <a:r>
+              <a:rPr lang="en-US" altLang="ja-JP" sz="1100" dirty="0"/>
+              <a:t>                </a:t>
+            </a:r>
+            <a:r>
+              <a:rPr lang="en-US" altLang="ja-JP" sz="1100" dirty="0" err="1"/>
+              <a:t>int</a:t>
+            </a:r>
+            <a:r>
+              <a:rPr lang="en-US" altLang="ja-JP" sz="1100" dirty="0"/>
+              <a:t> Mid = 0;</a:t>
+            </a:r>
+          </a:p>
+          <a:p>
+            <a:endParaRPr lang="ja-JP" altLang="en-US" sz="1100" dirty="0"/>
+          </a:p>
+          <a:p>
+            <a:r>
+              <a:rPr lang="en-US" altLang="ja-JP" sz="1100" dirty="0"/>
+              <a:t>                while (Low &lt;= High)</a:t>
+            </a:r>
+          </a:p>
+          <a:p>
+            <a:r>
+              <a:rPr lang="ja-JP" altLang="en-US" sz="1100" dirty="0"/>
+              <a:t>                </a:t>
+            </a:r>
+            <a:r>
+              <a:rPr lang="en-US" altLang="ja-JP" sz="1100" dirty="0"/>
+              <a:t>{</a:t>
+            </a:r>
+          </a:p>
+          <a:p>
+            <a:r>
+              <a:rPr lang="en-US" altLang="ja-JP" sz="1100" dirty="0"/>
+              <a:t>                    if (T[Mid] == x)</a:t>
+            </a:r>
+          </a:p>
+          <a:p>
+            <a:r>
+              <a:rPr lang="ja-JP" altLang="en-US" sz="1100" dirty="0"/>
+              <a:t>                    </a:t>
+            </a:r>
+            <a:r>
+              <a:rPr lang="en-US" altLang="ja-JP" sz="1100" dirty="0"/>
+              <a:t>{</a:t>
+            </a:r>
+          </a:p>
+          <a:p>
+            <a:r>
+              <a:rPr lang="en-US" altLang="ja-JP" sz="1100" dirty="0"/>
+              <a:t>                        return (Mid);</a:t>
+            </a:r>
+          </a:p>
+          <a:p>
+            <a:r>
+              <a:rPr lang="ja-JP" altLang="en-US" sz="1100" dirty="0"/>
+              <a:t>                    </a:t>
+            </a:r>
+            <a:r>
+              <a:rPr lang="en-US" altLang="ja-JP" sz="1100" dirty="0"/>
+              <a:t>}</a:t>
+            </a:r>
+          </a:p>
+          <a:p>
+            <a:r>
+              <a:rPr lang="en-US" altLang="ja-JP" sz="1100" dirty="0"/>
+              <a:t>                    else if (T[Mid]&gt;x) {</a:t>
+            </a:r>
+          </a:p>
+          <a:p>
+            <a:r>
+              <a:rPr lang="en-US" altLang="ja-JP" sz="1100" dirty="0"/>
+              <a:t>                        High = Mid - 1;</a:t>
+            </a:r>
+          </a:p>
+          <a:p>
+            <a:r>
+              <a:rPr lang="ja-JP" altLang="en-US" sz="1100" dirty="0"/>
+              <a:t>                    </a:t>
+            </a:r>
+            <a:r>
+              <a:rPr lang="en-US" altLang="ja-JP" sz="1100" dirty="0"/>
+              <a:t>}</a:t>
+            </a:r>
+          </a:p>
+          <a:p>
+            <a:endParaRPr lang="ja-JP" altLang="en-US" sz="1100" dirty="0"/>
+          </a:p>
+          <a:p>
+            <a:r>
+              <a:rPr lang="en-US" altLang="ja-JP" sz="1100" dirty="0"/>
+              <a:t>                    else</a:t>
+            </a:r>
+          </a:p>
+          <a:p>
+            <a:r>
+              <a:rPr lang="ja-JP" altLang="en-US" sz="1100" dirty="0"/>
+              <a:t>                    </a:t>
+            </a:r>
+            <a:r>
+              <a:rPr lang="en-US" altLang="ja-JP" sz="1100" dirty="0"/>
+              <a:t>{</a:t>
+            </a:r>
+          </a:p>
+          <a:p>
+            <a:r>
+              <a:rPr lang="en-US" altLang="ja-JP" sz="1100" dirty="0"/>
+              <a:t>                        Low = Mid + 1;</a:t>
+            </a:r>
+          </a:p>
+          <a:p>
+            <a:r>
+              <a:rPr lang="ja-JP" altLang="en-US" sz="1100" dirty="0"/>
+              <a:t>                    </a:t>
+            </a:r>
+            <a:r>
+              <a:rPr lang="en-US" altLang="ja-JP" sz="1100" dirty="0"/>
+              <a:t>}</a:t>
+            </a:r>
+          </a:p>
+          <a:p>
+            <a:endParaRPr lang="ja-JP" altLang="en-US" sz="1100" dirty="0"/>
+          </a:p>
+          <a:p>
+            <a:r>
+              <a:rPr lang="en-US" altLang="ja-JP" sz="1100" dirty="0"/>
+              <a:t>                    Mid = (Low + High) / 2;</a:t>
+            </a:r>
+          </a:p>
+          <a:p>
+            <a:r>
+              <a:rPr lang="ja-JP" altLang="en-US" sz="1100" dirty="0"/>
+              <a:t>                </a:t>
+            </a:r>
+            <a:r>
+              <a:rPr lang="en-US" altLang="ja-JP" sz="1100" dirty="0"/>
+              <a:t>}</a:t>
+            </a:r>
+          </a:p>
+          <a:p>
+            <a:r>
+              <a:rPr lang="en-US" altLang="ja-JP" sz="1100" dirty="0"/>
+              <a:t>                return -1;</a:t>
+            </a:r>
+          </a:p>
+          <a:p>
+            <a:r>
+              <a:rPr lang="ja-JP" altLang="en-US" sz="1100" dirty="0"/>
+              <a:t>            </a:t>
+            </a:r>
+            <a:r>
+              <a:rPr lang="en-US" altLang="ja-JP" sz="1100" dirty="0"/>
+              <a:t>}</a:t>
+            </a:r>
+          </a:p>
+          <a:p>
+            <a:r>
+              <a:rPr lang="ja-JP" altLang="en-US" sz="1100" dirty="0"/>
+              <a:t>        </a:t>
+            </a:r>
+            <a:r>
+              <a:rPr lang="en-US" altLang="ja-JP" sz="1100" dirty="0"/>
+              <a:t>}</a:t>
+            </a:r>
+          </a:p>
+          <a:p>
+            <a:r>
+              <a:rPr lang="ja-JP" altLang="en-US" sz="1100" dirty="0"/>
+              <a:t>    </a:t>
+            </a:r>
+            <a:r>
+              <a:rPr lang="en-US" altLang="ja-JP" sz="1100" dirty="0"/>
+              <a:t>}</a:t>
+            </a:r>
+          </a:p>
+          <a:p>
+            <a:r>
+              <a:rPr lang="en-US" altLang="ja-JP" sz="1100" dirty="0"/>
+              <a:t>}</a:t>
+            </a:r>
+            <a:endParaRPr kumimoji="1" lang="ja-JP" altLang="en-US" sz="1100" dirty="0"/>
+          </a:p>
+        </p:txBody>
+      </p:sp>
+      <p:graphicFrame>
+        <p:nvGraphicFramePr>
+          <p:cNvPr id="4" name="表 3"/>
+          <p:cNvGraphicFramePr>
+            <a:graphicFrameLocks noGrp="1"/>
+          </p:cNvGraphicFramePr>
+          <p:nvPr>
+            <p:extLst>
+              <p:ext uri="{D42A27DB-BD31-4B8C-83A1-F6EECF244321}">
+                <p14:modId xmlns:p14="http://schemas.microsoft.com/office/powerpoint/2010/main" val="1861577933"/>
+              </p:ext>
+            </p:extLst>
+          </p:nvPr>
+        </p:nvGraphicFramePr>
+        <p:xfrm>
+          <a:off x="5864168" y="2498590"/>
+          <a:ext cx="4917438" cy="731520"/>
+        </p:xfrm>
+        <a:graphic>
+          <a:graphicData uri="http://schemas.openxmlformats.org/drawingml/2006/table">
+            <a:tbl>
+              <a:tblPr firstRow="1" bandRow="1">
+                <a:tableStyleId>{5C22544A-7EE6-4342-B048-85BDC9FD1C3A}</a:tableStyleId>
+              </a:tblPr>
+              <a:tblGrid>
+                <a:gridCol w="819573">
+                  <a:extLst>
+                    <a:ext uri="{9D8B030D-6E8A-4147-A177-3AD203B41FA5}">
+                      <a16:colId xmlns:a16="http://schemas.microsoft.com/office/drawing/2014/main" val="269848708"/>
+                    </a:ext>
+                  </a:extLst>
+                </a:gridCol>
+                <a:gridCol w="819573">
+                  <a:extLst>
+                    <a:ext uri="{9D8B030D-6E8A-4147-A177-3AD203B41FA5}">
+                      <a16:colId xmlns:a16="http://schemas.microsoft.com/office/drawing/2014/main" val="3426576138"/>
+                    </a:ext>
+                  </a:extLst>
+                </a:gridCol>
+                <a:gridCol w="819573">
+                  <a:extLst>
+                    <a:ext uri="{9D8B030D-6E8A-4147-A177-3AD203B41FA5}">
+                      <a16:colId xmlns:a16="http://schemas.microsoft.com/office/drawing/2014/main" val="2126635011"/>
+                    </a:ext>
+                  </a:extLst>
+                </a:gridCol>
+                <a:gridCol w="819573">
+                  <a:extLst>
+                    <a:ext uri="{9D8B030D-6E8A-4147-A177-3AD203B41FA5}">
+                      <a16:colId xmlns:a16="http://schemas.microsoft.com/office/drawing/2014/main" val="4080494730"/>
+                    </a:ext>
+                  </a:extLst>
+                </a:gridCol>
+                <a:gridCol w="819573">
+                  <a:extLst>
+                    <a:ext uri="{9D8B030D-6E8A-4147-A177-3AD203B41FA5}">
+                      <a16:colId xmlns:a16="http://schemas.microsoft.com/office/drawing/2014/main" val="2782661137"/>
+                    </a:ext>
+                  </a:extLst>
+                </a:gridCol>
+                <a:gridCol w="819573">
+                  <a:extLst>
+                    <a:ext uri="{9D8B030D-6E8A-4147-A177-3AD203B41FA5}">
+                      <a16:colId xmlns:a16="http://schemas.microsoft.com/office/drawing/2014/main" val="894099527"/>
+                    </a:ext>
+                  </a:extLst>
+                </a:gridCol>
+              </a:tblGrid>
+              <a:tr h="342593">
+                <a:tc>
+                  <a:txBody>
+                    <a:bodyPr/>
+                    <a:lstStyle/>
+                    <a:p>
+                      <a:r>
+                        <a:rPr kumimoji="1" lang="en-US" altLang="ja-JP" dirty="0" smtClean="0"/>
+                        <a:t>T[0]</a:t>
+                      </a:r>
+                      <a:endParaRPr kumimoji="1" lang="ja-JP" altLang="en-US" dirty="0"/>
+                    </a:p>
+                  </a:txBody>
+                  <a:tcPr/>
+                </a:tc>
+                <a:tc>
+                  <a:txBody>
+                    <a:bodyPr/>
+                    <a:lstStyle/>
+                    <a:p>
+                      <a:r>
+                        <a:rPr kumimoji="1" lang="en-US" altLang="ja-JP" dirty="0" smtClean="0"/>
+                        <a:t>T[1]</a:t>
+                      </a:r>
+                      <a:endParaRPr kumimoji="1" lang="ja-JP" altLang="en-US" dirty="0"/>
+                    </a:p>
+                  </a:txBody>
+                  <a:tcPr/>
+                </a:tc>
+                <a:tc>
+                  <a:txBody>
+                    <a:bodyPr/>
+                    <a:lstStyle/>
+                    <a:p>
+                      <a:r>
+                        <a:rPr kumimoji="1" lang="en-US" altLang="ja-JP" dirty="0" smtClean="0"/>
+                        <a:t>T[2]</a:t>
+                      </a:r>
+                      <a:endParaRPr kumimoji="1" lang="ja-JP" altLang="en-US" dirty="0"/>
+                    </a:p>
+                  </a:txBody>
+                  <a:tcPr/>
+                </a:tc>
+                <a:tc>
+                  <a:txBody>
+                    <a:bodyPr/>
+                    <a:lstStyle/>
+                    <a:p>
+                      <a:r>
+                        <a:rPr kumimoji="1" lang="en-US" altLang="ja-JP" dirty="0" smtClean="0"/>
+                        <a:t>T[3]</a:t>
+                      </a:r>
+                      <a:endParaRPr kumimoji="1" lang="ja-JP" altLang="en-US" dirty="0"/>
+                    </a:p>
+                  </a:txBody>
+                  <a:tcPr/>
+                </a:tc>
+                <a:tc>
+                  <a:txBody>
+                    <a:bodyPr/>
+                    <a:lstStyle/>
+                    <a:p>
+                      <a:r>
+                        <a:rPr kumimoji="1" lang="en-US" altLang="ja-JP" dirty="0" smtClean="0"/>
+                        <a:t>T[4]</a:t>
+                      </a:r>
+                      <a:endParaRPr kumimoji="1" lang="ja-JP" altLang="en-US" dirty="0"/>
+                    </a:p>
+                  </a:txBody>
+                  <a:tcPr/>
+                </a:tc>
+                <a:tc>
+                  <a:txBody>
+                    <a:bodyPr/>
+                    <a:lstStyle/>
+                    <a:p>
+                      <a:r>
+                        <a:rPr kumimoji="1" lang="en-US" altLang="ja-JP" dirty="0" smtClean="0"/>
+                        <a:t>T[5]</a:t>
+                      </a:r>
+                      <a:endParaRPr kumimoji="1" lang="ja-JP" altLang="en-US" dirty="0"/>
+                    </a:p>
+                  </a:txBody>
+                  <a:tcPr/>
+                </a:tc>
+                <a:extLst>
+                  <a:ext uri="{0D108BD9-81ED-4DB2-BD59-A6C34878D82A}">
+                    <a16:rowId xmlns:a16="http://schemas.microsoft.com/office/drawing/2014/main" val="284480592"/>
+                  </a:ext>
+                </a:extLst>
+              </a:tr>
+              <a:tr h="342593">
+                <a:tc>
+                  <a:txBody>
+                    <a:bodyPr/>
+                    <a:lstStyle/>
+                    <a:p>
+                      <a:r>
+                        <a:rPr kumimoji="1" lang="en-US" altLang="ja-JP" dirty="0" smtClean="0"/>
+                        <a:t>1</a:t>
+                      </a:r>
+                      <a:endParaRPr kumimoji="1" lang="ja-JP" altLang="en-US" dirty="0"/>
+                    </a:p>
+                  </a:txBody>
+                  <a:tcPr/>
+                </a:tc>
+                <a:tc>
+                  <a:txBody>
+                    <a:bodyPr/>
+                    <a:lstStyle/>
+                    <a:p>
+                      <a:r>
+                        <a:rPr kumimoji="1" lang="en-US" altLang="ja-JP" dirty="0" smtClean="0"/>
+                        <a:t>4</a:t>
+                      </a:r>
+                      <a:endParaRPr kumimoji="1" lang="ja-JP" altLang="en-US" dirty="0"/>
+                    </a:p>
+                  </a:txBody>
+                  <a:tcPr/>
+                </a:tc>
+                <a:tc>
+                  <a:txBody>
+                    <a:bodyPr/>
+                    <a:lstStyle/>
+                    <a:p>
+                      <a:r>
+                        <a:rPr kumimoji="1" lang="en-US" altLang="ja-JP" dirty="0" smtClean="0"/>
+                        <a:t>8</a:t>
+                      </a:r>
+                      <a:endParaRPr kumimoji="1" lang="ja-JP" altLang="en-US" dirty="0"/>
+                    </a:p>
+                  </a:txBody>
+                  <a:tcPr/>
+                </a:tc>
+                <a:tc>
+                  <a:txBody>
+                    <a:bodyPr/>
+                    <a:lstStyle/>
+                    <a:p>
+                      <a:r>
+                        <a:rPr kumimoji="1" lang="en-US" altLang="ja-JP" dirty="0" smtClean="0"/>
+                        <a:t>13</a:t>
+                      </a:r>
+                      <a:endParaRPr kumimoji="1" lang="ja-JP" altLang="en-US" dirty="0"/>
+                    </a:p>
+                  </a:txBody>
+                  <a:tcPr/>
+                </a:tc>
+                <a:tc>
+                  <a:txBody>
+                    <a:bodyPr/>
+                    <a:lstStyle/>
+                    <a:p>
+                      <a:r>
+                        <a:rPr kumimoji="1" lang="en-US" altLang="ja-JP" dirty="0" smtClean="0"/>
+                        <a:t>16</a:t>
+                      </a:r>
+                      <a:endParaRPr kumimoji="1" lang="ja-JP" altLang="en-US" dirty="0"/>
+                    </a:p>
+                  </a:txBody>
+                  <a:tcPr/>
+                </a:tc>
+                <a:tc>
+                  <a:txBody>
+                    <a:bodyPr/>
+                    <a:lstStyle/>
+                    <a:p>
+                      <a:r>
+                        <a:rPr kumimoji="1" lang="en-US" altLang="ja-JP" dirty="0" smtClean="0"/>
+                        <a:t>22</a:t>
+                      </a:r>
+                      <a:endParaRPr kumimoji="1" lang="ja-JP" altLang="en-US" dirty="0"/>
+                    </a:p>
+                  </a:txBody>
+                  <a:tcPr/>
+                </a:tc>
+                <a:extLst>
+                  <a:ext uri="{0D108BD9-81ED-4DB2-BD59-A6C34878D82A}">
+                    <a16:rowId xmlns:a16="http://schemas.microsoft.com/office/drawing/2014/main" val="4276714201"/>
+                  </a:ext>
+                </a:extLst>
+              </a:tr>
+            </a:tbl>
+          </a:graphicData>
+        </a:graphic>
+      </p:graphicFrame>
+      <p:sp>
+        <p:nvSpPr>
+          <p:cNvPr id="5" name="テキスト ボックス 4"/>
+          <p:cNvSpPr txBox="1"/>
+          <p:nvPr/>
+        </p:nvSpPr>
+        <p:spPr>
+          <a:xfrm>
+            <a:off x="6192983" y="778096"/>
+            <a:ext cx="4615366" cy="1384995"/>
+          </a:xfrm>
+          <a:prstGeom prst="rect">
+            <a:avLst/>
+          </a:prstGeom>
+          <a:noFill/>
+        </p:spPr>
+        <p:txBody>
+          <a:bodyPr wrap="none" rtlCol="0">
+            <a:spAutoFit/>
+          </a:bodyPr>
+          <a:lstStyle/>
+          <a:p>
+            <a:r>
+              <a:rPr lang="en-US" altLang="ja-JP" sz="2800" b="1" dirty="0" smtClean="0">
+                <a:solidFill>
+                  <a:srgbClr val="FF0000"/>
+                </a:solidFill>
+              </a:rPr>
+              <a:t>C#</a:t>
+            </a:r>
+            <a:r>
+              <a:rPr lang="ja-JP" altLang="en-US" sz="2800" b="1" dirty="0" err="1" smtClean="0">
+                <a:solidFill>
+                  <a:srgbClr val="FF0000"/>
+                </a:solidFill>
+              </a:rPr>
+              <a:t>での</a:t>
+            </a:r>
+            <a:r>
+              <a:rPr lang="ja-JP" altLang="en-US" sz="2800" b="1" dirty="0" smtClean="0">
+                <a:solidFill>
+                  <a:srgbClr val="FF0000"/>
+                </a:solidFill>
+              </a:rPr>
+              <a:t>サンプルプログラム</a:t>
+            </a:r>
+            <a:endParaRPr lang="en-US" altLang="ja-JP" sz="2800" b="1" dirty="0" smtClean="0">
+              <a:solidFill>
+                <a:srgbClr val="FF0000"/>
+              </a:solidFill>
+            </a:endParaRPr>
+          </a:p>
+          <a:p>
+            <a:r>
+              <a:rPr lang="en-US" altLang="ja-JP" sz="2800" b="1" dirty="0" smtClean="0">
+                <a:solidFill>
+                  <a:srgbClr val="FF0000"/>
+                </a:solidFill>
+              </a:rPr>
+              <a:t>13</a:t>
+            </a:r>
+            <a:r>
+              <a:rPr lang="ja-JP" altLang="en-US" sz="2800" b="1" dirty="0" smtClean="0">
+                <a:solidFill>
+                  <a:srgbClr val="FF0000"/>
+                </a:solidFill>
+              </a:rPr>
+              <a:t>を</a:t>
+            </a:r>
+            <a:r>
+              <a:rPr lang="ja-JP" altLang="en-US" sz="2800" b="1" dirty="0" smtClean="0">
+                <a:solidFill>
+                  <a:srgbClr val="FF0000"/>
+                </a:solidFill>
+              </a:rPr>
+              <a:t>探す</a:t>
+            </a:r>
+            <a:r>
+              <a:rPr lang="ja-JP" altLang="en-US" sz="2800" b="1" dirty="0" smtClean="0">
+                <a:solidFill>
+                  <a:srgbClr val="FF0000"/>
+                </a:solidFill>
+              </a:rPr>
+              <a:t>場合</a:t>
+            </a:r>
+            <a:endParaRPr lang="en-US" altLang="ja-JP" sz="2800" b="1" dirty="0" smtClean="0">
+              <a:solidFill>
+                <a:srgbClr val="FF0000"/>
+              </a:solidFill>
+            </a:endParaRPr>
+          </a:p>
+          <a:p>
+            <a:r>
+              <a:rPr lang="ja-JP" altLang="en-US" sz="2800" b="1" dirty="0" smtClean="0">
+                <a:solidFill>
+                  <a:srgbClr val="FF0000"/>
+                </a:solidFill>
+              </a:rPr>
+              <a:t>実行結果は　</a:t>
+            </a:r>
+            <a:r>
+              <a:rPr lang="en-US" altLang="ja-JP" sz="2800" b="1" dirty="0" smtClean="0">
+                <a:solidFill>
+                  <a:srgbClr val="FF0000"/>
+                </a:solidFill>
+              </a:rPr>
               <a:t>3</a:t>
             </a:r>
-            <a:r>
-              <a:rPr lang="ja-JP" altLang="en-US" sz="2800" dirty="0" smtClean="0"/>
-              <a:t>回の計算</a:t>
-            </a:r>
-            <a:endParaRPr lang="en-US" altLang="ja-JP" sz="2800" dirty="0" smtClean="0"/>
-          </a:p>
-          <a:p>
-            <a:r>
-              <a:rPr lang="ja-JP" altLang="en-US" sz="2800" dirty="0" smtClean="0"/>
-              <a:t>配列</a:t>
-            </a:r>
-            <a:r>
-              <a:rPr lang="ja-JP" altLang="en-US" sz="2800" dirty="0"/>
-              <a:t>の大きさが　</a:t>
-            </a:r>
-            <a:r>
-              <a:rPr lang="en-US" altLang="ja-JP" sz="2800" dirty="0" smtClean="0"/>
-              <a:t>16</a:t>
-            </a:r>
-            <a:r>
-              <a:rPr lang="ja-JP" altLang="en-US" sz="2800" dirty="0" smtClean="0"/>
-              <a:t>なら </a:t>
-            </a:r>
-            <a:r>
-              <a:rPr lang="en-US" altLang="ja-JP" sz="2800" dirty="0" smtClean="0"/>
-              <a:t>4+1</a:t>
-            </a:r>
-            <a:r>
-              <a:rPr lang="ja-JP" altLang="en-US" sz="2800" dirty="0" smtClean="0"/>
-              <a:t>で</a:t>
-            </a:r>
-            <a:r>
-              <a:rPr lang="en-US" altLang="ja-JP" sz="2800" dirty="0" smtClean="0"/>
-              <a:t>5</a:t>
-            </a:r>
-            <a:r>
-              <a:rPr lang="ja-JP" altLang="en-US" sz="2800" dirty="0" smtClean="0"/>
-              <a:t>回</a:t>
-            </a:r>
-            <a:r>
-              <a:rPr lang="ja-JP" altLang="en-US" sz="2800" dirty="0"/>
-              <a:t>の</a:t>
-            </a:r>
-            <a:r>
-              <a:rPr lang="ja-JP" altLang="en-US" sz="2800" dirty="0" smtClean="0"/>
-              <a:t>計算</a:t>
-            </a:r>
-            <a:endParaRPr lang="en-US" altLang="ja-JP" sz="2800" dirty="0" smtClean="0"/>
-          </a:p>
-          <a:p>
-            <a:r>
-              <a:rPr lang="ja-JP" altLang="en-US" sz="2800" dirty="0"/>
-              <a:t>配列の大きさが　</a:t>
-            </a:r>
-            <a:r>
-              <a:rPr lang="en-US" altLang="ja-JP" sz="2800" dirty="0" smtClean="0"/>
-              <a:t>32</a:t>
-            </a:r>
-            <a:r>
-              <a:rPr lang="ja-JP" altLang="en-US" sz="2800" dirty="0" smtClean="0"/>
-              <a:t>なら </a:t>
-            </a:r>
-            <a:r>
-              <a:rPr lang="en-US" altLang="ja-JP" sz="2800" dirty="0" smtClean="0"/>
-              <a:t>5+1</a:t>
-            </a:r>
-            <a:r>
-              <a:rPr lang="ja-JP" altLang="en-US" sz="2800" dirty="0" smtClean="0"/>
-              <a:t>で</a:t>
-            </a:r>
-            <a:r>
-              <a:rPr lang="en-US" altLang="ja-JP" sz="2800" dirty="0" smtClean="0"/>
-              <a:t>6</a:t>
-            </a:r>
-            <a:r>
-              <a:rPr lang="ja-JP" altLang="en-US" sz="2800" dirty="0" smtClean="0"/>
-              <a:t>回</a:t>
-            </a:r>
-            <a:r>
-              <a:rPr lang="ja-JP" altLang="en-US" sz="2800" dirty="0"/>
-              <a:t>の</a:t>
-            </a:r>
-            <a:r>
-              <a:rPr lang="ja-JP" altLang="en-US" sz="2800" dirty="0" smtClean="0"/>
-              <a:t>計算となる。</a:t>
-            </a:r>
-            <a:endParaRPr lang="en-US" altLang="ja-JP" sz="2800" dirty="0" smtClean="0"/>
-          </a:p>
-          <a:p>
-            <a:endParaRPr lang="en-US" altLang="ja-JP" sz="2800" dirty="0"/>
-          </a:p>
-          <a:p>
-            <a:r>
-              <a:rPr lang="ja-JP" altLang="en-US" sz="2800" dirty="0" smtClean="0"/>
-              <a:t>配列の大きさが　</a:t>
-            </a:r>
-            <a:r>
-              <a:rPr lang="en-US" altLang="ja-JP" sz="2800" dirty="0" smtClean="0"/>
-              <a:t>10000</a:t>
-            </a:r>
-            <a:r>
-              <a:rPr lang="ja-JP" altLang="en-US" sz="2800" dirty="0" smtClean="0"/>
-              <a:t>でも、</a:t>
-            </a:r>
-            <a:r>
-              <a:rPr lang="en-US" altLang="ja-JP" sz="2800" dirty="0" smtClean="0"/>
-              <a:t>13+1</a:t>
-            </a:r>
-            <a:r>
-              <a:rPr lang="ja-JP" altLang="en-US" sz="2800" dirty="0" smtClean="0"/>
-              <a:t>で</a:t>
-            </a:r>
-            <a:r>
-              <a:rPr lang="en-US" altLang="ja-JP" sz="2800" dirty="0" smtClean="0"/>
-              <a:t>14</a:t>
-            </a:r>
-            <a:r>
-              <a:rPr lang="ja-JP" altLang="en-US" sz="2800" dirty="0" smtClean="0"/>
-              <a:t>回の計算ですむ。</a:t>
-            </a:r>
-            <a:endParaRPr lang="en-US" altLang="ja-JP" sz="2800" dirty="0" smtClean="0"/>
-          </a:p>
-          <a:p>
-            <a:r>
-              <a:rPr lang="ja-JP" altLang="en-US" sz="2800" dirty="0" smtClean="0"/>
-              <a:t>（つまり、線形探索と比べても　計算量が少なくて済む）</a:t>
-            </a:r>
-            <a:endParaRPr lang="en-US" altLang="ja-JP" sz="2800" dirty="0"/>
+            <a:endParaRPr lang="en-US" altLang="ja-JP" sz="2800" b="1" dirty="0" smtClean="0">
+              <a:solidFill>
+                <a:srgbClr val="FF0000"/>
+              </a:solidFill>
+            </a:endParaRPr>
           </a:p>
         </p:txBody>
       </p:sp>
     </p:spTree>
     <p:extLst>
       <p:ext uri="{BB962C8B-B14F-4D97-AF65-F5344CB8AC3E}">
-        <p14:creationId xmlns:p14="http://schemas.microsoft.com/office/powerpoint/2010/main" val="3150201127"/>
+        <p14:creationId xmlns:p14="http://schemas.microsoft.com/office/powerpoint/2010/main" val="3715509269"/>
       </p:ext>
     </p:extLst>
   </p:cSld>
@@ -7410,93 +8083,228 @@
             <p:ph type="title"/>
           </p:nvPr>
         </p:nvSpPr>
+        <p:spPr/>
+        <p:txBody>
+          <a:bodyPr/>
+          <a:lstStyle/>
+          <a:p>
+            <a:r>
+              <a:rPr lang="ja-JP" altLang="en-US" dirty="0" smtClean="0"/>
+              <a:t>計算量について（教科書 </a:t>
+            </a:r>
+            <a:r>
+              <a:rPr lang="en-US" altLang="ja-JP" dirty="0" smtClean="0"/>
+              <a:t>68</a:t>
+            </a:r>
+            <a:r>
+              <a:rPr lang="ja-JP" altLang="en-US" dirty="0" smtClean="0"/>
+              <a:t>ページ</a:t>
+            </a:r>
+            <a:r>
+              <a:rPr lang="en-US" altLang="ja-JP" dirty="0" smtClean="0"/>
+              <a:t>)</a:t>
+            </a:r>
+            <a:endParaRPr kumimoji="1" lang="ja-JP" altLang="en-US" dirty="0"/>
+          </a:p>
+        </p:txBody>
+      </p:sp>
+      <p:sp>
+        <p:nvSpPr>
+          <p:cNvPr id="3" name="テキスト ボックス 2"/>
+          <p:cNvSpPr txBox="1"/>
+          <p:nvPr/>
+        </p:nvSpPr>
         <p:spPr>
           <a:xfrm>
-            <a:off x="2791689" y="2659439"/>
-            <a:ext cx="7299961" cy="1447049"/>
+            <a:off x="1113905" y="1562793"/>
+            <a:ext cx="9629559" cy="3970318"/>
           </a:xfrm>
+          <a:prstGeom prst="rect">
+            <a:avLst/>
+          </a:prstGeom>
+          <a:noFill/>
         </p:spPr>
         <p:txBody>
-          <a:bodyPr>
-            <a:normAutofit fontScale="90000"/>
+          <a:bodyPr wrap="none" rtlCol="0">
+            <a:spAutoFit/>
           </a:bodyPr>
           <a:lstStyle/>
           <a:p>
             <a:r>
-              <a:rPr kumimoji="1" lang="en-US" altLang="ja-JP" dirty="0" smtClean="0"/>
-              <a:t>Training</a:t>
-            </a:r>
-            <a:r>
-              <a:rPr kumimoji="1" lang="ja-JP" altLang="en-US" dirty="0" smtClean="0"/>
-              <a:t>　</a:t>
-            </a:r>
-            <a:r>
-              <a:rPr kumimoji="1" lang="en-US" altLang="ja-JP" dirty="0" smtClean="0"/>
-              <a:t>2-3</a:t>
-            </a:r>
-            <a:br>
-              <a:rPr kumimoji="1" lang="en-US" altLang="ja-JP" dirty="0" smtClean="0"/>
-            </a:br>
-            <a:r>
-              <a:rPr lang="en-US" altLang="ja-JP" dirty="0"/>
-              <a:t/>
-            </a:r>
-            <a:br>
-              <a:rPr lang="en-US" altLang="ja-JP" dirty="0"/>
-            </a:br>
-            <a:r>
-              <a:rPr lang="en-US" altLang="ja-JP" dirty="0" smtClean="0"/>
-              <a:t>2</a:t>
-            </a:r>
-            <a:r>
-              <a:rPr lang="ja-JP" altLang="en-US" dirty="0" smtClean="0"/>
-              <a:t>分探索を理解できてるかどうかがポイントとなる</a:t>
-            </a:r>
-            <a:r>
-              <a:rPr lang="ja-JP" altLang="en-US" dirty="0" smtClean="0"/>
-              <a:t>。</a:t>
-            </a:r>
-            <a:r>
-              <a:rPr lang="en-US" altLang="ja-JP" dirty="0" smtClean="0"/>
-              <a:t/>
-            </a:r>
-            <a:br>
-              <a:rPr lang="en-US" altLang="ja-JP" dirty="0" smtClean="0"/>
-            </a:br>
-            <a:r>
-              <a:rPr lang="en-US" altLang="ja-JP" dirty="0" smtClean="0"/>
-              <a:t/>
-            </a:r>
-            <a:br>
-              <a:rPr lang="en-US" altLang="ja-JP" dirty="0" smtClean="0"/>
-            </a:br>
-            <a:r>
-              <a:rPr lang="ja-JP" altLang="en-US" dirty="0" smtClean="0"/>
-              <a:t>構造体</a:t>
-            </a:r>
-            <a:r>
-              <a:rPr lang="ja-JP" altLang="en-US" dirty="0"/>
-              <a:t>　</a:t>
-            </a:r>
-            <a:r>
-              <a:rPr lang="en-US" altLang="ja-JP" dirty="0"/>
-              <a:t/>
-            </a:r>
-            <a:br>
-              <a:rPr lang="en-US" altLang="ja-JP" dirty="0"/>
-            </a:br>
-            <a:r>
-              <a:rPr lang="ja-JP" altLang="en-US" dirty="0"/>
-              <a:t>配列に複数要素がセットになっている。</a:t>
-            </a:r>
-            <a:endParaRPr kumimoji="1" lang="ja-JP" altLang="en-US" dirty="0"/>
+              <a:rPr kumimoji="1" lang="en-US" altLang="ja-JP" sz="2800" dirty="0" smtClean="0"/>
+              <a:t>C=log2(N)+1</a:t>
+            </a:r>
+          </a:p>
+          <a:p>
+            <a:endParaRPr lang="en-US" altLang="ja-JP" sz="2800" dirty="0"/>
+          </a:p>
+          <a:p>
+            <a:r>
+              <a:rPr lang="ja-JP" altLang="en-US" sz="2800" dirty="0" smtClean="0"/>
+              <a:t>例えば </a:t>
+            </a:r>
+            <a:endParaRPr lang="en-US" altLang="ja-JP" sz="2800" dirty="0" smtClean="0"/>
+          </a:p>
+          <a:p>
+            <a:r>
+              <a:rPr lang="ja-JP" altLang="en-US" sz="2800" dirty="0" smtClean="0"/>
+              <a:t>配列の大きさが　</a:t>
+            </a:r>
+            <a:r>
+              <a:rPr lang="en-US" altLang="ja-JP" sz="2800" dirty="0" smtClean="0"/>
+              <a:t>4</a:t>
+            </a:r>
+            <a:r>
+              <a:rPr lang="ja-JP" altLang="en-US" sz="2800" dirty="0" smtClean="0"/>
+              <a:t>なら </a:t>
+            </a:r>
+            <a:r>
+              <a:rPr lang="en-US" altLang="ja-JP" sz="2800" dirty="0" smtClean="0"/>
+              <a:t>2+1</a:t>
+            </a:r>
+            <a:r>
+              <a:rPr lang="ja-JP" altLang="en-US" sz="2800" dirty="0" smtClean="0"/>
+              <a:t>で</a:t>
+            </a:r>
+            <a:r>
+              <a:rPr lang="en-US" altLang="ja-JP" sz="2800" dirty="0" smtClean="0"/>
+              <a:t>3</a:t>
+            </a:r>
+            <a:r>
+              <a:rPr lang="ja-JP" altLang="en-US" sz="2800" dirty="0" smtClean="0"/>
+              <a:t>回の計算</a:t>
+            </a:r>
+            <a:endParaRPr lang="en-US" altLang="ja-JP" sz="2800" dirty="0" smtClean="0"/>
+          </a:p>
+          <a:p>
+            <a:r>
+              <a:rPr lang="ja-JP" altLang="en-US" sz="2800" dirty="0" smtClean="0"/>
+              <a:t>配列</a:t>
+            </a:r>
+            <a:r>
+              <a:rPr lang="ja-JP" altLang="en-US" sz="2800" dirty="0"/>
+              <a:t>の大きさが　</a:t>
+            </a:r>
+            <a:r>
+              <a:rPr lang="en-US" altLang="ja-JP" sz="2800" dirty="0" smtClean="0"/>
+              <a:t>16</a:t>
+            </a:r>
+            <a:r>
+              <a:rPr lang="ja-JP" altLang="en-US" sz="2800" dirty="0" smtClean="0"/>
+              <a:t>なら </a:t>
+            </a:r>
+            <a:r>
+              <a:rPr lang="en-US" altLang="ja-JP" sz="2800" dirty="0" smtClean="0"/>
+              <a:t>4+1</a:t>
+            </a:r>
+            <a:r>
+              <a:rPr lang="ja-JP" altLang="en-US" sz="2800" dirty="0" smtClean="0"/>
+              <a:t>で</a:t>
+            </a:r>
+            <a:r>
+              <a:rPr lang="en-US" altLang="ja-JP" sz="2800" dirty="0" smtClean="0"/>
+              <a:t>5</a:t>
+            </a:r>
+            <a:r>
+              <a:rPr lang="ja-JP" altLang="en-US" sz="2800" dirty="0" smtClean="0"/>
+              <a:t>回</a:t>
+            </a:r>
+            <a:r>
+              <a:rPr lang="ja-JP" altLang="en-US" sz="2800" dirty="0"/>
+              <a:t>の</a:t>
+            </a:r>
+            <a:r>
+              <a:rPr lang="ja-JP" altLang="en-US" sz="2800" dirty="0" smtClean="0"/>
+              <a:t>計算</a:t>
+            </a:r>
+            <a:endParaRPr lang="en-US" altLang="ja-JP" sz="2800" dirty="0" smtClean="0"/>
+          </a:p>
+          <a:p>
+            <a:r>
+              <a:rPr lang="ja-JP" altLang="en-US" sz="2800" dirty="0"/>
+              <a:t>配列の大きさが　</a:t>
+            </a:r>
+            <a:r>
+              <a:rPr lang="en-US" altLang="ja-JP" sz="2800" dirty="0" smtClean="0"/>
+              <a:t>32</a:t>
+            </a:r>
+            <a:r>
+              <a:rPr lang="ja-JP" altLang="en-US" sz="2800" dirty="0" smtClean="0"/>
+              <a:t>なら </a:t>
+            </a:r>
+            <a:r>
+              <a:rPr lang="en-US" altLang="ja-JP" sz="2800" dirty="0" smtClean="0"/>
+              <a:t>5+1</a:t>
+            </a:r>
+            <a:r>
+              <a:rPr lang="ja-JP" altLang="en-US" sz="2800" dirty="0" smtClean="0"/>
+              <a:t>で</a:t>
+            </a:r>
+            <a:r>
+              <a:rPr lang="en-US" altLang="ja-JP" sz="2800" dirty="0" smtClean="0"/>
+              <a:t>6</a:t>
+            </a:r>
+            <a:r>
+              <a:rPr lang="ja-JP" altLang="en-US" sz="2800" dirty="0" smtClean="0"/>
+              <a:t>回</a:t>
+            </a:r>
+            <a:r>
+              <a:rPr lang="ja-JP" altLang="en-US" sz="2800" dirty="0"/>
+              <a:t>の</a:t>
+            </a:r>
+            <a:r>
+              <a:rPr lang="ja-JP" altLang="en-US" sz="2800" dirty="0" smtClean="0"/>
+              <a:t>計算となる。</a:t>
+            </a:r>
+            <a:endParaRPr lang="en-US" altLang="ja-JP" sz="2800" dirty="0" smtClean="0"/>
+          </a:p>
+          <a:p>
+            <a:endParaRPr lang="en-US" altLang="ja-JP" sz="2800" dirty="0"/>
+          </a:p>
+          <a:p>
+            <a:r>
+              <a:rPr lang="ja-JP" altLang="en-US" sz="2800" dirty="0" smtClean="0"/>
+              <a:t>配列の大きさが　</a:t>
+            </a:r>
+            <a:r>
+              <a:rPr lang="en-US" altLang="ja-JP" sz="2800" dirty="0" smtClean="0"/>
+              <a:t>10000</a:t>
+            </a:r>
+            <a:r>
+              <a:rPr lang="ja-JP" altLang="en-US" sz="2800" dirty="0" smtClean="0"/>
+              <a:t>でも、</a:t>
+            </a:r>
+            <a:r>
+              <a:rPr lang="en-US" altLang="ja-JP" sz="2800" dirty="0" smtClean="0"/>
+              <a:t>13+1</a:t>
+            </a:r>
+            <a:r>
+              <a:rPr lang="ja-JP" altLang="en-US" sz="2800" dirty="0" smtClean="0"/>
+              <a:t>で</a:t>
+            </a:r>
+            <a:r>
+              <a:rPr lang="en-US" altLang="ja-JP" sz="2800" dirty="0" smtClean="0"/>
+              <a:t>14</a:t>
+            </a:r>
+            <a:r>
+              <a:rPr lang="ja-JP" altLang="en-US" sz="2800" dirty="0" smtClean="0"/>
+              <a:t>回の計算ですむ。</a:t>
+            </a:r>
+            <a:endParaRPr lang="en-US" altLang="ja-JP" sz="2800" dirty="0" smtClean="0"/>
+          </a:p>
+          <a:p>
+            <a:r>
+              <a:rPr lang="ja-JP" altLang="en-US" sz="2800" dirty="0" smtClean="0"/>
+              <a:t>（つまり、線形探索と比べても　計算量が少なくて済む）</a:t>
+            </a:r>
+            <a:endParaRPr lang="en-US" altLang="ja-JP" sz="2800" dirty="0"/>
           </a:p>
         </p:txBody>
       </p:sp>
     </p:spTree>
     <p:extLst>
       <p:ext uri="{BB962C8B-B14F-4D97-AF65-F5344CB8AC3E}">
-        <p14:creationId xmlns:p14="http://schemas.microsoft.com/office/powerpoint/2010/main" val="3041200670"/>
+        <p14:creationId xmlns:p14="http://schemas.microsoft.com/office/powerpoint/2010/main" val="3150201127"/>
       </p:ext>
     </p:extLst>
   </p:cSld>

--- a/docs/第10回探索アルゴリズム.pptx
+++ b/docs/第10回探索アルゴリズム.pptx
@@ -10,14 +10,16 @@
     <p:sldId id="273" r:id="rId4"/>
     <p:sldId id="274" r:id="rId5"/>
     <p:sldId id="279" r:id="rId6"/>
-    <p:sldId id="275" r:id="rId7"/>
-    <p:sldId id="276" r:id="rId8"/>
-    <p:sldId id="280" r:id="rId9"/>
-    <p:sldId id="277" r:id="rId10"/>
-    <p:sldId id="278" r:id="rId11"/>
+    <p:sldId id="281" r:id="rId7"/>
+    <p:sldId id="275" r:id="rId8"/>
+    <p:sldId id="276" r:id="rId9"/>
+    <p:sldId id="280" r:id="rId10"/>
+    <p:sldId id="277" r:id="rId11"/>
+    <p:sldId id="278" r:id="rId12"/>
+    <p:sldId id="282" r:id="rId13"/>
   </p:sldIdLst>
   <p:sldSz cx="12192000" cy="6858000"/>
-  <p:notesSz cx="6858000" cy="9144000"/>
+  <p:notesSz cx="6735763" cy="9869488"/>
   <p:defaultTextStyle>
     <a:defPPr>
       <a:defRPr lang="ja-JP"/>
@@ -252,7 +254,7 @@
           <a:p>
             <a:fld id="{BC217E9B-DFCD-4DFE-B7ED-A5F6001EB7CB}" type="datetimeFigureOut">
               <a:rPr kumimoji="1" lang="ja-JP" altLang="en-US" smtClean="0"/>
-              <a:t>2019/6/4</a:t>
+              <a:t>2019/6/24</a:t>
             </a:fld>
             <a:endParaRPr kumimoji="1" lang="ja-JP" altLang="en-US"/>
           </a:p>
@@ -454,7 +456,7 @@
           <a:p>
             <a:fld id="{BC217E9B-DFCD-4DFE-B7ED-A5F6001EB7CB}" type="datetimeFigureOut">
               <a:rPr kumimoji="1" lang="ja-JP" altLang="en-US" smtClean="0"/>
-              <a:t>2019/6/4</a:t>
+              <a:t>2019/6/24</a:t>
             </a:fld>
             <a:endParaRPr kumimoji="1" lang="ja-JP" altLang="en-US"/>
           </a:p>
@@ -666,7 +668,7 @@
           <a:p>
             <a:fld id="{BC217E9B-DFCD-4DFE-B7ED-A5F6001EB7CB}" type="datetimeFigureOut">
               <a:rPr kumimoji="1" lang="ja-JP" altLang="en-US" smtClean="0"/>
-              <a:t>2019/6/4</a:t>
+              <a:t>2019/6/24</a:t>
             </a:fld>
             <a:endParaRPr kumimoji="1" lang="ja-JP" altLang="en-US"/>
           </a:p>
@@ -868,7 +870,7 @@
           <a:p>
             <a:fld id="{BC217E9B-DFCD-4DFE-B7ED-A5F6001EB7CB}" type="datetimeFigureOut">
               <a:rPr kumimoji="1" lang="ja-JP" altLang="en-US" smtClean="0"/>
-              <a:t>2019/6/4</a:t>
+              <a:t>2019/6/24</a:t>
             </a:fld>
             <a:endParaRPr kumimoji="1" lang="ja-JP" altLang="en-US"/>
           </a:p>
@@ -1114,7 +1116,7 @@
           <a:p>
             <a:fld id="{BC217E9B-DFCD-4DFE-B7ED-A5F6001EB7CB}" type="datetimeFigureOut">
               <a:rPr kumimoji="1" lang="ja-JP" altLang="en-US" smtClean="0"/>
-              <a:t>2019/6/4</a:t>
+              <a:t>2019/6/24</a:t>
             </a:fld>
             <a:endParaRPr kumimoji="1" lang="ja-JP" altLang="en-US"/>
           </a:p>
@@ -1410,7 +1412,7 @@
           <a:p>
             <a:fld id="{BC217E9B-DFCD-4DFE-B7ED-A5F6001EB7CB}" type="datetimeFigureOut">
               <a:rPr kumimoji="1" lang="ja-JP" altLang="en-US" smtClean="0"/>
-              <a:t>2019/6/4</a:t>
+              <a:t>2019/6/24</a:t>
             </a:fld>
             <a:endParaRPr kumimoji="1" lang="ja-JP" altLang="en-US"/>
           </a:p>
@@ -1841,7 +1843,7 @@
           <a:p>
             <a:fld id="{BC217E9B-DFCD-4DFE-B7ED-A5F6001EB7CB}" type="datetimeFigureOut">
               <a:rPr kumimoji="1" lang="ja-JP" altLang="en-US" smtClean="0"/>
-              <a:t>2019/6/4</a:t>
+              <a:t>2019/6/24</a:t>
             </a:fld>
             <a:endParaRPr kumimoji="1" lang="ja-JP" altLang="en-US"/>
           </a:p>
@@ -1959,7 +1961,7 @@
           <a:p>
             <a:fld id="{BC217E9B-DFCD-4DFE-B7ED-A5F6001EB7CB}" type="datetimeFigureOut">
               <a:rPr kumimoji="1" lang="ja-JP" altLang="en-US" smtClean="0"/>
-              <a:t>2019/6/4</a:t>
+              <a:t>2019/6/24</a:t>
             </a:fld>
             <a:endParaRPr kumimoji="1" lang="ja-JP" altLang="en-US"/>
           </a:p>
@@ -2054,7 +2056,7 @@
           <a:p>
             <a:fld id="{BC217E9B-DFCD-4DFE-B7ED-A5F6001EB7CB}" type="datetimeFigureOut">
               <a:rPr kumimoji="1" lang="ja-JP" altLang="en-US" smtClean="0"/>
-              <a:t>2019/6/4</a:t>
+              <a:t>2019/6/24</a:t>
             </a:fld>
             <a:endParaRPr kumimoji="1" lang="ja-JP" altLang="en-US"/>
           </a:p>
@@ -2363,7 +2365,7 @@
           <a:p>
             <a:fld id="{BC217E9B-DFCD-4DFE-B7ED-A5F6001EB7CB}" type="datetimeFigureOut">
               <a:rPr kumimoji="1" lang="ja-JP" altLang="en-US" smtClean="0"/>
-              <a:t>2019/6/4</a:t>
+              <a:t>2019/6/24</a:t>
             </a:fld>
             <a:endParaRPr kumimoji="1" lang="ja-JP" altLang="en-US"/>
           </a:p>
@@ -2616,7 +2618,7 @@
           <a:p>
             <a:fld id="{BC217E9B-DFCD-4DFE-B7ED-A5F6001EB7CB}" type="datetimeFigureOut">
               <a:rPr kumimoji="1" lang="ja-JP" altLang="en-US" smtClean="0"/>
-              <a:t>2019/6/4</a:t>
+              <a:t>2019/6/24</a:t>
             </a:fld>
             <a:endParaRPr kumimoji="1" lang="ja-JP" altLang="en-US"/>
           </a:p>
@@ -2861,7 +2863,7 @@
           <a:p>
             <a:fld id="{BC217E9B-DFCD-4DFE-B7ED-A5F6001EB7CB}" type="datetimeFigureOut">
               <a:rPr kumimoji="1" lang="ja-JP" altLang="en-US" smtClean="0"/>
-              <a:t>2019/6/4</a:t>
+              <a:t>2019/6/24</a:t>
             </a:fld>
             <a:endParaRPr kumimoji="1" lang="ja-JP" altLang="en-US"/>
           </a:p>
@@ -3438,6 +3440,264 @@
             <p:ph type="title"/>
           </p:nvPr>
         </p:nvSpPr>
+        <p:spPr/>
+        <p:txBody>
+          <a:bodyPr/>
+          <a:lstStyle/>
+          <a:p>
+            <a:r>
+              <a:rPr lang="ja-JP" altLang="en-US" dirty="0" smtClean="0"/>
+              <a:t>計算量について（教科書 </a:t>
+            </a:r>
+            <a:r>
+              <a:rPr lang="en-US" altLang="ja-JP" dirty="0" smtClean="0"/>
+              <a:t>68</a:t>
+            </a:r>
+            <a:r>
+              <a:rPr lang="ja-JP" altLang="en-US" dirty="0" smtClean="0"/>
+              <a:t>ページ</a:t>
+            </a:r>
+            <a:r>
+              <a:rPr lang="en-US" altLang="ja-JP" dirty="0" smtClean="0"/>
+              <a:t>)</a:t>
+            </a:r>
+            <a:endParaRPr kumimoji="1" lang="ja-JP" altLang="en-US" dirty="0"/>
+          </a:p>
+        </p:txBody>
+      </p:sp>
+      <p:sp>
+        <p:nvSpPr>
+          <p:cNvPr id="3" name="テキスト ボックス 2"/>
+          <p:cNvSpPr txBox="1"/>
+          <p:nvPr/>
+        </p:nvSpPr>
+        <p:spPr>
+          <a:xfrm>
+            <a:off x="1113905" y="1562793"/>
+            <a:ext cx="9629559" cy="3970318"/>
+          </a:xfrm>
+          <a:prstGeom prst="rect">
+            <a:avLst/>
+          </a:prstGeom>
+          <a:noFill/>
+        </p:spPr>
+        <p:txBody>
+          <a:bodyPr wrap="none" rtlCol="0">
+            <a:spAutoFit/>
+          </a:bodyPr>
+          <a:lstStyle/>
+          <a:p>
+            <a:r>
+              <a:rPr kumimoji="1" lang="en-US" altLang="ja-JP" sz="2800" dirty="0" smtClean="0"/>
+              <a:t>C=log2(N)+1</a:t>
+            </a:r>
+          </a:p>
+          <a:p>
+            <a:endParaRPr lang="en-US" altLang="ja-JP" sz="2800" dirty="0"/>
+          </a:p>
+          <a:p>
+            <a:r>
+              <a:rPr lang="ja-JP" altLang="en-US" sz="2800" dirty="0" smtClean="0"/>
+              <a:t>例えば </a:t>
+            </a:r>
+            <a:endParaRPr lang="en-US" altLang="ja-JP" sz="2800" dirty="0" smtClean="0"/>
+          </a:p>
+          <a:p>
+            <a:r>
+              <a:rPr lang="ja-JP" altLang="en-US" sz="2800" dirty="0" smtClean="0"/>
+              <a:t>配列の大きさが　</a:t>
+            </a:r>
+            <a:r>
+              <a:rPr lang="en-US" altLang="ja-JP" sz="2800" dirty="0" smtClean="0"/>
+              <a:t>4</a:t>
+            </a:r>
+            <a:r>
+              <a:rPr lang="ja-JP" altLang="en-US" sz="2800" dirty="0" smtClean="0"/>
+              <a:t>なら </a:t>
+            </a:r>
+            <a:r>
+              <a:rPr lang="en-US" altLang="ja-JP" sz="2800" dirty="0" smtClean="0"/>
+              <a:t>2+1</a:t>
+            </a:r>
+            <a:r>
+              <a:rPr lang="ja-JP" altLang="en-US" sz="2800" dirty="0" smtClean="0"/>
+              <a:t>で</a:t>
+            </a:r>
+            <a:r>
+              <a:rPr lang="en-US" altLang="ja-JP" sz="2800" dirty="0" smtClean="0"/>
+              <a:t>3</a:t>
+            </a:r>
+            <a:r>
+              <a:rPr lang="ja-JP" altLang="en-US" sz="2800" dirty="0" smtClean="0"/>
+              <a:t>回の計算</a:t>
+            </a:r>
+            <a:endParaRPr lang="en-US" altLang="ja-JP" sz="2800" dirty="0" smtClean="0"/>
+          </a:p>
+          <a:p>
+            <a:r>
+              <a:rPr lang="ja-JP" altLang="en-US" sz="2800" dirty="0" smtClean="0"/>
+              <a:t>配列</a:t>
+            </a:r>
+            <a:r>
+              <a:rPr lang="ja-JP" altLang="en-US" sz="2800" dirty="0"/>
+              <a:t>の大きさが　</a:t>
+            </a:r>
+            <a:r>
+              <a:rPr lang="en-US" altLang="ja-JP" sz="2800" dirty="0" smtClean="0"/>
+              <a:t>16</a:t>
+            </a:r>
+            <a:r>
+              <a:rPr lang="ja-JP" altLang="en-US" sz="2800" dirty="0" smtClean="0"/>
+              <a:t>なら </a:t>
+            </a:r>
+            <a:r>
+              <a:rPr lang="en-US" altLang="ja-JP" sz="2800" dirty="0" smtClean="0"/>
+              <a:t>4+1</a:t>
+            </a:r>
+            <a:r>
+              <a:rPr lang="ja-JP" altLang="en-US" sz="2800" dirty="0" smtClean="0"/>
+              <a:t>で</a:t>
+            </a:r>
+            <a:r>
+              <a:rPr lang="en-US" altLang="ja-JP" sz="2800" dirty="0" smtClean="0"/>
+              <a:t>5</a:t>
+            </a:r>
+            <a:r>
+              <a:rPr lang="ja-JP" altLang="en-US" sz="2800" dirty="0" smtClean="0"/>
+              <a:t>回</a:t>
+            </a:r>
+            <a:r>
+              <a:rPr lang="ja-JP" altLang="en-US" sz="2800" dirty="0"/>
+              <a:t>の</a:t>
+            </a:r>
+            <a:r>
+              <a:rPr lang="ja-JP" altLang="en-US" sz="2800" dirty="0" smtClean="0"/>
+              <a:t>計算</a:t>
+            </a:r>
+            <a:endParaRPr lang="en-US" altLang="ja-JP" sz="2800" dirty="0" smtClean="0"/>
+          </a:p>
+          <a:p>
+            <a:r>
+              <a:rPr lang="ja-JP" altLang="en-US" sz="2800" dirty="0"/>
+              <a:t>配列の大きさが　</a:t>
+            </a:r>
+            <a:r>
+              <a:rPr lang="en-US" altLang="ja-JP" sz="2800" dirty="0" smtClean="0"/>
+              <a:t>32</a:t>
+            </a:r>
+            <a:r>
+              <a:rPr lang="ja-JP" altLang="en-US" sz="2800" dirty="0" smtClean="0"/>
+              <a:t>なら </a:t>
+            </a:r>
+            <a:r>
+              <a:rPr lang="en-US" altLang="ja-JP" sz="2800" dirty="0" smtClean="0"/>
+              <a:t>5+1</a:t>
+            </a:r>
+            <a:r>
+              <a:rPr lang="ja-JP" altLang="en-US" sz="2800" dirty="0" smtClean="0"/>
+              <a:t>で</a:t>
+            </a:r>
+            <a:r>
+              <a:rPr lang="en-US" altLang="ja-JP" sz="2800" dirty="0" smtClean="0"/>
+              <a:t>6</a:t>
+            </a:r>
+            <a:r>
+              <a:rPr lang="ja-JP" altLang="en-US" sz="2800" dirty="0" smtClean="0"/>
+              <a:t>回</a:t>
+            </a:r>
+            <a:r>
+              <a:rPr lang="ja-JP" altLang="en-US" sz="2800" dirty="0"/>
+              <a:t>の</a:t>
+            </a:r>
+            <a:r>
+              <a:rPr lang="ja-JP" altLang="en-US" sz="2800" dirty="0" smtClean="0"/>
+              <a:t>計算となる。</a:t>
+            </a:r>
+            <a:endParaRPr lang="en-US" altLang="ja-JP" sz="2800" dirty="0" smtClean="0"/>
+          </a:p>
+          <a:p>
+            <a:endParaRPr lang="en-US" altLang="ja-JP" sz="2800" dirty="0"/>
+          </a:p>
+          <a:p>
+            <a:r>
+              <a:rPr lang="ja-JP" altLang="en-US" sz="2800" dirty="0" smtClean="0"/>
+              <a:t>配列の大きさが　</a:t>
+            </a:r>
+            <a:r>
+              <a:rPr lang="en-US" altLang="ja-JP" sz="2800" dirty="0" smtClean="0"/>
+              <a:t>10000</a:t>
+            </a:r>
+            <a:r>
+              <a:rPr lang="ja-JP" altLang="en-US" sz="2800" dirty="0" smtClean="0"/>
+              <a:t>でも、</a:t>
+            </a:r>
+            <a:r>
+              <a:rPr lang="en-US" altLang="ja-JP" sz="2800" dirty="0" smtClean="0"/>
+              <a:t>13+1</a:t>
+            </a:r>
+            <a:r>
+              <a:rPr lang="ja-JP" altLang="en-US" sz="2800" dirty="0" smtClean="0"/>
+              <a:t>で</a:t>
+            </a:r>
+            <a:r>
+              <a:rPr lang="en-US" altLang="ja-JP" sz="2800" dirty="0" smtClean="0"/>
+              <a:t>14</a:t>
+            </a:r>
+            <a:r>
+              <a:rPr lang="ja-JP" altLang="en-US" sz="2800" dirty="0" smtClean="0"/>
+              <a:t>回の計算ですむ。</a:t>
+            </a:r>
+            <a:endParaRPr lang="en-US" altLang="ja-JP" sz="2800" dirty="0" smtClean="0"/>
+          </a:p>
+          <a:p>
+            <a:r>
+              <a:rPr lang="ja-JP" altLang="en-US" sz="2800" dirty="0" smtClean="0"/>
+              <a:t>（つまり、線形探索と比べても　計算量が少なくて済む）</a:t>
+            </a:r>
+            <a:endParaRPr lang="en-US" altLang="ja-JP" sz="2800" dirty="0"/>
+          </a:p>
+        </p:txBody>
+      </p:sp>
+    </p:spTree>
+    <p:extLst>
+      <p:ext uri="{BB962C8B-B14F-4D97-AF65-F5344CB8AC3E}">
+        <p14:creationId xmlns:p14="http://schemas.microsoft.com/office/powerpoint/2010/main" val="3150201127"/>
+      </p:ext>
+    </p:extLst>
+  </p:cSld>
+  <p:clrMapOvr>
+    <a:masterClrMapping/>
+  </p:clrMapOvr>
+</p:sld>
+</file>
+
+<file path=ppt/slides/slide11.xml><?xml version="1.0" encoding="utf-8"?>
+<p:sld xmlns:a="http://schemas.openxmlformats.org/drawingml/2006/main" xmlns:r="http://schemas.openxmlformats.org/officeDocument/2006/relationships" xmlns:p="http://schemas.openxmlformats.org/presentationml/2006/main">
+  <p:cSld>
+    <p:spTree>
+      <p:nvGrpSpPr>
+        <p:cNvPr id="1" name=""/>
+        <p:cNvGrpSpPr/>
+        <p:nvPr/>
+      </p:nvGrpSpPr>
+      <p:grpSpPr>
+        <a:xfrm>
+          <a:off x="0" y="0"/>
+          <a:ext cx="0" cy="0"/>
+          <a:chOff x="0" y="0"/>
+          <a:chExt cx="0" cy="0"/>
+        </a:xfrm>
+      </p:grpSpPr>
+      <p:sp>
+        <p:nvSpPr>
+          <p:cNvPr id="2" name="タイトル 1"/>
+          <p:cNvSpPr>
+            <a:spLocks noGrp="1"/>
+          </p:cNvSpPr>
+          <p:nvPr>
+            <p:ph type="title"/>
+          </p:nvPr>
+        </p:nvSpPr>
         <p:spPr>
           <a:xfrm>
             <a:off x="2791689" y="2659439"/>
@@ -3521,6 +3781,60 @@
     <p:extLst>
       <p:ext uri="{BB962C8B-B14F-4D97-AF65-F5344CB8AC3E}">
         <p14:creationId xmlns:p14="http://schemas.microsoft.com/office/powerpoint/2010/main" val="3041200670"/>
+      </p:ext>
+    </p:extLst>
+  </p:cSld>
+  <p:clrMapOvr>
+    <a:masterClrMapping/>
+  </p:clrMapOvr>
+</p:sld>
+</file>
+
+<file path=ppt/slides/slide12.xml><?xml version="1.0" encoding="utf-8"?>
+<p:sld xmlns:a="http://schemas.openxmlformats.org/drawingml/2006/main" xmlns:r="http://schemas.openxmlformats.org/officeDocument/2006/relationships" xmlns:p="http://schemas.openxmlformats.org/presentationml/2006/main">
+  <p:cSld>
+    <p:spTree>
+      <p:nvGrpSpPr>
+        <p:cNvPr id="1" name=""/>
+        <p:cNvGrpSpPr/>
+        <p:nvPr/>
+      </p:nvGrpSpPr>
+      <p:grpSpPr>
+        <a:xfrm>
+          <a:off x="0" y="0"/>
+          <a:ext cx="0" cy="0"/>
+          <a:chOff x="0" y="0"/>
+          <a:chExt cx="0" cy="0"/>
+        </a:xfrm>
+      </p:grpSpPr>
+      <p:pic>
+        <p:nvPicPr>
+          <p:cNvPr id="2" name="図 1"/>
+          <p:cNvPicPr>
+            <a:picLocks noChangeAspect="1"/>
+          </p:cNvPicPr>
+          <p:nvPr/>
+        </p:nvPicPr>
+        <p:blipFill>
+          <a:blip r:embed="rId2"/>
+          <a:stretch>
+            <a:fillRect/>
+          </a:stretch>
+        </p:blipFill>
+        <p:spPr>
+          <a:xfrm>
+            <a:off x="452437" y="9525"/>
+            <a:ext cx="11287125" cy="6838950"/>
+          </a:xfrm>
+          <a:prstGeom prst="rect">
+            <a:avLst/>
+          </a:prstGeom>
+        </p:spPr>
+      </p:pic>
+    </p:spTree>
+    <p:extLst>
+      <p:ext uri="{BB962C8B-B14F-4D97-AF65-F5344CB8AC3E}">
+        <p14:creationId xmlns:p14="http://schemas.microsoft.com/office/powerpoint/2010/main" val="1110713583"/>
       </p:ext>
     </p:extLst>
   </p:cSld>
@@ -4877,6 +5191,60 @@
 </file>
 
 <file path=ppt/slides/slide6.xml><?xml version="1.0" encoding="utf-8"?>
+<p:sld xmlns:a="http://schemas.openxmlformats.org/drawingml/2006/main" xmlns:r="http://schemas.openxmlformats.org/officeDocument/2006/relationships" xmlns:p="http://schemas.openxmlformats.org/presentationml/2006/main">
+  <p:cSld>
+    <p:spTree>
+      <p:nvGrpSpPr>
+        <p:cNvPr id="1" name=""/>
+        <p:cNvGrpSpPr/>
+        <p:nvPr/>
+      </p:nvGrpSpPr>
+      <p:grpSpPr>
+        <a:xfrm>
+          <a:off x="0" y="0"/>
+          <a:ext cx="0" cy="0"/>
+          <a:chOff x="0" y="0"/>
+          <a:chExt cx="0" cy="0"/>
+        </a:xfrm>
+      </p:grpSpPr>
+      <p:pic>
+        <p:nvPicPr>
+          <p:cNvPr id="2" name="図 1"/>
+          <p:cNvPicPr>
+            <a:picLocks noChangeAspect="1"/>
+          </p:cNvPicPr>
+          <p:nvPr/>
+        </p:nvPicPr>
+        <p:blipFill>
+          <a:blip r:embed="rId2"/>
+          <a:stretch>
+            <a:fillRect/>
+          </a:stretch>
+        </p:blipFill>
+        <p:spPr>
+          <a:xfrm>
+            <a:off x="461962" y="52387"/>
+            <a:ext cx="11268075" cy="6753225"/>
+          </a:xfrm>
+          <a:prstGeom prst="rect">
+            <a:avLst/>
+          </a:prstGeom>
+        </p:spPr>
+      </p:pic>
+    </p:spTree>
+    <p:extLst>
+      <p:ext uri="{BB962C8B-B14F-4D97-AF65-F5344CB8AC3E}">
+        <p14:creationId xmlns:p14="http://schemas.microsoft.com/office/powerpoint/2010/main" val="1910884107"/>
+      </p:ext>
+    </p:extLst>
+  </p:cSld>
+  <p:clrMapOvr>
+    <a:masterClrMapping/>
+  </p:clrMapOvr>
+</p:sld>
+</file>
+
+<file path=ppt/slides/slide7.xml><?xml version="1.0" encoding="utf-8"?>
 <p:sld xmlns:a="http://schemas.openxmlformats.org/drawingml/2006/main" xmlns:r="http://schemas.openxmlformats.org/officeDocument/2006/relationships" xmlns:p="http://schemas.openxmlformats.org/presentationml/2006/main">
   <p:cSld>
     <p:spTree>
@@ -6046,6 +6414,114 @@
           </a:p>
         </p:txBody>
       </p:sp>
+      <p:sp>
+        <p:nvSpPr>
+          <p:cNvPr id="11" name="テキスト ボックス 10"/>
+          <p:cNvSpPr txBox="1"/>
+          <p:nvPr/>
+        </p:nvSpPr>
+        <p:spPr>
+          <a:xfrm>
+            <a:off x="2074708" y="5136452"/>
+            <a:ext cx="2749471" cy="400110"/>
+          </a:xfrm>
+          <a:prstGeom prst="rect">
+            <a:avLst/>
+          </a:prstGeom>
+          <a:noFill/>
+        </p:spPr>
+        <p:txBody>
+          <a:bodyPr wrap="none" rtlCol="0">
+            <a:spAutoFit/>
+          </a:bodyPr>
+          <a:lstStyle/>
+          <a:p>
+            <a:r>
+              <a:rPr lang="ja-JP" altLang="en-US" sz="2000" b="1" dirty="0" smtClean="0">
+                <a:solidFill>
+                  <a:srgbClr val="FF0000"/>
+                </a:solidFill>
+              </a:rPr>
+              <a:t>前半を</a:t>
+            </a:r>
+            <a:r>
+              <a:rPr lang="ja-JP" altLang="en-US" sz="2000" b="1" dirty="0" smtClean="0">
+                <a:solidFill>
+                  <a:srgbClr val="FF0000"/>
+                </a:solidFill>
+              </a:rPr>
+              <a:t>探しに</a:t>
+            </a:r>
+            <a:r>
+              <a:rPr lang="ja-JP" altLang="en-US" sz="2000" b="1" dirty="0" smtClean="0">
+                <a:solidFill>
+                  <a:srgbClr val="FF0000"/>
+                </a:solidFill>
+              </a:rPr>
+              <a:t>いく場合</a:t>
+            </a:r>
+            <a:endParaRPr kumimoji="1" lang="ja-JP" altLang="en-US" sz="2000" b="1" dirty="0">
+              <a:solidFill>
+                <a:srgbClr val="FF0000"/>
+              </a:solidFill>
+            </a:endParaRPr>
+          </a:p>
+        </p:txBody>
+      </p:sp>
+      <p:sp>
+        <p:nvSpPr>
+          <p:cNvPr id="12" name="テキスト ボックス 11"/>
+          <p:cNvSpPr txBox="1"/>
+          <p:nvPr/>
+        </p:nvSpPr>
+        <p:spPr>
+          <a:xfrm>
+            <a:off x="2074707" y="5612189"/>
+            <a:ext cx="2749471" cy="400110"/>
+          </a:xfrm>
+          <a:prstGeom prst="rect">
+            <a:avLst/>
+          </a:prstGeom>
+          <a:noFill/>
+        </p:spPr>
+        <p:txBody>
+          <a:bodyPr wrap="none" rtlCol="0">
+            <a:spAutoFit/>
+          </a:bodyPr>
+          <a:lstStyle/>
+          <a:p>
+            <a:r>
+              <a:rPr lang="ja-JP" altLang="en-US" sz="2000" b="1" dirty="0" smtClean="0">
+                <a:solidFill>
+                  <a:srgbClr val="FF0000"/>
+                </a:solidFill>
+              </a:rPr>
+              <a:t>後半を</a:t>
+            </a:r>
+            <a:r>
+              <a:rPr lang="ja-JP" altLang="en-US" sz="2000" b="1" dirty="0" smtClean="0">
+                <a:solidFill>
+                  <a:srgbClr val="FF0000"/>
+                </a:solidFill>
+              </a:rPr>
+              <a:t>探しに</a:t>
+            </a:r>
+            <a:r>
+              <a:rPr lang="ja-JP" altLang="en-US" sz="2000" b="1" dirty="0" smtClean="0">
+                <a:solidFill>
+                  <a:srgbClr val="FF0000"/>
+                </a:solidFill>
+              </a:rPr>
+              <a:t>いく場合</a:t>
+            </a:r>
+            <a:endParaRPr kumimoji="1" lang="ja-JP" altLang="en-US" sz="2000" b="1" dirty="0">
+              <a:solidFill>
+                <a:srgbClr val="FF0000"/>
+              </a:solidFill>
+            </a:endParaRPr>
+          </a:p>
+        </p:txBody>
+      </p:sp>
     </p:spTree>
     <p:extLst>
       <p:ext uri="{BB962C8B-B14F-4D97-AF65-F5344CB8AC3E}">
@@ -6059,7 +6535,7 @@
 </p:sld>
 </file>
 
-<file path=ppt/slides/slide7.xml><?xml version="1.0" encoding="utf-8"?>
+<file path=ppt/slides/slide8.xml><?xml version="1.0" encoding="utf-8"?>
 <p:sld xmlns:a="http://schemas.openxmlformats.org/drawingml/2006/main" xmlns:r="http://schemas.openxmlformats.org/officeDocument/2006/relationships" xmlns:p="http://schemas.openxmlformats.org/presentationml/2006/main">
   <p:cSld>
     <p:spTree>
@@ -7232,6 +7708,152 @@
           </a:p>
         </p:txBody>
       </p:sp>
+      <p:sp>
+        <p:nvSpPr>
+          <p:cNvPr id="7" name="テキスト ボックス 6"/>
+          <p:cNvSpPr txBox="1"/>
+          <p:nvPr/>
+        </p:nvSpPr>
+        <p:spPr>
+          <a:xfrm>
+            <a:off x="2074708" y="5136452"/>
+            <a:ext cx="2749471" cy="400110"/>
+          </a:xfrm>
+          <a:prstGeom prst="rect">
+            <a:avLst/>
+          </a:prstGeom>
+          <a:noFill/>
+        </p:spPr>
+        <p:txBody>
+          <a:bodyPr wrap="none" rtlCol="0">
+            <a:spAutoFit/>
+          </a:bodyPr>
+          <a:lstStyle/>
+          <a:p>
+            <a:r>
+              <a:rPr lang="ja-JP" altLang="en-US" sz="2000" b="1" dirty="0" smtClean="0">
+                <a:solidFill>
+                  <a:srgbClr val="FF0000"/>
+                </a:solidFill>
+              </a:rPr>
+              <a:t>前半を</a:t>
+            </a:r>
+            <a:r>
+              <a:rPr lang="ja-JP" altLang="en-US" sz="2000" b="1" dirty="0" smtClean="0">
+                <a:solidFill>
+                  <a:srgbClr val="FF0000"/>
+                </a:solidFill>
+              </a:rPr>
+              <a:t>探しに</a:t>
+            </a:r>
+            <a:r>
+              <a:rPr lang="ja-JP" altLang="en-US" sz="2000" b="1" dirty="0" smtClean="0">
+                <a:solidFill>
+                  <a:srgbClr val="FF0000"/>
+                </a:solidFill>
+              </a:rPr>
+              <a:t>いく場合</a:t>
+            </a:r>
+            <a:endParaRPr kumimoji="1" lang="ja-JP" altLang="en-US" sz="2000" b="1" dirty="0">
+              <a:solidFill>
+                <a:srgbClr val="FF0000"/>
+              </a:solidFill>
+            </a:endParaRPr>
+          </a:p>
+        </p:txBody>
+      </p:sp>
+      <p:sp>
+        <p:nvSpPr>
+          <p:cNvPr id="8" name="テキスト ボックス 7"/>
+          <p:cNvSpPr txBox="1"/>
+          <p:nvPr/>
+        </p:nvSpPr>
+        <p:spPr>
+          <a:xfrm>
+            <a:off x="2074707" y="5612189"/>
+            <a:ext cx="2749471" cy="400110"/>
+          </a:xfrm>
+          <a:prstGeom prst="rect">
+            <a:avLst/>
+          </a:prstGeom>
+          <a:noFill/>
+        </p:spPr>
+        <p:txBody>
+          <a:bodyPr wrap="none" rtlCol="0">
+            <a:spAutoFit/>
+          </a:bodyPr>
+          <a:lstStyle/>
+          <a:p>
+            <a:r>
+              <a:rPr lang="ja-JP" altLang="en-US" sz="2000" b="1" dirty="0" smtClean="0">
+                <a:solidFill>
+                  <a:srgbClr val="FF0000"/>
+                </a:solidFill>
+              </a:rPr>
+              <a:t>後半を</a:t>
+            </a:r>
+            <a:r>
+              <a:rPr lang="ja-JP" altLang="en-US" sz="2000" b="1" dirty="0" smtClean="0">
+                <a:solidFill>
+                  <a:srgbClr val="FF0000"/>
+                </a:solidFill>
+              </a:rPr>
+              <a:t>探しに</a:t>
+            </a:r>
+            <a:r>
+              <a:rPr lang="ja-JP" altLang="en-US" sz="2000" b="1" dirty="0" smtClean="0">
+                <a:solidFill>
+                  <a:srgbClr val="FF0000"/>
+                </a:solidFill>
+              </a:rPr>
+              <a:t>いく場合</a:t>
+            </a:r>
+            <a:endParaRPr kumimoji="1" lang="ja-JP" altLang="en-US" sz="2000" b="1" dirty="0">
+              <a:solidFill>
+                <a:srgbClr val="FF0000"/>
+              </a:solidFill>
+            </a:endParaRPr>
+          </a:p>
+        </p:txBody>
+      </p:sp>
+      <p:sp>
+        <p:nvSpPr>
+          <p:cNvPr id="11" name="テキスト ボックス 10"/>
+          <p:cNvSpPr txBox="1"/>
+          <p:nvPr/>
+        </p:nvSpPr>
+        <p:spPr>
+          <a:xfrm>
+            <a:off x="4467947" y="3485892"/>
+            <a:ext cx="2236510" cy="400110"/>
+          </a:xfrm>
+          <a:prstGeom prst="rect">
+            <a:avLst/>
+          </a:prstGeom>
+          <a:noFill/>
+        </p:spPr>
+        <p:txBody>
+          <a:bodyPr wrap="none" rtlCol="0">
+            <a:spAutoFit/>
+          </a:bodyPr>
+          <a:lstStyle/>
+          <a:p>
+            <a:r>
+              <a:rPr lang="ja-JP" altLang="en-US" sz="2000" b="1" dirty="0" smtClean="0">
+                <a:solidFill>
+                  <a:srgbClr val="FF0000"/>
+                </a:solidFill>
+              </a:rPr>
+              <a:t>後半を探しにいく</a:t>
+            </a:r>
+            <a:endParaRPr kumimoji="1" lang="ja-JP" altLang="en-US" sz="2000" b="1" dirty="0">
+              <a:solidFill>
+                <a:srgbClr val="FF0000"/>
+              </a:solidFill>
+            </a:endParaRPr>
+          </a:p>
+        </p:txBody>
+      </p:sp>
     </p:spTree>
     <p:extLst>
       <p:ext uri="{BB962C8B-B14F-4D97-AF65-F5344CB8AC3E}">
@@ -7245,7 +7867,7 @@
 </p:sld>
 </file>
 
-<file path=ppt/slides/slide8.xml><?xml version="1.0" encoding="utf-8"?>
+<file path=ppt/slides/slide9.xml><?xml version="1.0" encoding="utf-8"?>
 <p:sld xmlns:a="http://schemas.openxmlformats.org/drawingml/2006/main" xmlns:r="http://schemas.openxmlformats.org/officeDocument/2006/relationships" xmlns:p="http://schemas.openxmlformats.org/presentationml/2006/main">
   <p:cSld>
     <p:spTree>
@@ -7994,23 +8616,7 @@
                   <a:srgbClr val="FF0000"/>
                 </a:solidFill>
               </a:rPr>
-              <a:t>を</a:t>
-            </a:r>
-            <a:r>
-              <a:rPr lang="ja-JP" altLang="en-US" sz="2800" b="1" dirty="0" smtClean="0">
-                <a:solidFill>
-                  <a:srgbClr val="FF0000"/>
-                </a:solidFill>
-              </a:rPr>
-              <a:t>探す</a:t>
-            </a:r>
-            <a:r>
-              <a:rPr lang="ja-JP" altLang="en-US" sz="2800" b="1" dirty="0" smtClean="0">
-                <a:solidFill>
-                  <a:srgbClr val="FF0000"/>
-                </a:solidFill>
-              </a:rPr>
-              <a:t>場合</a:t>
+              <a:t>を探す場合</a:t>
             </a:r>
             <a:endParaRPr lang="en-US" altLang="ja-JP" sz="2800" b="1" dirty="0" smtClean="0">
               <a:solidFill>
@@ -8035,11 +8641,6 @@
               </a:rPr>
               <a:t>3</a:t>
             </a:r>
-            <a:endParaRPr lang="en-US" altLang="ja-JP" sz="2800" b="1" dirty="0" smtClean="0">
-              <a:solidFill>
-                <a:srgbClr val="FF0000"/>
-              </a:solidFill>
-            </a:endParaRPr>
           </a:p>
         </p:txBody>
       </p:sp>
@@ -8047,264 +8648,6 @@
     <p:extLst>
       <p:ext uri="{BB962C8B-B14F-4D97-AF65-F5344CB8AC3E}">
         <p14:creationId xmlns:p14="http://schemas.microsoft.com/office/powerpoint/2010/main" val="3715509269"/>
-      </p:ext>
-    </p:extLst>
-  </p:cSld>
-  <p:clrMapOvr>
-    <a:masterClrMapping/>
-  </p:clrMapOvr>
-</p:sld>
-</file>
-
-<file path=ppt/slides/slide9.xml><?xml version="1.0" encoding="utf-8"?>
-<p:sld xmlns:a="http://schemas.openxmlformats.org/drawingml/2006/main" xmlns:r="http://schemas.openxmlformats.org/officeDocument/2006/relationships" xmlns:p="http://schemas.openxmlformats.org/presentationml/2006/main">
-  <p:cSld>
-    <p:spTree>
-      <p:nvGrpSpPr>
-        <p:cNvPr id="1" name=""/>
-        <p:cNvGrpSpPr/>
-        <p:nvPr/>
-      </p:nvGrpSpPr>
-      <p:grpSpPr>
-        <a:xfrm>
-          <a:off x="0" y="0"/>
-          <a:ext cx="0" cy="0"/>
-          <a:chOff x="0" y="0"/>
-          <a:chExt cx="0" cy="0"/>
-        </a:xfrm>
-      </p:grpSpPr>
-      <p:sp>
-        <p:nvSpPr>
-          <p:cNvPr id="2" name="タイトル 1"/>
-          <p:cNvSpPr>
-            <a:spLocks noGrp="1"/>
-          </p:cNvSpPr>
-          <p:nvPr>
-            <p:ph type="title"/>
-          </p:nvPr>
-        </p:nvSpPr>
-        <p:spPr/>
-        <p:txBody>
-          <a:bodyPr/>
-          <a:lstStyle/>
-          <a:p>
-            <a:r>
-              <a:rPr lang="ja-JP" altLang="en-US" dirty="0" smtClean="0"/>
-              <a:t>計算量について（教科書 </a:t>
-            </a:r>
-            <a:r>
-              <a:rPr lang="en-US" altLang="ja-JP" dirty="0" smtClean="0"/>
-              <a:t>68</a:t>
-            </a:r>
-            <a:r>
-              <a:rPr lang="ja-JP" altLang="en-US" dirty="0" smtClean="0"/>
-              <a:t>ページ</a:t>
-            </a:r>
-            <a:r>
-              <a:rPr lang="en-US" altLang="ja-JP" dirty="0" smtClean="0"/>
-              <a:t>)</a:t>
-            </a:r>
-            <a:endParaRPr kumimoji="1" lang="ja-JP" altLang="en-US" dirty="0"/>
-          </a:p>
-        </p:txBody>
-      </p:sp>
-      <p:sp>
-        <p:nvSpPr>
-          <p:cNvPr id="3" name="テキスト ボックス 2"/>
-          <p:cNvSpPr txBox="1"/>
-          <p:nvPr/>
-        </p:nvSpPr>
-        <p:spPr>
-          <a:xfrm>
-            <a:off x="1113905" y="1562793"/>
-            <a:ext cx="9629559" cy="3970318"/>
-          </a:xfrm>
-          <a:prstGeom prst="rect">
-            <a:avLst/>
-          </a:prstGeom>
-          <a:noFill/>
-        </p:spPr>
-        <p:txBody>
-          <a:bodyPr wrap="none" rtlCol="0">
-            <a:spAutoFit/>
-          </a:bodyPr>
-          <a:lstStyle/>
-          <a:p>
-            <a:r>
-              <a:rPr kumimoji="1" lang="en-US" altLang="ja-JP" sz="2800" dirty="0" smtClean="0"/>
-              <a:t>C=log2(N)+1</a:t>
-            </a:r>
-          </a:p>
-          <a:p>
-            <a:endParaRPr lang="en-US" altLang="ja-JP" sz="2800" dirty="0"/>
-          </a:p>
-          <a:p>
-            <a:r>
-              <a:rPr lang="ja-JP" altLang="en-US" sz="2800" dirty="0" smtClean="0"/>
-              <a:t>例えば </a:t>
-            </a:r>
-            <a:endParaRPr lang="en-US" altLang="ja-JP" sz="2800" dirty="0" smtClean="0"/>
-          </a:p>
-          <a:p>
-            <a:r>
-              <a:rPr lang="ja-JP" altLang="en-US" sz="2800" dirty="0" smtClean="0"/>
-              <a:t>配列の大きさが　</a:t>
-            </a:r>
-            <a:r>
-              <a:rPr lang="en-US" altLang="ja-JP" sz="2800" dirty="0" smtClean="0"/>
-              <a:t>4</a:t>
-            </a:r>
-            <a:r>
-              <a:rPr lang="ja-JP" altLang="en-US" sz="2800" dirty="0" smtClean="0"/>
-              <a:t>なら </a:t>
-            </a:r>
-            <a:r>
-              <a:rPr lang="en-US" altLang="ja-JP" sz="2800" dirty="0" smtClean="0"/>
-              <a:t>2+1</a:t>
-            </a:r>
-            <a:r>
-              <a:rPr lang="ja-JP" altLang="en-US" sz="2800" dirty="0" smtClean="0"/>
-              <a:t>で</a:t>
-            </a:r>
-            <a:r>
-              <a:rPr lang="en-US" altLang="ja-JP" sz="2800" dirty="0" smtClean="0"/>
-              <a:t>3</a:t>
-            </a:r>
-            <a:r>
-              <a:rPr lang="ja-JP" altLang="en-US" sz="2800" dirty="0" smtClean="0"/>
-              <a:t>回の計算</a:t>
-            </a:r>
-            <a:endParaRPr lang="en-US" altLang="ja-JP" sz="2800" dirty="0" smtClean="0"/>
-          </a:p>
-          <a:p>
-            <a:r>
-              <a:rPr lang="ja-JP" altLang="en-US" sz="2800" dirty="0" smtClean="0"/>
-              <a:t>配列</a:t>
-            </a:r>
-            <a:r>
-              <a:rPr lang="ja-JP" altLang="en-US" sz="2800" dirty="0"/>
-              <a:t>の大きさが　</a:t>
-            </a:r>
-            <a:r>
-              <a:rPr lang="en-US" altLang="ja-JP" sz="2800" dirty="0" smtClean="0"/>
-              <a:t>16</a:t>
-            </a:r>
-            <a:r>
-              <a:rPr lang="ja-JP" altLang="en-US" sz="2800" dirty="0" smtClean="0"/>
-              <a:t>なら </a:t>
-            </a:r>
-            <a:r>
-              <a:rPr lang="en-US" altLang="ja-JP" sz="2800" dirty="0" smtClean="0"/>
-              <a:t>4+1</a:t>
-            </a:r>
-            <a:r>
-              <a:rPr lang="ja-JP" altLang="en-US" sz="2800" dirty="0" smtClean="0"/>
-              <a:t>で</a:t>
-            </a:r>
-            <a:r>
-              <a:rPr lang="en-US" altLang="ja-JP" sz="2800" dirty="0" smtClean="0"/>
-              <a:t>5</a:t>
-            </a:r>
-            <a:r>
-              <a:rPr lang="ja-JP" altLang="en-US" sz="2800" dirty="0" smtClean="0"/>
-              <a:t>回</a:t>
-            </a:r>
-            <a:r>
-              <a:rPr lang="ja-JP" altLang="en-US" sz="2800" dirty="0"/>
-              <a:t>の</a:t>
-            </a:r>
-            <a:r>
-              <a:rPr lang="ja-JP" altLang="en-US" sz="2800" dirty="0" smtClean="0"/>
-              <a:t>計算</a:t>
-            </a:r>
-            <a:endParaRPr lang="en-US" altLang="ja-JP" sz="2800" dirty="0" smtClean="0"/>
-          </a:p>
-          <a:p>
-            <a:r>
-              <a:rPr lang="ja-JP" altLang="en-US" sz="2800" dirty="0"/>
-              <a:t>配列の大きさが　</a:t>
-            </a:r>
-            <a:r>
-              <a:rPr lang="en-US" altLang="ja-JP" sz="2800" dirty="0" smtClean="0"/>
-              <a:t>32</a:t>
-            </a:r>
-            <a:r>
-              <a:rPr lang="ja-JP" altLang="en-US" sz="2800" dirty="0" smtClean="0"/>
-              <a:t>なら </a:t>
-            </a:r>
-            <a:r>
-              <a:rPr lang="en-US" altLang="ja-JP" sz="2800" dirty="0" smtClean="0"/>
-              <a:t>5+1</a:t>
-            </a:r>
-            <a:r>
-              <a:rPr lang="ja-JP" altLang="en-US" sz="2800" dirty="0" smtClean="0"/>
-              <a:t>で</a:t>
-            </a:r>
-            <a:r>
-              <a:rPr lang="en-US" altLang="ja-JP" sz="2800" dirty="0" smtClean="0"/>
-              <a:t>6</a:t>
-            </a:r>
-            <a:r>
-              <a:rPr lang="ja-JP" altLang="en-US" sz="2800" dirty="0" smtClean="0"/>
-              <a:t>回</a:t>
-            </a:r>
-            <a:r>
-              <a:rPr lang="ja-JP" altLang="en-US" sz="2800" dirty="0"/>
-              <a:t>の</a:t>
-            </a:r>
-            <a:r>
-              <a:rPr lang="ja-JP" altLang="en-US" sz="2800" dirty="0" smtClean="0"/>
-              <a:t>計算となる。</a:t>
-            </a:r>
-            <a:endParaRPr lang="en-US" altLang="ja-JP" sz="2800" dirty="0" smtClean="0"/>
-          </a:p>
-          <a:p>
-            <a:endParaRPr lang="en-US" altLang="ja-JP" sz="2800" dirty="0"/>
-          </a:p>
-          <a:p>
-            <a:r>
-              <a:rPr lang="ja-JP" altLang="en-US" sz="2800" dirty="0" smtClean="0"/>
-              <a:t>配列の大きさが　</a:t>
-            </a:r>
-            <a:r>
-              <a:rPr lang="en-US" altLang="ja-JP" sz="2800" dirty="0" smtClean="0"/>
-              <a:t>10000</a:t>
-            </a:r>
-            <a:r>
-              <a:rPr lang="ja-JP" altLang="en-US" sz="2800" dirty="0" smtClean="0"/>
-              <a:t>でも、</a:t>
-            </a:r>
-            <a:r>
-              <a:rPr lang="en-US" altLang="ja-JP" sz="2800" dirty="0" smtClean="0"/>
-              <a:t>13+1</a:t>
-            </a:r>
-            <a:r>
-              <a:rPr lang="ja-JP" altLang="en-US" sz="2800" dirty="0" smtClean="0"/>
-              <a:t>で</a:t>
-            </a:r>
-            <a:r>
-              <a:rPr lang="en-US" altLang="ja-JP" sz="2800" dirty="0" smtClean="0"/>
-              <a:t>14</a:t>
-            </a:r>
-            <a:r>
-              <a:rPr lang="ja-JP" altLang="en-US" sz="2800" dirty="0" smtClean="0"/>
-              <a:t>回の計算ですむ。</a:t>
-            </a:r>
-            <a:endParaRPr lang="en-US" altLang="ja-JP" sz="2800" dirty="0" smtClean="0"/>
-          </a:p>
-          <a:p>
-            <a:r>
-              <a:rPr lang="ja-JP" altLang="en-US" sz="2800" dirty="0" smtClean="0"/>
-              <a:t>（つまり、線形探索と比べても　計算量が少なくて済む）</a:t>
-            </a:r>
-            <a:endParaRPr lang="en-US" altLang="ja-JP" sz="2800" dirty="0"/>
-          </a:p>
-        </p:txBody>
-      </p:sp>
-    </p:spTree>
-    <p:extLst>
-      <p:ext uri="{BB962C8B-B14F-4D97-AF65-F5344CB8AC3E}">
-        <p14:creationId xmlns:p14="http://schemas.microsoft.com/office/powerpoint/2010/main" val="3150201127"/>
       </p:ext>
     </p:extLst>
   </p:cSld>
